--- a/doc/Test Doubles and Dependency Design.pptx
+++ b/doc/Test Doubles and Dependency Design.pptx
@@ -5,23 +5,26 @@
     <p:sldMasterId id="2147483648" r:id="rId2"/>
     <p:sldMasterId id="2147483650" r:id="rId3"/>
     <p:sldMasterId id="2147483652" r:id="rId4"/>
+    <p:sldMasterId id="2147483654" r:id="rId5"/>
   </p:sldMasterIdLst>
   <p:sldIdLst>
-    <p:sldId id="256" r:id="rId5"/>
-    <p:sldId id="257" r:id="rId6"/>
-    <p:sldId id="258" r:id="rId7"/>
-    <p:sldId id="259" r:id="rId8"/>
-    <p:sldId id="260" r:id="rId9"/>
-    <p:sldId id="261" r:id="rId10"/>
-    <p:sldId id="262" r:id="rId11"/>
-    <p:sldId id="263" r:id="rId12"/>
-    <p:sldId id="264" r:id="rId13"/>
-    <p:sldId id="265" r:id="rId14"/>
-    <p:sldId id="266" r:id="rId15"/>
-    <p:sldId id="267" r:id="rId16"/>
-    <p:sldId id="268" r:id="rId17"/>
-    <p:sldId id="269" r:id="rId18"/>
-    <p:sldId id="270" r:id="rId19"/>
+    <p:sldId id="256" r:id="rId6"/>
+    <p:sldId id="257" r:id="rId7"/>
+    <p:sldId id="258" r:id="rId8"/>
+    <p:sldId id="259" r:id="rId9"/>
+    <p:sldId id="260" r:id="rId10"/>
+    <p:sldId id="261" r:id="rId11"/>
+    <p:sldId id="262" r:id="rId12"/>
+    <p:sldId id="263" r:id="rId13"/>
+    <p:sldId id="264" r:id="rId14"/>
+    <p:sldId id="265" r:id="rId15"/>
+    <p:sldId id="266" r:id="rId16"/>
+    <p:sldId id="267" r:id="rId17"/>
+    <p:sldId id="268" r:id="rId18"/>
+    <p:sldId id="269" r:id="rId19"/>
+    <p:sldId id="270" r:id="rId20"/>
+    <p:sldId id="271" r:id="rId21"/>
+    <p:sldId id="272" r:id="rId22"/>
   </p:sldIdLst>
   <p:sldSz cx="9144000" cy="6858000"/>
   <p:notesSz cx="7772400" cy="10058400"/>
@@ -135,7 +138,23 @@
       </p:grpSpPr>
       <p:sp>
         <p:nvSpPr>
-          <p:cNvPr id="0" name="PlaceHolder 1"/>
+          <p:cNvPr id="0" name="CustomShape 1"/>
+          <p:cNvSpPr/>
+          <p:nvPr/>
+        </p:nvSpPr>
+        <p:spPr>
+          <a:xfrm>
+            <a:off x="3124080" y="6356520"/>
+            <a:ext cx="2894400" cy="363960"/>
+          </a:xfrm>
+          <a:prstGeom prst="rect">
+            <a:avLst/>
+          </a:prstGeom>
+        </p:spPr>
+      </p:sp>
+      <p:sp>
+        <p:nvSpPr>
+          <p:cNvPr id="1" name="PlaceHolder 2"/>
           <p:cNvSpPr>
             <a:spLocks noGrp="1"/>
           </p:cNvSpPr>
@@ -145,25 +164,20 @@
         </p:nvSpPr>
         <p:spPr>
           <a:xfrm>
-            <a:off x="685800" y="2130480"/>
-            <a:ext cx="7772040" cy="1469520"/>
+            <a:off x="457200" y="273600"/>
+            <a:ext cx="8229240" cy="1144800"/>
           </a:xfrm>
           <a:prstGeom prst="rect">
             <a:avLst/>
           </a:prstGeom>
         </p:spPr>
         <p:txBody>
-          <a:bodyPr bIns="45000" lIns="90000" rIns="90000" tIns="45000"/>
+          <a:bodyPr anchor="ctr" bIns="0" lIns="0" rIns="0" tIns="0" wrap="none"/>
           <a:p>
             <a:pPr algn="ctr"/>
             <a:r>
-              <a:rPr lang="en-US" sz="4400">
-                <a:solidFill>
-                  <a:srgbClr val="000000"/>
-                </a:solidFill>
-                <a:latin typeface="Calibri"/>
-              </a:rPr>
-              <a:t>Click to edit the title text formatClick to edit Master title style</a:t>
+              <a:rPr lang="en-US"/>
+              <a:t>Click to edit the title text format</a:t>
             </a:r>
             <a:endParaRPr/>
           </a:p>
@@ -171,7 +185,7 @@
       </p:sp>
       <p:sp>
         <p:nvSpPr>
-          <p:cNvPr id="1" name="PlaceHolder 2"/>
+          <p:cNvPr id="2" name="PlaceHolder 3"/>
           <p:cNvSpPr>
             <a:spLocks noGrp="1"/>
           </p:cNvSpPr>
@@ -181,15 +195,15 @@
         </p:nvSpPr>
         <p:spPr>
           <a:xfrm>
-            <a:off x="1371600" y="3886200"/>
-            <a:ext cx="6400440" cy="1752120"/>
+            <a:off x="457200" y="1604520"/>
+            <a:ext cx="8229240" cy="4525920"/>
           </a:xfrm>
           <a:prstGeom prst="rect">
             <a:avLst/>
           </a:prstGeom>
         </p:spPr>
         <p:txBody>
-          <a:bodyPr bIns="45000" lIns="90000" rIns="90000" tIns="45000"/>
+          <a:bodyPr bIns="0" lIns="0" rIns="0" tIns="0" wrap="none"/>
           <a:p>
             <a:pPr>
               <a:buSzPct val="45000"/>
@@ -197,12 +211,7 @@
               <a:buChar char=""/>
             </a:pPr>
             <a:r>
-              <a:rPr lang="en-US" sz="3200">
-                <a:solidFill>
-                  <a:srgbClr val="8b8b8b"/>
-                </a:solidFill>
-                <a:latin typeface="Calibri"/>
-              </a:rPr>
+              <a:rPr lang="en-US"/>
               <a:t>Click to edit the outline text format</a:t>
             </a:r>
             <a:endParaRPr/>
@@ -214,12 +223,7 @@
               <a:buChar char=""/>
             </a:pPr>
             <a:r>
-              <a:rPr lang="en-US" sz="3200">
-                <a:solidFill>
-                  <a:srgbClr val="8b8b8b"/>
-                </a:solidFill>
-                <a:latin typeface="Calibri"/>
-              </a:rPr>
+              <a:rPr lang="en-US"/>
               <a:t>Second Outline Level</a:t>
             </a:r>
             <a:endParaRPr/>
@@ -231,12 +235,7 @@
               <a:buChar char=""/>
             </a:pPr>
             <a:r>
-              <a:rPr lang="en-US" sz="3200">
-                <a:solidFill>
-                  <a:srgbClr val="8b8b8b"/>
-                </a:solidFill>
-                <a:latin typeface="Calibri"/>
-              </a:rPr>
+              <a:rPr lang="en-US"/>
               <a:t>Third Outline Level</a:t>
             </a:r>
             <a:endParaRPr/>
@@ -248,12 +247,7 @@
               <a:buChar char=""/>
             </a:pPr>
             <a:r>
-              <a:rPr lang="en-US" sz="3200">
-                <a:solidFill>
-                  <a:srgbClr val="8b8b8b"/>
-                </a:solidFill>
-                <a:latin typeface="Calibri"/>
-              </a:rPr>
+              <a:rPr lang="en-US"/>
               <a:t>Fourth Outline Level</a:t>
             </a:r>
             <a:endParaRPr/>
@@ -265,12 +259,7 @@
               <a:buChar char=""/>
             </a:pPr>
             <a:r>
-              <a:rPr lang="en-US" sz="3200">
-                <a:solidFill>
-                  <a:srgbClr val="8b8b8b"/>
-                </a:solidFill>
-                <a:latin typeface="Calibri"/>
-              </a:rPr>
+              <a:rPr lang="en-US"/>
               <a:t>Fifth Outline Level</a:t>
             </a:r>
             <a:endParaRPr/>
@@ -282,12 +271,7 @@
               <a:buChar char=""/>
             </a:pPr>
             <a:r>
-              <a:rPr lang="en-US" sz="3200">
-                <a:solidFill>
-                  <a:srgbClr val="8b8b8b"/>
-                </a:solidFill>
-                <a:latin typeface="Calibri"/>
-              </a:rPr>
+              <a:rPr lang="en-US"/>
               <a:t>Sixth Outline Level</a:t>
             </a:r>
             <a:endParaRPr/>
@@ -299,12 +283,7 @@
               <a:buChar char=""/>
             </a:pPr>
             <a:r>
-              <a:rPr lang="en-US" sz="3200">
-                <a:solidFill>
-                  <a:srgbClr val="8b8b8b"/>
-                </a:solidFill>
-                <a:latin typeface="Calibri"/>
-              </a:rPr>
+              <a:rPr lang="en-US"/>
               <a:t>Seventh Outline Level</a:t>
             </a:r>
             <a:endParaRPr/>
@@ -316,112 +295,21 @@
               <a:buChar char=""/>
             </a:pPr>
             <a:r>
-              <a:rPr lang="en-US" sz="3200">
-                <a:solidFill>
-                  <a:srgbClr val="8b8b8b"/>
-                </a:solidFill>
-                <a:latin typeface="Calibri"/>
-              </a:rPr>
+              <a:rPr lang="en-US"/>
               <a:t>Eighth Outline Level</a:t>
             </a:r>
             <a:endParaRPr/>
           </a:p>
           <a:p>
-            <a:r>
-              <a:rPr lang="en-US" sz="3200">
-                <a:solidFill>
-                  <a:srgbClr val="8b8b8b"/>
-                </a:solidFill>
-                <a:latin typeface="Calibri"/>
-              </a:rPr>
-              <a:t>Ninth Outline LevelClick to edit Master subtitle style</a:t>
-            </a:r>
-            <a:endParaRPr/>
-          </a:p>
-        </p:txBody>
-      </p:sp>
-      <p:sp>
-        <p:nvSpPr>
-          <p:cNvPr id="2" name="PlaceHolder 3"/>
-          <p:cNvSpPr>
-            <a:spLocks noGrp="1"/>
-          </p:cNvSpPr>
-          <p:nvPr>
-            <p:ph type="dt"/>
-          </p:nvPr>
-        </p:nvSpPr>
-        <p:spPr>
-          <a:xfrm>
-            <a:off x="457200" y="6356520"/>
-            <a:ext cx="2133360" cy="364680"/>
-          </a:xfrm>
-          <a:prstGeom prst="rect">
-            <a:avLst/>
-          </a:prstGeom>
-        </p:spPr>
-        <p:txBody>
-          <a:bodyPr bIns="45000" lIns="90000" rIns="90000" tIns="45000"/>
-          <a:p>
-            <a:r>
-              <a:rPr lang="en-US" sz="1200">
-                <a:solidFill>
-                  <a:srgbClr val="8b8b8b"/>
-                </a:solidFill>
-                <a:latin typeface="Calibri"/>
-              </a:rPr>
-              <a:t>2/21/11</a:t>
-            </a:r>
-            <a:endParaRPr/>
-          </a:p>
-        </p:txBody>
-      </p:sp>
-      <p:sp>
-        <p:nvSpPr>
-          <p:cNvPr id="3" name="TextShape 4"/>
-          <p:cNvSpPr txBox="1"/>
-          <p:nvPr/>
-        </p:nvSpPr>
-        <p:spPr>
-          <a:xfrm>
-            <a:off x="3124080" y="6356520"/>
-            <a:ext cx="2895120" cy="364680"/>
-          </a:xfrm>
-          <a:prstGeom prst="rect">
-            <a:avLst/>
-          </a:prstGeom>
-        </p:spPr>
-      </p:sp>
-      <p:sp>
-        <p:nvSpPr>
-          <p:cNvPr id="4" name="PlaceHolder 5"/>
-          <p:cNvSpPr>
-            <a:spLocks noGrp="1"/>
-          </p:cNvSpPr>
-          <p:nvPr>
-            <p:ph type="sldNum"/>
-          </p:nvPr>
-        </p:nvSpPr>
-        <p:spPr>
-          <a:xfrm>
-            <a:off x="6553080" y="6356520"/>
-            <a:ext cx="2133360" cy="364680"/>
-          </a:xfrm>
-          <a:prstGeom prst="rect">
-            <a:avLst/>
-          </a:prstGeom>
-        </p:spPr>
-        <p:txBody>
-          <a:bodyPr bIns="45000" lIns="90000" rIns="90000" tIns="45000"/>
-          <a:p>
-            <a:fld id="{A181B191-B151-4101-9181-31C111118191}" type="slidenum">
-              <a:rPr lang="en-US" sz="1200">
-                <a:solidFill>
-                  <a:srgbClr val="8b8b8b"/>
-                </a:solidFill>
-                <a:latin typeface="Calibri"/>
-              </a:rPr>
-              <a:t>&lt;number&gt;</a:t>
-            </a:fld>
+            <a:pPr lvl="8">
+              <a:buSzPct val="45000"/>
+              <a:buFont typeface="StarSymbol"/>
+              <a:buChar char=""/>
+            </a:pPr>
+            <a:r>
+              <a:rPr lang="en-US"/>
+              <a:t>Ninth Outline Level</a:t>
+            </a:r>
             <a:endParaRPr/>
           </a:p>
         </p:txBody>
@@ -454,93 +342,23 @@
       </p:grpSpPr>
       <p:sp>
         <p:nvSpPr>
-          <p:cNvPr id="5" name="PlaceHolder 1"/>
-          <p:cNvSpPr>
-            <a:spLocks noGrp="1"/>
-          </p:cNvSpPr>
-          <p:nvPr>
-            <p:ph type="dt"/>
-          </p:nvPr>
-        </p:nvSpPr>
-        <p:spPr>
-          <a:xfrm>
-            <a:off x="457200" y="6356520"/>
-            <a:ext cx="2133360" cy="364680"/>
+          <p:cNvPr id="3" name="CustomShape 1"/>
+          <p:cNvSpPr/>
+          <p:nvPr/>
+        </p:nvSpPr>
+        <p:spPr>
+          <a:xfrm>
+            <a:off x="3124080" y="6356520"/>
+            <a:ext cx="2894400" cy="363960"/>
           </a:xfrm>
           <a:prstGeom prst="rect">
             <a:avLst/>
           </a:prstGeom>
         </p:spPr>
-        <p:txBody>
-          <a:bodyPr bIns="45000" lIns="90000" rIns="90000" tIns="45000"/>
-          <a:p>
-            <a:r>
-              <a:rPr lang="en-US" sz="1200">
-                <a:solidFill>
-                  <a:srgbClr val="8b8b8b"/>
-                </a:solidFill>
-                <a:latin typeface="Calibri"/>
-              </a:rPr>
-              <a:t>2/21/11</a:t>
-            </a:r>
-            <a:endParaRPr/>
-          </a:p>
-        </p:txBody>
-      </p:sp>
-      <p:sp>
-        <p:nvSpPr>
-          <p:cNvPr id="6" name="TextShape 2"/>
-          <p:cNvSpPr txBox="1"/>
-          <p:nvPr/>
-        </p:nvSpPr>
-        <p:spPr>
-          <a:xfrm>
-            <a:off x="3124080" y="6356520"/>
-            <a:ext cx="2895120" cy="364680"/>
-          </a:xfrm>
-          <a:prstGeom prst="rect">
-            <a:avLst/>
-          </a:prstGeom>
-        </p:spPr>
-      </p:sp>
-      <p:sp>
-        <p:nvSpPr>
-          <p:cNvPr id="7" name="PlaceHolder 3"/>
-          <p:cNvSpPr>
-            <a:spLocks noGrp="1"/>
-          </p:cNvSpPr>
-          <p:nvPr>
-            <p:ph type="sldNum"/>
-          </p:nvPr>
-        </p:nvSpPr>
-        <p:spPr>
-          <a:xfrm>
-            <a:off x="6553080" y="6356520"/>
-            <a:ext cx="2133360" cy="364680"/>
-          </a:xfrm>
-          <a:prstGeom prst="rect">
-            <a:avLst/>
-          </a:prstGeom>
-        </p:spPr>
-        <p:txBody>
-          <a:bodyPr bIns="45000" lIns="90000" rIns="90000" tIns="45000"/>
-          <a:p>
-            <a:fld id="{71C11171-E191-41D1-B111-51911161B151}" type="slidenum">
-              <a:rPr lang="en-US" sz="1200">
-                <a:solidFill>
-                  <a:srgbClr val="8b8b8b"/>
-                </a:solidFill>
-                <a:latin typeface="Calibri"/>
-              </a:rPr>
-              <a:t>&lt;number&gt;</a:t>
-            </a:fld>
-            <a:endParaRPr/>
-          </a:p>
-        </p:txBody>
-      </p:sp>
-      <p:sp>
-        <p:nvSpPr>
-          <p:cNvPr id="8" name="PlaceHolder 4"/>
+      </p:sp>
+      <p:sp>
+        <p:nvSpPr>
+          <p:cNvPr id="4" name="PlaceHolder 2"/>
           <p:cNvSpPr>
             <a:spLocks noGrp="1"/>
           </p:cNvSpPr>
@@ -560,6 +378,7 @@
         <p:txBody>
           <a:bodyPr anchor="ctr" bIns="0" lIns="0" rIns="0" tIns="0" wrap="none"/>
           <a:p>
+            <a:pPr algn="ctr"/>
             <a:r>
               <a:rPr lang="en-US"/>
               <a:t>Click to edit the title text format</a:t>
@@ -570,7 +389,7 @@
       </p:sp>
       <p:sp>
         <p:nvSpPr>
-          <p:cNvPr id="9" name="PlaceHolder 5"/>
+          <p:cNvPr id="5" name="PlaceHolder 3"/>
           <p:cNvSpPr>
             <a:spLocks noGrp="1"/>
           </p:cNvSpPr>
@@ -727,7 +546,23 @@
       </p:grpSpPr>
       <p:sp>
         <p:nvSpPr>
-          <p:cNvPr id="10" name="PlaceHolder 1"/>
+          <p:cNvPr id="6" name="CustomShape 1"/>
+          <p:cNvSpPr/>
+          <p:nvPr/>
+        </p:nvSpPr>
+        <p:spPr>
+          <a:xfrm>
+            <a:off x="3124080" y="6356520"/>
+            <a:ext cx="2894400" cy="363960"/>
+          </a:xfrm>
+          <a:prstGeom prst="rect">
+            <a:avLst/>
+          </a:prstGeom>
+        </p:spPr>
+      </p:sp>
+      <p:sp>
+        <p:nvSpPr>
+          <p:cNvPr id="7" name="PlaceHolder 2"/>
           <p:cNvSpPr>
             <a:spLocks noGrp="1"/>
           </p:cNvSpPr>
@@ -737,25 +572,20 @@
         </p:nvSpPr>
         <p:spPr>
           <a:xfrm>
-            <a:off x="457200" y="274680"/>
-            <a:ext cx="8229240" cy="1142640"/>
+            <a:off x="457200" y="273600"/>
+            <a:ext cx="8229240" cy="1144800"/>
           </a:xfrm>
           <a:prstGeom prst="rect">
             <a:avLst/>
           </a:prstGeom>
         </p:spPr>
         <p:txBody>
-          <a:bodyPr bIns="45000" lIns="90000" rIns="90000" tIns="45000"/>
+          <a:bodyPr anchor="ctr" bIns="0" lIns="0" rIns="0" tIns="0" wrap="none"/>
           <a:p>
             <a:pPr algn="ctr"/>
             <a:r>
-              <a:rPr lang="en-US" sz="4400">
-                <a:solidFill>
-                  <a:srgbClr val="000000"/>
-                </a:solidFill>
-                <a:latin typeface="Calibri"/>
-              </a:rPr>
-              <a:t>Click to edit the title text formatClick to edit Master title style</a:t>
+              <a:rPr lang="en-US"/>
+              <a:t>Click to edit the title text format</a:t>
             </a:r>
             <a:endParaRPr/>
           </a:p>
@@ -763,7 +593,7 @@
       </p:sp>
       <p:sp>
         <p:nvSpPr>
-          <p:cNvPr id="11" name="PlaceHolder 2"/>
+          <p:cNvPr id="8" name="PlaceHolder 3"/>
           <p:cNvSpPr>
             <a:spLocks noGrp="1"/>
           </p:cNvSpPr>
@@ -773,15 +603,15 @@
         </p:nvSpPr>
         <p:spPr>
           <a:xfrm>
-            <a:off x="457200" y="1600200"/>
-            <a:ext cx="8229240" cy="4525560"/>
+            <a:off x="457200" y="1604520"/>
+            <a:ext cx="8229240" cy="4525920"/>
           </a:xfrm>
           <a:prstGeom prst="rect">
             <a:avLst/>
           </a:prstGeom>
         </p:spPr>
         <p:txBody>
-          <a:bodyPr bIns="45000" lIns="90000" rIns="90000" tIns="45000"/>
+          <a:bodyPr bIns="0" lIns="0" rIns="0" tIns="0" wrap="none"/>
           <a:p>
             <a:pPr>
               <a:buSzPct val="45000"/>
@@ -789,12 +619,7 @@
               <a:buChar char=""/>
             </a:pPr>
             <a:r>
-              <a:rPr lang="en-US" sz="3200">
-                <a:solidFill>
-                  <a:srgbClr val="000000"/>
-                </a:solidFill>
-                <a:latin typeface="Calibri"/>
-              </a:rPr>
+              <a:rPr lang="en-US"/>
               <a:t>Click to edit the outline text format</a:t>
             </a:r>
             <a:endParaRPr/>
@@ -806,12 +631,7 @@
               <a:buChar char=""/>
             </a:pPr>
             <a:r>
-              <a:rPr lang="en-US" sz="3200">
-                <a:solidFill>
-                  <a:srgbClr val="000000"/>
-                </a:solidFill>
-                <a:latin typeface="Calibri"/>
-              </a:rPr>
+              <a:rPr lang="en-US"/>
               <a:t>Second Outline Level</a:t>
             </a:r>
             <a:endParaRPr/>
@@ -823,12 +643,7 @@
               <a:buChar char=""/>
             </a:pPr>
             <a:r>
-              <a:rPr lang="en-US" sz="3200">
-                <a:solidFill>
-                  <a:srgbClr val="000000"/>
-                </a:solidFill>
-                <a:latin typeface="Calibri"/>
-              </a:rPr>
+              <a:rPr lang="en-US"/>
               <a:t>Third Outline Level</a:t>
             </a:r>
             <a:endParaRPr/>
@@ -840,12 +655,7 @@
               <a:buChar char=""/>
             </a:pPr>
             <a:r>
-              <a:rPr lang="en-US" sz="3200">
-                <a:solidFill>
-                  <a:srgbClr val="000000"/>
-                </a:solidFill>
-                <a:latin typeface="Calibri"/>
-              </a:rPr>
+              <a:rPr lang="en-US"/>
               <a:t>Fourth Outline Level</a:t>
             </a:r>
             <a:endParaRPr/>
@@ -857,12 +667,7 @@
               <a:buChar char=""/>
             </a:pPr>
             <a:r>
-              <a:rPr lang="en-US" sz="3200">
-                <a:solidFill>
-                  <a:srgbClr val="000000"/>
-                </a:solidFill>
-                <a:latin typeface="Calibri"/>
-              </a:rPr>
+              <a:rPr lang="en-US"/>
               <a:t>Fifth Outline Level</a:t>
             </a:r>
             <a:endParaRPr/>
@@ -874,12 +679,7 @@
               <a:buChar char=""/>
             </a:pPr>
             <a:r>
-              <a:rPr lang="en-US" sz="3200">
-                <a:solidFill>
-                  <a:srgbClr val="000000"/>
-                </a:solidFill>
-                <a:latin typeface="Calibri"/>
-              </a:rPr>
+              <a:rPr lang="en-US"/>
               <a:t>Sixth Outline Level</a:t>
             </a:r>
             <a:endParaRPr/>
@@ -891,12 +691,7 @@
               <a:buChar char=""/>
             </a:pPr>
             <a:r>
-              <a:rPr lang="en-US" sz="3200">
-                <a:solidFill>
-                  <a:srgbClr val="000000"/>
-                </a:solidFill>
-                <a:latin typeface="Calibri"/>
-              </a:rPr>
+              <a:rPr lang="en-US"/>
               <a:t>Seventh Outline Level</a:t>
             </a:r>
             <a:endParaRPr/>
@@ -908,185 +703,21 @@
               <a:buChar char=""/>
             </a:pPr>
             <a:r>
-              <a:rPr lang="en-US" sz="3200">
-                <a:solidFill>
-                  <a:srgbClr val="000000"/>
-                </a:solidFill>
-                <a:latin typeface="Calibri"/>
-              </a:rPr>
+              <a:rPr lang="en-US"/>
               <a:t>Eighth Outline Level</a:t>
             </a:r>
             <a:endParaRPr/>
           </a:p>
           <a:p>
-            <a:pPr>
+            <a:pPr lvl="8">
               <a:buSzPct val="45000"/>
-              <a:buFont typeface="Arial"/>
-              <a:buChar char="•"/>
-            </a:pPr>
-            <a:r>
-              <a:rPr lang="en-US" sz="3200">
-                <a:solidFill>
-                  <a:srgbClr val="000000"/>
-                </a:solidFill>
-                <a:latin typeface="Calibri"/>
-              </a:rPr>
-              <a:t>Ninth Outline LevelClick to edit Master text styles</a:t>
-            </a:r>
-            <a:endParaRPr/>
-          </a:p>
-          <a:p>
-            <a:pPr lvl="1">
-              <a:buSzPct val="45000"/>
-              <a:buFont typeface="Arial"/>
-              <a:buChar char="–"/>
-            </a:pPr>
-            <a:r>
-              <a:rPr lang="en-US" sz="2800">
-                <a:solidFill>
-                  <a:srgbClr val="000000"/>
-                </a:solidFill>
-                <a:latin typeface="Calibri"/>
-              </a:rPr>
-              <a:t>Second level</a:t>
-            </a:r>
-            <a:endParaRPr/>
-          </a:p>
-          <a:p>
-            <a:pPr lvl="1">
-              <a:buSzPct val="45000"/>
-              <a:buFont typeface="Arial"/>
-              <a:buChar char="–"/>
-            </a:pPr>
-            <a:r>
-              <a:rPr lang="en-US" sz="2400">
-                <a:solidFill>
-                  <a:srgbClr val="000000"/>
-                </a:solidFill>
-                <a:latin typeface="Calibri"/>
-              </a:rPr>
-              <a:t>Third level</a:t>
-            </a:r>
-            <a:endParaRPr/>
-          </a:p>
-          <a:p>
-            <a:pPr lvl="2">
-              <a:buSzPct val="75000"/>
-              <a:buFont typeface="Arial"/>
-              <a:buChar char="•"/>
-            </a:pPr>
-            <a:r>
-              <a:rPr lang="en-US" sz="2000">
-                <a:solidFill>
-                  <a:srgbClr val="000000"/>
-                </a:solidFill>
-                <a:latin typeface="Calibri"/>
-              </a:rPr>
-              <a:t>Fourth level</a:t>
-            </a:r>
-            <a:endParaRPr/>
-          </a:p>
-          <a:p>
-            <a:pPr lvl="3">
-              <a:buSzPct val="45000"/>
-              <a:buFont typeface="Arial"/>
-              <a:buChar char="–"/>
-            </a:pPr>
-            <a:r>
-              <a:rPr lang="en-US" sz="2000">
-                <a:solidFill>
-                  <a:srgbClr val="000000"/>
-                </a:solidFill>
-                <a:latin typeface="Calibri"/>
-              </a:rPr>
-              <a:t>Fifth level</a:t>
-            </a:r>
-            <a:endParaRPr/>
-          </a:p>
-        </p:txBody>
-      </p:sp>
-      <p:sp>
-        <p:nvSpPr>
-          <p:cNvPr id="12" name="PlaceHolder 3"/>
-          <p:cNvSpPr>
-            <a:spLocks noGrp="1"/>
-          </p:cNvSpPr>
-          <p:nvPr>
-            <p:ph type="dt"/>
-          </p:nvPr>
-        </p:nvSpPr>
-        <p:spPr>
-          <a:xfrm>
-            <a:off x="457200" y="6356520"/>
-            <a:ext cx="2133360" cy="364680"/>
-          </a:xfrm>
-          <a:prstGeom prst="rect">
-            <a:avLst/>
-          </a:prstGeom>
-        </p:spPr>
-        <p:txBody>
-          <a:bodyPr bIns="45000" lIns="90000" rIns="90000" tIns="45000"/>
-          <a:p>
-            <a:r>
-              <a:rPr lang="en-US" sz="1200">
-                <a:solidFill>
-                  <a:srgbClr val="8b8b8b"/>
-                </a:solidFill>
-                <a:latin typeface="Calibri"/>
-              </a:rPr>
-              <a:t>2/21/11</a:t>
-            </a:r>
-            <a:endParaRPr/>
-          </a:p>
-        </p:txBody>
-      </p:sp>
-      <p:sp>
-        <p:nvSpPr>
-          <p:cNvPr id="13" name="TextShape 4"/>
-          <p:cNvSpPr txBox="1"/>
-          <p:nvPr/>
-        </p:nvSpPr>
-        <p:spPr>
-          <a:xfrm>
-            <a:off x="3124080" y="6356520"/>
-            <a:ext cx="2895120" cy="364680"/>
-          </a:xfrm>
-          <a:prstGeom prst="rect">
-            <a:avLst/>
-          </a:prstGeom>
-        </p:spPr>
-      </p:sp>
-      <p:sp>
-        <p:nvSpPr>
-          <p:cNvPr id="14" name="PlaceHolder 5"/>
-          <p:cNvSpPr>
-            <a:spLocks noGrp="1"/>
-          </p:cNvSpPr>
-          <p:nvPr>
-            <p:ph type="sldNum"/>
-          </p:nvPr>
-        </p:nvSpPr>
-        <p:spPr>
-          <a:xfrm>
-            <a:off x="6553080" y="6356520"/>
-            <a:ext cx="2133360" cy="364680"/>
-          </a:xfrm>
-          <a:prstGeom prst="rect">
-            <a:avLst/>
-          </a:prstGeom>
-        </p:spPr>
-        <p:txBody>
-          <a:bodyPr bIns="45000" lIns="90000" rIns="90000" tIns="45000"/>
-          <a:p>
-            <a:fld id="{01B121B1-C161-41C1-B161-11310181D1D1}" type="slidenum">
-              <a:rPr lang="en-US" sz="1200">
-                <a:solidFill>
-                  <a:srgbClr val="8b8b8b"/>
-                </a:solidFill>
-                <a:latin typeface="Calibri"/>
-              </a:rPr>
-              <a:t>&lt;number&gt;</a:t>
-            </a:fld>
+              <a:buFont typeface="StarSymbol"/>
+              <a:buChar char=""/>
+            </a:pPr>
+            <a:r>
+              <a:rPr lang="en-US"/>
+              <a:t>Ninth Outline Level</a:t>
+            </a:r>
             <a:endParaRPr/>
           </a:p>
         </p:txBody>
@@ -1096,7 +727,210 @@
   <p:clrMap accent1="accent1" accent2="accent2" accent3="accent3" accent4="accent4" accent5="accent5" accent6="accent6" bg1="lt1" bg2="lt2" folHlink="folHlink" hlink="hlink" tx1="dk1" tx2="dk2"/>
   <p:sldLayoutIdLst>
     <p:sldLayoutId id="2147483653" r:id="rId2"/>
-    <p:sldLayoutId id="2147483654" r:id="rId3"/>
+  </p:sldLayoutIdLst>
+</p:sldMaster>
+</file>
+
+<file path=ppt/slideMasters/slideMaster4.xml><?xml version="1.0" encoding="utf-8"?>
+<p:sldMaster xmlns:a="http://schemas.openxmlformats.org/drawingml/2006/main" xmlns:p="http://schemas.openxmlformats.org/presentationml/2006/main" xmlns:r="http://schemas.openxmlformats.org/officeDocument/2006/relationships">
+  <p:cSld>
+    <p:spTree>
+      <p:nvGrpSpPr>
+        <p:cNvPr id="1" name=""/>
+        <p:cNvGrpSpPr/>
+        <p:nvPr/>
+      </p:nvGrpSpPr>
+      <p:grpSpPr>
+        <a:xfrm>
+          <a:off x="0" y="0"/>
+          <a:ext cx="0" cy="0"/>
+          <a:chOff x="0" y="0"/>
+          <a:chExt cx="0" cy="0"/>
+        </a:xfrm>
+      </p:grpSpPr>
+      <p:sp>
+        <p:nvSpPr>
+          <p:cNvPr id="9" name="CustomShape 1"/>
+          <p:cNvSpPr/>
+          <p:nvPr/>
+        </p:nvSpPr>
+        <p:spPr>
+          <a:xfrm>
+            <a:off x="3124080" y="6356520"/>
+            <a:ext cx="2894400" cy="363960"/>
+          </a:xfrm>
+          <a:prstGeom prst="rect">
+            <a:avLst/>
+          </a:prstGeom>
+        </p:spPr>
+      </p:sp>
+      <p:sp>
+        <p:nvSpPr>
+          <p:cNvPr id="10" name="PlaceHolder 2"/>
+          <p:cNvSpPr>
+            <a:spLocks noGrp="1"/>
+          </p:cNvSpPr>
+          <p:nvPr>
+            <p:ph type="title"/>
+          </p:nvPr>
+        </p:nvSpPr>
+        <p:spPr>
+          <a:xfrm>
+            <a:off x="457200" y="273600"/>
+            <a:ext cx="8229240" cy="1144800"/>
+          </a:xfrm>
+          <a:prstGeom prst="rect">
+            <a:avLst/>
+          </a:prstGeom>
+        </p:spPr>
+        <p:txBody>
+          <a:bodyPr anchor="ctr" bIns="0" lIns="0" rIns="0" tIns="0" wrap="none"/>
+          <a:p>
+            <a:pPr algn="ctr"/>
+            <a:r>
+              <a:rPr lang="en-US"/>
+              <a:t>Click to edit the title text format</a:t>
+            </a:r>
+            <a:endParaRPr/>
+          </a:p>
+        </p:txBody>
+      </p:sp>
+      <p:sp>
+        <p:nvSpPr>
+          <p:cNvPr id="11" name="PlaceHolder 3"/>
+          <p:cNvSpPr>
+            <a:spLocks noGrp="1"/>
+          </p:cNvSpPr>
+          <p:nvPr>
+            <p:ph type="body"/>
+          </p:nvPr>
+        </p:nvSpPr>
+        <p:spPr>
+          <a:xfrm>
+            <a:off x="457200" y="1604520"/>
+            <a:ext cx="8229240" cy="4525920"/>
+          </a:xfrm>
+          <a:prstGeom prst="rect">
+            <a:avLst/>
+          </a:prstGeom>
+        </p:spPr>
+        <p:txBody>
+          <a:bodyPr bIns="0" lIns="0" rIns="0" tIns="0" wrap="none"/>
+          <a:p>
+            <a:pPr>
+              <a:buSzPct val="45000"/>
+              <a:buFont typeface="StarSymbol"/>
+              <a:buChar char=""/>
+            </a:pPr>
+            <a:r>
+              <a:rPr lang="en-US"/>
+              <a:t>Click to edit the outline text format</a:t>
+            </a:r>
+            <a:endParaRPr/>
+          </a:p>
+          <a:p>
+            <a:pPr lvl="1">
+              <a:buSzPct val="45000"/>
+              <a:buFont typeface="StarSymbol"/>
+              <a:buChar char=""/>
+            </a:pPr>
+            <a:r>
+              <a:rPr lang="en-US"/>
+              <a:t>Second Outline Level</a:t>
+            </a:r>
+            <a:endParaRPr/>
+          </a:p>
+          <a:p>
+            <a:pPr lvl="2">
+              <a:buSzPct val="75000"/>
+              <a:buFont typeface="StarSymbol"/>
+              <a:buChar char=""/>
+            </a:pPr>
+            <a:r>
+              <a:rPr lang="en-US"/>
+              <a:t>Third Outline Level</a:t>
+            </a:r>
+            <a:endParaRPr/>
+          </a:p>
+          <a:p>
+            <a:pPr lvl="3">
+              <a:buSzPct val="45000"/>
+              <a:buFont typeface="StarSymbol"/>
+              <a:buChar char=""/>
+            </a:pPr>
+            <a:r>
+              <a:rPr lang="en-US"/>
+              <a:t>Fourth Outline Level</a:t>
+            </a:r>
+            <a:endParaRPr/>
+          </a:p>
+          <a:p>
+            <a:pPr lvl="4">
+              <a:buSzPct val="75000"/>
+              <a:buFont typeface="StarSymbol"/>
+              <a:buChar char=""/>
+            </a:pPr>
+            <a:r>
+              <a:rPr lang="en-US"/>
+              <a:t>Fifth Outline Level</a:t>
+            </a:r>
+            <a:endParaRPr/>
+          </a:p>
+          <a:p>
+            <a:pPr lvl="5">
+              <a:buSzPct val="45000"/>
+              <a:buFont typeface="StarSymbol"/>
+              <a:buChar char=""/>
+            </a:pPr>
+            <a:r>
+              <a:rPr lang="en-US"/>
+              <a:t>Sixth Outline Level</a:t>
+            </a:r>
+            <a:endParaRPr/>
+          </a:p>
+          <a:p>
+            <a:pPr lvl="6">
+              <a:buSzPct val="45000"/>
+              <a:buFont typeface="StarSymbol"/>
+              <a:buChar char=""/>
+            </a:pPr>
+            <a:r>
+              <a:rPr lang="en-US"/>
+              <a:t>Seventh Outline Level</a:t>
+            </a:r>
+            <a:endParaRPr/>
+          </a:p>
+          <a:p>
+            <a:pPr lvl="7">
+              <a:buSzPct val="45000"/>
+              <a:buFont typeface="StarSymbol"/>
+              <a:buChar char=""/>
+            </a:pPr>
+            <a:r>
+              <a:rPr lang="en-US"/>
+              <a:t>Eighth Outline Level</a:t>
+            </a:r>
+            <a:endParaRPr/>
+          </a:p>
+          <a:p>
+            <a:pPr lvl="8">
+              <a:buSzPct val="45000"/>
+              <a:buFont typeface="StarSymbol"/>
+              <a:buChar char=""/>
+            </a:pPr>
+            <a:r>
+              <a:rPr lang="en-US"/>
+              <a:t>Ninth Outline Level</a:t>
+            </a:r>
+            <a:endParaRPr/>
+          </a:p>
+        </p:txBody>
+      </p:sp>
+    </p:spTree>
+  </p:cSld>
+  <p:clrMap accent1="accent1" accent2="accent2" accent3="accent3" accent4="accent4" accent5="accent5" accent6="accent6" bg1="lt1" bg2="lt2" folHlink="folHlink" hlink="hlink" tx1="dk1" tx2="dk2"/>
+  <p:sldLayoutIdLst>
+    <p:sldLayoutId id="2147483655" r:id="rId2"/>
   </p:sldLayoutIdLst>
 </p:sldMaster>
 </file>
@@ -1120,14 +954,14 @@
       </p:grpSpPr>
       <p:sp>
         <p:nvSpPr>
-          <p:cNvPr id="15" name="TextShape 1"/>
-          <p:cNvSpPr txBox="1"/>
+          <p:cNvPr id="12" name="CustomShape 1"/>
+          <p:cNvSpPr/>
           <p:nvPr/>
         </p:nvSpPr>
         <p:spPr>
           <a:xfrm>
             <a:off x="575280" y="1890360"/>
-            <a:ext cx="7882920" cy="2453040"/>
+            <a:ext cx="7882200" cy="2452320"/>
           </a:xfrm>
           <a:prstGeom prst="rect">
             <a:avLst/>
@@ -1144,7 +978,26 @@
                 </a:solidFill>
                 <a:latin typeface="Arial"/>
               </a:rPr>
-              <a:t>Test Doubles, Dependency, and Testability</a:t>
+              <a:t>Test Doubles, </a:t>
+            </a:r>
+            <a:r>
+              <a:rPr lang="en-US" sz="4800">
+                <a:solidFill>
+                  <a:srgbClr val="000000"/>
+                </a:solidFill>
+                <a:latin typeface="Arial"/>
+              </a:rPr>
+              <a:t>
+</a:t>
+            </a:r>
+            <a:r>
+              <a:rPr lang="en-US" sz="4800">
+                <a:solidFill>
+                  <a:srgbClr val="000000"/>
+                </a:solidFill>
+                <a:latin typeface="Arial"/>
+              </a:rPr>
+              <a:t>Design and Testability</a:t>
             </a:r>
             <a:endParaRPr/>
           </a:p>
@@ -1152,14 +1005,14 @@
       </p:sp>
       <p:sp>
         <p:nvSpPr>
-          <p:cNvPr id="16" name="TextShape 2"/>
-          <p:cNvSpPr txBox="1"/>
+          <p:cNvPr id="13" name="CustomShape 2"/>
+          <p:cNvSpPr/>
           <p:nvPr/>
         </p:nvSpPr>
         <p:spPr>
           <a:xfrm>
             <a:off x="1143000" y="5486400"/>
-            <a:ext cx="6934320" cy="838080"/>
+            <a:ext cx="6933600" cy="837360"/>
           </a:xfrm>
           <a:prstGeom prst="rect">
             <a:avLst/>
@@ -1235,14 +1088,14 @@
       </p:grpSpPr>
       <p:sp>
         <p:nvSpPr>
-          <p:cNvPr id="108" name="CustomShape 1"/>
+          <p:cNvPr id="105" name="CustomShape 1"/>
           <p:cNvSpPr/>
           <p:nvPr/>
         </p:nvSpPr>
         <p:spPr>
           <a:xfrm>
             <a:off x="685800" y="685800"/>
-            <a:ext cx="8001000" cy="5339880"/>
+            <a:ext cx="8000280" cy="5339160"/>
           </a:xfrm>
           <a:prstGeom prst="rect">
             <a:avLst/>
@@ -1761,14 +1614,14 @@
       </p:grpSpPr>
       <p:sp>
         <p:nvSpPr>
-          <p:cNvPr id="109" name="TextShape 1"/>
-          <p:cNvSpPr txBox="1"/>
+          <p:cNvPr id="106" name="CustomShape 1"/>
+          <p:cNvSpPr/>
           <p:nvPr/>
         </p:nvSpPr>
         <p:spPr>
           <a:xfrm>
             <a:off x="513720" y="1311120"/>
-            <a:ext cx="8229240" cy="1142640"/>
+            <a:ext cx="8228520" cy="1141920"/>
           </a:xfrm>
           <a:prstGeom prst="rect">
             <a:avLst/>
@@ -1793,14 +1646,14 @@
       </p:sp>
       <p:sp>
         <p:nvSpPr>
-          <p:cNvPr id="110" name="TextShape 2"/>
-          <p:cNvSpPr txBox="1"/>
-          <p:nvPr/>
-        </p:nvSpPr>
-        <p:spPr>
-          <a:xfrm>
-            <a:off x="457200" y="2819520"/>
-            <a:ext cx="8229240" cy="2514240"/>
+          <p:cNvPr id="107" name="CustomShape 2"/>
+          <p:cNvSpPr/>
+          <p:nvPr/>
+        </p:nvSpPr>
+        <p:spPr>
+          <a:xfrm>
+            <a:off x="1143000" y="2819520"/>
+            <a:ext cx="7542720" cy="2513520"/>
           </a:xfrm>
           <a:prstGeom prst="rect">
             <a:avLst/>
@@ -1810,68 +1663,107 @@
           <a:bodyPr bIns="45000" lIns="90000" rIns="90000" tIns="45000"/>
           <a:p>
             <a:pPr>
+              <a:lnSpc>
+                <a:spcPct val="150000"/>
+              </a:lnSpc>
               <a:buSzPct val="45000"/>
               <a:buFont typeface="StarSymbol"/>
               <a:buChar char=""/>
             </a:pPr>
             <a:r>
-              <a:rPr lang="en-US">
+              <a:rPr lang="en-US" sz="2400">
                 <a:latin typeface="Arial"/>
               </a:rPr>
+              <a:t> </a:t>
+            </a:r>
+            <a:r>
+              <a:rPr lang="en-US" sz="2400">
+                <a:latin typeface="Arial"/>
+              </a:rPr>
+              <a:t>Controllability</a:t>
+            </a:r>
+            <a:endParaRPr/>
+          </a:p>
+          <a:p>
+            <a:pPr lvl="2">
+              <a:lnSpc>
+                <a:spcPct val="150000"/>
+              </a:lnSpc>
+              <a:buSzPct val="45000"/>
+              <a:buFont typeface="StarSymbol"/>
+              <a:buChar char=""/>
+            </a:pPr>
+            <a:r>
+              <a:rPr i="1" lang="en-US" sz="2400">
+                <a:latin typeface="Arial"/>
+              </a:rPr>
               <a:t>Isolation</a:t>
             </a:r>
             <a:endParaRPr/>
           </a:p>
           <a:p>
             <a:pPr>
+              <a:lnSpc>
+                <a:spcPct val="150000"/>
+              </a:lnSpc>
               <a:buSzPct val="45000"/>
               <a:buFont typeface="StarSymbol"/>
               <a:buChar char=""/>
             </a:pPr>
             <a:r>
-              <a:rPr lang="en-US">
+              <a:rPr lang="en-US" sz="2400">
                 <a:latin typeface="Arial"/>
               </a:rPr>
-              <a:t>Controllability</a:t>
+              <a:t> </a:t>
+            </a:r>
+            <a:r>
+              <a:rPr lang="en-US" sz="2400">
+                <a:latin typeface="Arial"/>
+              </a:rPr>
+              <a:t>Speed</a:t>
             </a:r>
             <a:endParaRPr/>
           </a:p>
           <a:p>
             <a:pPr>
+              <a:lnSpc>
+                <a:spcPct val="150000"/>
+              </a:lnSpc>
               <a:buSzPct val="45000"/>
               <a:buFont typeface="StarSymbol"/>
               <a:buChar char=""/>
             </a:pPr>
             <a:r>
-              <a:rPr lang="en-US">
+              <a:rPr lang="en-US" sz="2400">
                 <a:latin typeface="Arial"/>
               </a:rPr>
-              <a:t>Speed</a:t>
+              <a:t> </a:t>
+            </a:r>
+            <a:r>
+              <a:rPr lang="en-US" sz="2400">
+                <a:latin typeface="Arial"/>
+              </a:rPr>
+              <a:t>Accuracy</a:t>
             </a:r>
             <a:endParaRPr/>
           </a:p>
           <a:p>
             <a:pPr>
+              <a:lnSpc>
+                <a:spcPct val="150000"/>
+              </a:lnSpc>
               <a:buSzPct val="45000"/>
               <a:buFont typeface="StarSymbol"/>
               <a:buChar char=""/>
             </a:pPr>
             <a:r>
-              <a:rPr lang="en-US">
+              <a:rPr lang="en-US" sz="2400">
                 <a:latin typeface="Arial"/>
               </a:rPr>
-              <a:t>Accuracy</a:t>
-            </a:r>
-            <a:endParaRPr/>
-          </a:p>
-          <a:p>
-            <a:pPr>
-              <a:buSzPct val="45000"/>
-              <a:buFont typeface="StarSymbol"/>
-              <a:buChar char=""/>
-            </a:pPr>
-            <a:r>
-              <a:rPr lang="en-US">
+              <a:t> </a:t>
+            </a:r>
+            <a:r>
+              <a:rPr lang="en-US" sz="2400">
                 <a:latin typeface="Arial"/>
               </a:rPr>
               <a:t>Coverage</a:t>
@@ -1933,7 +1825,7 @@
       </p:grpSpPr>
       <p:pic>
         <p:nvPicPr>
-          <p:cNvPr descr="" id="111" name=""/>
+          <p:cNvPr descr="" id="108" name=""/>
           <p:cNvPicPr/>
           <p:nvPr/>
         </p:nvPicPr>
@@ -1946,7 +1838,7 @@
         <p:spPr>
           <a:xfrm>
             <a:off x="698040" y="570960"/>
-            <a:ext cx="4559760" cy="5372640"/>
+            <a:ext cx="4559040" cy="5371920"/>
           </a:xfrm>
           <a:prstGeom prst="rect">
             <a:avLst/>
@@ -1955,30 +1847,97 @@
       </p:pic>
       <p:sp>
         <p:nvSpPr>
-          <p:cNvPr id="112" name="TextShape 1"/>
+          <p:cNvPr id="109" name="CustomShape 1"/>
+          <p:cNvSpPr/>
+          <p:nvPr/>
+        </p:nvSpPr>
+        <p:spPr>
+          <a:xfrm>
+            <a:off x="5486400" y="228600"/>
+            <a:ext cx="3199680" cy="5760000"/>
+          </a:xfrm>
+          <a:prstGeom prst="rect">
+            <a:avLst/>
+          </a:prstGeom>
+        </p:spPr>
+      </p:sp>
+      <p:sp>
+        <p:nvSpPr>
+          <p:cNvPr id="110" name="TextShape 2"/>
           <p:cNvSpPr txBox="1"/>
           <p:nvPr/>
         </p:nvSpPr>
         <p:spPr>
           <a:xfrm>
-            <a:off x="5486400" y="228600"/>
-            <a:ext cx="3200400" cy="5760720"/>
+            <a:off x="5486400" y="1371600"/>
+            <a:ext cx="2971800" cy="3565080"/>
           </a:xfrm>
           <a:prstGeom prst="rect">
             <a:avLst/>
           </a:prstGeom>
         </p:spPr>
         <p:txBody>
-          <a:bodyPr anchor="ctr" bIns="0" lIns="0" rIns="0" tIns="0" wrap="none"/>
+          <a:bodyPr bIns="45000" lIns="90000" rIns="90000" tIns="45000" wrap="none"/>
           <a:p>
             <a:pPr algn="ctr"/>
             <a:r>
-              <a:rPr lang="en-US"/>
+              <a:rPr lang="en-US" sz="3200"/>
               <a:t>“</a:t>
             </a:r>
             <a:r>
-              <a:rPr lang="en-US"/>
-              <a:t>Once,” the Mock Turtle said at last, with a deep sigh, “I was a real turtle”</a:t>
+              <a:rPr lang="en-US" sz="3200"/>
+              <a:t>Once,” </a:t>
+            </a:r>
+            <a:endParaRPr/>
+          </a:p>
+          <a:p>
+            <a:pPr algn="ctr"/>
+            <a:r>
+              <a:rPr lang="en-US" sz="3200"/>
+              <a:t>the Mock Turtle said  at last,  with a deep sigh,  </a:t>
+            </a:r>
+            <a:endParaRPr/>
+          </a:p>
+          <a:p>
+            <a:pPr algn="ctr"/>
+            <a:r>
+              <a:rPr lang="en-US" sz="3200"/>
+              <a:t>“</a:t>
+            </a:r>
+            <a:r>
+              <a:rPr lang="en-US" sz="3200"/>
+              <a:t>I was a real turtle”</a:t>
+            </a:r>
+            <a:endParaRPr/>
+          </a:p>
+        </p:txBody>
+      </p:sp>
+      <p:sp>
+        <p:nvSpPr>
+          <p:cNvPr id="111" name="TextShape 3"/>
+          <p:cNvSpPr txBox="1"/>
+          <p:nvPr/>
+        </p:nvSpPr>
+        <p:spPr>
+          <a:xfrm>
+            <a:off x="685800" y="6054120"/>
+            <a:ext cx="4925160" cy="346680"/>
+          </a:xfrm>
+          <a:prstGeom prst="rect">
+            <a:avLst/>
+          </a:prstGeom>
+        </p:spPr>
+        <p:txBody>
+          <a:bodyPr bIns="45000" lIns="90000" rIns="90000" tIns="45000" wrap="none"/>
+          <a:p>
+            <a:pPr algn="ctr"/>
+            <a:r>
+              <a:rPr i="1" lang="en-US" sz="1400">
+                <a:solidFill>
+                  <a:srgbClr val="b3b3b3"/>
+                </a:solidFill>
+              </a:rPr>
+              <a:t>Lewis Carroll, Alice's Adventures in Wonderland</a:t>
             </a:r>
             <a:endParaRPr/>
           </a:p>
@@ -2037,14 +1996,14 @@
       </p:grpSpPr>
       <p:sp>
         <p:nvSpPr>
-          <p:cNvPr id="113" name="TextShape 1"/>
-          <p:cNvSpPr txBox="1"/>
+          <p:cNvPr id="112" name="CustomShape 1"/>
+          <p:cNvSpPr/>
           <p:nvPr/>
         </p:nvSpPr>
         <p:spPr>
           <a:xfrm>
             <a:off x="513720" y="1311120"/>
-            <a:ext cx="8229240" cy="1142640"/>
+            <a:ext cx="8228520" cy="1141920"/>
           </a:xfrm>
           <a:prstGeom prst="rect">
             <a:avLst/>
@@ -2061,7 +2020,16 @@
                 </a:solidFill>
                 <a:latin typeface="Arial"/>
               </a:rPr>
-              <a:t>Types of Mocking</a:t>
+              <a:t>Types of </a:t>
+            </a:r>
+            <a:r>
+              <a:rPr i="1" lang="en-US" sz="4400">
+                <a:solidFill>
+                  <a:srgbClr val="000000"/>
+                </a:solidFill>
+                <a:latin typeface="Arial"/>
+              </a:rPr>
+              <a:t>Mocks</a:t>
             </a:r>
             <a:endParaRPr/>
           </a:p>
@@ -2069,14 +2037,14 @@
       </p:sp>
       <p:sp>
         <p:nvSpPr>
-          <p:cNvPr id="114" name="TextShape 2"/>
-          <p:cNvSpPr txBox="1"/>
+          <p:cNvPr id="113" name="CustomShape 2"/>
+          <p:cNvSpPr/>
           <p:nvPr/>
         </p:nvSpPr>
         <p:spPr>
           <a:xfrm>
             <a:off x="457560" y="2743560"/>
-            <a:ext cx="8229240" cy="2514240"/>
+            <a:ext cx="8228520" cy="2513520"/>
           </a:xfrm>
           <a:prstGeom prst="rect">
             <a:avLst/>
@@ -2086,43 +2054,76 @@
           <a:bodyPr bIns="45000" lIns="90000" rIns="90000" tIns="45000"/>
           <a:p>
             <a:pPr>
+              <a:lnSpc>
+                <a:spcPct val="150000"/>
+              </a:lnSpc>
               <a:buSzPct val="45000"/>
               <a:buFont typeface="StarSymbol"/>
               <a:buChar char=""/>
             </a:pPr>
             <a:r>
-              <a:rPr lang="en-US">
+              <a:rPr lang="en-US" sz="2400">
                 <a:latin typeface="Arial"/>
               </a:rPr>
-              <a:t>Gerard Meszaros, Test Doubles</a:t>
+              <a:t>Gerard Meszaros classifies these as </a:t>
+            </a:r>
+            <a:r>
+              <a:rPr i="1" lang="en-US" sz="2400">
+                <a:latin typeface="Arial"/>
+              </a:rPr>
+              <a:t>Test Doubles</a:t>
             </a:r>
             <a:endParaRPr/>
           </a:p>
           <a:p>
             <a:pPr>
+              <a:lnSpc>
+                <a:spcPct val="150000"/>
+              </a:lnSpc>
               <a:buSzPct val="45000"/>
               <a:buFont typeface="StarSymbol"/>
               <a:buChar char=""/>
             </a:pPr>
             <a:r>
-              <a:rPr lang="en-US">
+              <a:rPr lang="en-US" sz="2400">
                 <a:latin typeface="Arial"/>
               </a:rPr>
-              <a:t>Stubs, Fakes, Mocks …</a:t>
+              <a:t>Stubs, Fakes, Mocks,Test Spies</a:t>
             </a:r>
             <a:endParaRPr/>
           </a:p>
           <a:p>
             <a:pPr>
+              <a:lnSpc>
+                <a:spcPct val="150000"/>
+              </a:lnSpc>
               <a:buSzPct val="45000"/>
               <a:buFont typeface="StarSymbol"/>
               <a:buChar char=""/>
             </a:pPr>
             <a:r>
-              <a:rPr lang="en-US">
+              <a:rPr lang="en-US" sz="2400">
                 <a:latin typeface="Arial"/>
               </a:rPr>
-              <a:t>Test Spies</a:t>
+              <a:t>Martin Fowler makes a distinction between </a:t>
+            </a:r>
+            <a:r>
+              <a:rPr i="1" lang="en-US" sz="2400">
+                <a:latin typeface="Arial"/>
+              </a:rPr>
+              <a:t>mocks</a:t>
+            </a:r>
+            <a:r>
+              <a:rPr lang="en-US" sz="2400">
+                <a:latin typeface="Arial"/>
+              </a:rPr>
+              <a:t> and </a:t>
+            </a:r>
+            <a:r>
+              <a:rPr i="1" lang="en-US" sz="2400">
+                <a:latin typeface="Arial"/>
+              </a:rPr>
+              <a:t>stubs</a:t>
             </a:r>
             <a:endParaRPr/>
           </a:p>
@@ -2181,14 +2182,14 @@
       </p:grpSpPr>
       <p:sp>
         <p:nvSpPr>
-          <p:cNvPr id="115" name="TextShape 1"/>
-          <p:cNvSpPr txBox="1"/>
+          <p:cNvPr id="114" name="CustomShape 1"/>
+          <p:cNvSpPr/>
           <p:nvPr/>
         </p:nvSpPr>
         <p:spPr>
           <a:xfrm>
             <a:off x="513720" y="1311120"/>
-            <a:ext cx="8229240" cy="1142640"/>
+            <a:ext cx="8228520" cy="1141920"/>
           </a:xfrm>
           <a:prstGeom prst="rect">
             <a:avLst/>
@@ -2213,14 +2214,14 @@
       </p:sp>
       <p:sp>
         <p:nvSpPr>
-          <p:cNvPr id="116" name="TextShape 2"/>
-          <p:cNvSpPr txBox="1"/>
+          <p:cNvPr id="115" name="CustomShape 2"/>
+          <p:cNvSpPr/>
           <p:nvPr/>
         </p:nvSpPr>
         <p:spPr>
           <a:xfrm>
             <a:off x="457560" y="2743560"/>
-            <a:ext cx="8229240" cy="2514240"/>
+            <a:ext cx="8228520" cy="2513520"/>
           </a:xfrm>
           <a:prstGeom prst="rect">
             <a:avLst/>
@@ -2230,36 +2231,39 @@
           <a:bodyPr bIns="45000" lIns="90000" rIns="90000" tIns="45000"/>
           <a:p>
             <a:pPr>
+              <a:lnSpc>
+                <a:spcPct val="150000"/>
+              </a:lnSpc>
               <a:buSzPct val="45000"/>
               <a:buFont typeface="StarSymbol"/>
               <a:buChar char=""/>
             </a:pPr>
             <a:r>
-              <a:rPr lang="en-US">
+              <a:rPr lang="en-US" sz="2200">
                 <a:latin typeface="Arial"/>
               </a:rPr>
               <a:t>State </a:t>
             </a:r>
             <a:r>
-              <a:rPr lang="en-US" u="sng">
+              <a:rPr lang="en-US" sz="2200" u="sng">
                 <a:latin typeface="Arial"/>
               </a:rPr>
               <a:t>returns</a:t>
             </a:r>
             <a:r>
-              <a:rPr lang="en-US">
+              <a:rPr lang="en-US" sz="2200">
                 <a:latin typeface="Arial"/>
               </a:rPr>
               <a:t> some data type (Ask) and unit tests verify </a:t>
             </a:r>
             <a:r>
-              <a:rPr i="1" lang="en-US">
+              <a:rPr i="1" lang="en-US" sz="2200">
                 <a:latin typeface="Arial"/>
               </a:rPr>
               <a:t>state</a:t>
             </a:r>
             <a:r>
-              <a:rPr lang="en-US">
+              <a:rPr lang="en-US" sz="2200">
                 <a:latin typeface="Arial"/>
               </a:rPr>
               <a:t>.</a:t>
@@ -2268,51 +2272,66 @@
           </a:p>
           <a:p>
             <a:pPr>
+              <a:lnSpc>
+                <a:spcPct val="150000"/>
+              </a:lnSpc>
               <a:buSzPct val="45000"/>
               <a:buFont typeface="StarSymbol"/>
               <a:buChar char=""/>
             </a:pPr>
             <a:r>
-              <a:rPr lang="en-US">
+              <a:rPr lang="en-US" sz="2200">
                 <a:latin typeface="Arial"/>
               </a:rPr>
               <a:t>Behavior </a:t>
             </a:r>
             <a:r>
-              <a:rPr lang="en-US" u="sng">
+              <a:rPr lang="en-US" sz="2200" u="sng">
                 <a:latin typeface="Arial"/>
               </a:rPr>
               <a:t>does</a:t>
             </a:r>
             <a:r>
-              <a:rPr lang="en-US">
+              <a:rPr lang="en-US" sz="2200">
                 <a:latin typeface="Arial"/>
               </a:rPr>
               <a:t> some action (Tell) and usually returns </a:t>
             </a:r>
             <a:r>
-              <a:rPr i="1" lang="en-US">
+              <a:rPr i="1" lang="en-US" sz="2200">
                 <a:latin typeface="Arial"/>
               </a:rPr>
               <a:t>void</a:t>
             </a:r>
             <a:r>
-              <a:rPr lang="en-US">
+              <a:rPr lang="en-US" sz="2200">
                 <a:latin typeface="Arial"/>
               </a:rPr>
               <a:t>.  Unit tests </a:t>
             </a:r>
             <a:r>
-              <a:rPr i="1" lang="en-US">
+              <a:rPr i="1" lang="en-US" sz="2200">
                 <a:latin typeface="Arial"/>
               </a:rPr>
               <a:t>verify</a:t>
             </a:r>
             <a:r>
-              <a:rPr lang="en-US">
+              <a:rPr lang="en-US" sz="2200">
                 <a:latin typeface="Arial"/>
               </a:rPr>
-              <a:t> method calls.</a:t>
+              <a:t> method calls. (Also referred to as </a:t>
+            </a:r>
+            <a:r>
+              <a:rPr i="1" lang="en-US" sz="2200">
+                <a:latin typeface="Arial"/>
+              </a:rPr>
+              <a:t>Interaction Testing</a:t>
+            </a:r>
+            <a:r>
+              <a:rPr lang="en-US" sz="2200">
+                <a:latin typeface="Arial"/>
+              </a:rPr>
+              <a:t>)</a:t>
             </a:r>
             <a:endParaRPr/>
           </a:p>
@@ -2371,14 +2390,351 @@
       </p:grpSpPr>
       <p:sp>
         <p:nvSpPr>
-          <p:cNvPr id="117" name="TextShape 1"/>
-          <p:cNvSpPr txBox="1"/>
+          <p:cNvPr id="116" name="CustomShape 1"/>
+          <p:cNvSpPr/>
+          <p:nvPr/>
+        </p:nvSpPr>
+        <p:spPr>
+          <a:xfrm>
+            <a:off x="513720" y="1311120"/>
+            <a:ext cx="8228520" cy="1141920"/>
+          </a:xfrm>
+          <a:prstGeom prst="rect">
+            <a:avLst/>
+          </a:prstGeom>
+        </p:spPr>
+        <p:txBody>
+          <a:bodyPr bIns="45000" lIns="90000" rIns="90000" tIns="45000"/>
+          <a:p>
+            <a:pPr algn="ctr"/>
+            <a:r>
+              <a:rPr lang="en-US" sz="4400">
+                <a:solidFill>
+                  <a:srgbClr val="000000"/>
+                </a:solidFill>
+                <a:latin typeface="Arial"/>
+              </a:rPr>
+              <a:t>The Gold</a:t>
+            </a:r>
+            <a:endParaRPr/>
+          </a:p>
+        </p:txBody>
+      </p:sp>
+      <p:sp>
+        <p:nvSpPr>
+          <p:cNvPr id="117" name="CustomShape 2"/>
+          <p:cNvSpPr/>
+          <p:nvPr/>
+        </p:nvSpPr>
+        <p:spPr>
+          <a:xfrm>
+            <a:off x="457200" y="2286360"/>
+            <a:ext cx="4343040" cy="2971440"/>
+          </a:xfrm>
+          <a:prstGeom prst="rect">
+            <a:avLst/>
+          </a:prstGeom>
+        </p:spPr>
+        <p:txBody>
+          <a:bodyPr bIns="45000" lIns="90000" rIns="90000" tIns="45000"/>
+          <a:p>
+            <a:pPr algn="r">
+              <a:lnSpc>
+                <a:spcPct val="150000"/>
+              </a:lnSpc>
+            </a:pPr>
+            <a:r>
+              <a:rPr lang="en-US" sz="2400">
+                <a:latin typeface="Arial"/>
+              </a:rPr>
+              <a:t>Mocks address the problem of handling dependencies, </a:t>
+            </a:r>
+            <a:r>
+              <a:rPr lang="en-US" sz="2400" u="sng">
+                <a:latin typeface="Arial"/>
+              </a:rPr>
+              <a:t>but</a:t>
+            </a:r>
+            <a:r>
+              <a:rPr lang="en-US" sz="2400">
+                <a:latin typeface="Arial"/>
+              </a:rPr>
+              <a:t> the a TDD approach using mocks can help discovering needed types and interfaces. </a:t>
+            </a:r>
+            <a:endParaRPr/>
+          </a:p>
+          <a:p>
+            <a:pPr algn="r">
+              <a:lnSpc>
+                <a:spcPct val="150000"/>
+              </a:lnSpc>
+            </a:pPr>
+            <a:r>
+              <a:rPr i="1" lang="en-US" sz="2400">
+                <a:latin typeface="Arial"/>
+              </a:rPr>
+              <a:t>Need Driven Development</a:t>
+            </a:r>
+            <a:endParaRPr/>
+          </a:p>
+        </p:txBody>
+      </p:sp>
+      <p:pic>
+        <p:nvPicPr>
+          <p:cNvPr descr="" id="118" name=""/>
+          <p:cNvPicPr/>
+          <p:nvPr/>
+        </p:nvPicPr>
+        <p:blipFill>
+          <a:blip r:embed="rId1"/>
+          <a:stretch>
+            <a:fillRect/>
+          </a:stretch>
+        </p:blipFill>
+        <p:spPr>
+          <a:xfrm>
+            <a:off x="5235840" y="2514600"/>
+            <a:ext cx="2993760" cy="2514600"/>
+          </a:xfrm>
+          <a:prstGeom prst="rect">
+            <a:avLst/>
+          </a:prstGeom>
+        </p:spPr>
+      </p:pic>
+    </p:spTree>
+  </p:cSld>
+  <p:timing>
+    <p:tnLst>
+      <p:par>
+        <p:cTn dur="indefinite" id="29" nodeType="tmRoot" restart="never">
+          <p:childTnLst>
+            <p:seq>
+              <p:cTn id="30" nodeType="mainSeq">
+                <p:childTnLst/>
+              </p:cTn>
+              <p:prevCondLst>
+                <p:cond delay="0" evt="onPrev">
+                  <p:tgtEl>
+                    <p:sldTgt/>
+                  </p:tgtEl>
+                </p:cond>
+              </p:prevCondLst>
+              <p:nextCondLst>
+                <p:cond delay="0" evt="onNext">
+                  <p:tgtEl>
+                    <p:sldTgt/>
+                  </p:tgtEl>
+                </p:cond>
+              </p:nextCondLst>
+            </p:seq>
+          </p:childTnLst>
+        </p:cTn>
+      </p:par>
+    </p:tnLst>
+  </p:timing>
+</p:sld>
+</file>
+
+<file path=ppt/slides/slide16.xml><?xml version="1.0" encoding="utf-8"?>
+<p:sld xmlns:a="http://schemas.openxmlformats.org/drawingml/2006/main" xmlns:p="http://schemas.openxmlformats.org/presentationml/2006/main" xmlns:r="http://schemas.openxmlformats.org/officeDocument/2006/relationships">
+  <p:cSld>
+    <p:spTree>
+      <p:nvGrpSpPr>
+        <p:cNvPr id="1" name=""/>
+        <p:cNvGrpSpPr/>
+        <p:nvPr/>
+      </p:nvGrpSpPr>
+      <p:grpSpPr>
+        <a:xfrm>
+          <a:off x="0" y="0"/>
+          <a:ext cx="0" cy="0"/>
+          <a:chOff x="0" y="0"/>
+          <a:chExt cx="0" cy="0"/>
+        </a:xfrm>
+      </p:grpSpPr>
+      <p:sp>
+        <p:nvSpPr>
+          <p:cNvPr id="119" name="CustomShape 1"/>
+          <p:cNvSpPr/>
+          <p:nvPr/>
+        </p:nvSpPr>
+        <p:spPr>
+          <a:xfrm>
+            <a:off x="513720" y="1311120"/>
+            <a:ext cx="8228520" cy="1141920"/>
+          </a:xfrm>
+          <a:prstGeom prst="rect">
+            <a:avLst/>
+          </a:prstGeom>
+        </p:spPr>
+        <p:txBody>
+          <a:bodyPr bIns="45000" lIns="90000" rIns="90000" tIns="45000"/>
+          <a:p>
+            <a:pPr algn="ctr"/>
+            <a:r>
+              <a:rPr lang="en-US" sz="4400">
+                <a:solidFill>
+                  <a:srgbClr val="000000"/>
+                </a:solidFill>
+                <a:latin typeface="Arial"/>
+              </a:rPr>
+              <a:t>Other Applications?</a:t>
+            </a:r>
+            <a:endParaRPr/>
+          </a:p>
+        </p:txBody>
+      </p:sp>
+      <p:sp>
+        <p:nvSpPr>
+          <p:cNvPr id="120" name="CustomShape 2"/>
+          <p:cNvSpPr/>
+          <p:nvPr/>
+        </p:nvSpPr>
+        <p:spPr>
+          <a:xfrm>
+            <a:off x="457200" y="2286360"/>
+            <a:ext cx="8001000" cy="3428640"/>
+          </a:xfrm>
+          <a:prstGeom prst="rect">
+            <a:avLst/>
+          </a:prstGeom>
+        </p:spPr>
+        <p:txBody>
+          <a:bodyPr bIns="45000" lIns="90000" rIns="90000" tIns="45000"/>
+          <a:p>
+            <a:pPr>
+              <a:lnSpc>
+                <a:spcPct val="150000"/>
+              </a:lnSpc>
+              <a:buSzPct val="45000"/>
+              <a:buFont typeface="StarSymbol"/>
+              <a:buChar char=""/>
+            </a:pPr>
+            <a:r>
+              <a:rPr lang="en-US" sz="2400">
+                <a:latin typeface="Arial"/>
+              </a:rPr>
+              <a:t>Discovery of Types and Interfaces [REF]</a:t>
+            </a:r>
+            <a:endParaRPr/>
+          </a:p>
+          <a:p>
+            <a:pPr>
+              <a:lnSpc>
+                <a:spcPct val="150000"/>
+              </a:lnSpc>
+              <a:buSzPct val="45000"/>
+              <a:buFont typeface="StarSymbol"/>
+              <a:buChar char=""/>
+            </a:pPr>
+            <a:r>
+              <a:rPr lang="en-US" sz="2400">
+                <a:latin typeface="Arial"/>
+              </a:rPr>
+              <a:t>Simulation Scenarios:</a:t>
+            </a:r>
+            <a:endParaRPr/>
+          </a:p>
+          <a:p>
+            <a:pPr lvl="1">
+              <a:lnSpc>
+                <a:spcPct val="150000"/>
+              </a:lnSpc>
+              <a:buSzPct val="45000"/>
+              <a:buFont typeface="StarSymbol"/>
+              <a:buChar char=""/>
+            </a:pPr>
+            <a:r>
+              <a:rPr lang="en-US" sz="2400">
+                <a:latin typeface="Arial"/>
+              </a:rPr>
+              <a:t>Software Fault Injection</a:t>
+            </a:r>
+            <a:endParaRPr/>
+          </a:p>
+          <a:p>
+            <a:pPr lvl="1">
+              <a:lnSpc>
+                <a:spcPct val="150000"/>
+              </a:lnSpc>
+              <a:buSzPct val="45000"/>
+              <a:buFont typeface="StarSymbol"/>
+              <a:buChar char=""/>
+            </a:pPr>
+            <a:r>
+              <a:rPr lang="en-US" sz="2400">
+                <a:latin typeface="Arial"/>
+              </a:rPr>
+              <a:t>Mimic specific mutation operators without generating mutant artifacts?</a:t>
+            </a:r>
+            <a:endParaRPr/>
+          </a:p>
+          <a:p>
+            <a:endParaRPr/>
+          </a:p>
+        </p:txBody>
+      </p:sp>
+    </p:spTree>
+  </p:cSld>
+  <p:timing>
+    <p:tnLst>
+      <p:par>
+        <p:cTn dur="indefinite" id="31" nodeType="tmRoot" restart="never">
+          <p:childTnLst>
+            <p:seq>
+              <p:cTn id="32" nodeType="mainSeq">
+                <p:childTnLst/>
+              </p:cTn>
+              <p:prevCondLst>
+                <p:cond delay="0" evt="onPrev">
+                  <p:tgtEl>
+                    <p:sldTgt/>
+                  </p:tgtEl>
+                </p:cond>
+              </p:prevCondLst>
+              <p:nextCondLst>
+                <p:cond delay="0" evt="onNext">
+                  <p:tgtEl>
+                    <p:sldTgt/>
+                  </p:tgtEl>
+                </p:cond>
+              </p:nextCondLst>
+            </p:seq>
+          </p:childTnLst>
+        </p:cTn>
+      </p:par>
+    </p:tnLst>
+  </p:timing>
+</p:sld>
+</file>
+
+<file path=ppt/slides/slide17.xml><?xml version="1.0" encoding="utf-8"?>
+<p:sld xmlns:a="http://schemas.openxmlformats.org/drawingml/2006/main" xmlns:p="http://schemas.openxmlformats.org/presentationml/2006/main" xmlns:r="http://schemas.openxmlformats.org/officeDocument/2006/relationships">
+  <p:cSld>
+    <p:spTree>
+      <p:nvGrpSpPr>
+        <p:cNvPr id="1" name=""/>
+        <p:cNvGrpSpPr/>
+        <p:nvPr/>
+      </p:nvGrpSpPr>
+      <p:grpSpPr>
+        <a:xfrm>
+          <a:off x="0" y="0"/>
+          <a:ext cx="0" cy="0"/>
+          <a:chOff x="0" y="0"/>
+          <a:chExt cx="0" cy="0"/>
+        </a:xfrm>
+      </p:grpSpPr>
+      <p:sp>
+        <p:nvSpPr>
+          <p:cNvPr id="121" name="CustomShape 1"/>
+          <p:cNvSpPr/>
           <p:nvPr/>
         </p:nvSpPr>
         <p:spPr>
           <a:xfrm>
             <a:off x="457200" y="319680"/>
-            <a:ext cx="8229240" cy="5760720"/>
+            <a:ext cx="8228520" cy="5760000"/>
           </a:xfrm>
           <a:prstGeom prst="rect">
             <a:avLst/>
@@ -2409,7 +2765,7 @@
       </p:grpSpPr>
       <p:pic>
         <p:nvPicPr>
-          <p:cNvPr descr="" id="17" name="Picture 2"/>
+          <p:cNvPr descr="" id="14" name="Picture 2"/>
           <p:cNvPicPr/>
           <p:nvPr/>
         </p:nvPicPr>
@@ -2422,7 +2778,7 @@
         <p:spPr>
           <a:xfrm>
             <a:off x="1066680" y="762120"/>
-            <a:ext cx="3860280" cy="4965480"/>
+            <a:ext cx="3859560" cy="4964760"/>
           </a:xfrm>
           <a:prstGeom prst="rect">
             <a:avLst/>
@@ -2431,14 +2787,14 @@
       </p:pic>
       <p:sp>
         <p:nvSpPr>
-          <p:cNvPr id="18" name="CustomShape 1"/>
+          <p:cNvPr id="15" name="CustomShape 1"/>
           <p:cNvSpPr/>
           <p:nvPr/>
         </p:nvSpPr>
         <p:spPr>
           <a:xfrm>
             <a:off x="5257800" y="2698560"/>
-            <a:ext cx="3200400" cy="1187640"/>
+            <a:ext cx="3199680" cy="1186920"/>
           </a:xfrm>
           <a:prstGeom prst="rect">
             <a:avLst/>
@@ -2455,7 +2811,7 @@
                 </a:solidFill>
                 <a:latin typeface="Calibri"/>
               </a:rPr>
-              <a:t>Chuck Norris doesn’t do TDD</a:t>
+              <a:t>Chuck Norris doesn’t do TDD ...</a:t>
             </a:r>
             <a:endParaRPr/>
           </a:p>
@@ -2514,7 +2870,7 @@
       </p:grpSpPr>
       <p:pic>
         <p:nvPicPr>
-          <p:cNvPr descr="" id="19" name="Picture 2"/>
+          <p:cNvPr descr="" id="16" name="Picture 2"/>
           <p:cNvPicPr/>
           <p:nvPr/>
         </p:nvPicPr>
@@ -2527,7 +2883,7 @@
         <p:spPr>
           <a:xfrm>
             <a:off x="1066680" y="762120"/>
-            <a:ext cx="3860280" cy="4965480"/>
+            <a:ext cx="3859560" cy="4964760"/>
           </a:xfrm>
           <a:prstGeom prst="rect">
             <a:avLst/>
@@ -2536,14 +2892,14 @@
       </p:pic>
       <p:sp>
         <p:nvSpPr>
-          <p:cNvPr id="20" name="CustomShape 1"/>
+          <p:cNvPr id="17" name="CustomShape 1"/>
           <p:cNvSpPr/>
           <p:nvPr/>
         </p:nvSpPr>
         <p:spPr>
           <a:xfrm>
             <a:off x="5257800" y="2514600"/>
-            <a:ext cx="3200400" cy="1553400"/>
+            <a:ext cx="3199680" cy="1552680"/>
           </a:xfrm>
           <a:prstGeom prst="rect">
             <a:avLst/>
@@ -2560,7 +2916,16 @@
                 </a:solidFill>
                 <a:latin typeface="Calibri"/>
               </a:rPr>
-              <a:t>Because software defects are too scared to be in </a:t>
+              <a:t>… </a:t>
+            </a:r>
+            <a:r>
+              <a:rPr lang="en-US" sz="2400">
+                <a:solidFill>
+                  <a:srgbClr val="000000"/>
+                </a:solidFill>
+                <a:latin typeface="Calibri"/>
+              </a:rPr>
+              <a:t>because software defects are way too scared to be in </a:t>
             </a:r>
             <a:r>
               <a:rPr lang="en-US" sz="2400" u="sng">
@@ -2637,14 +3002,14 @@
       </p:grpSpPr>
       <p:sp>
         <p:nvSpPr>
-          <p:cNvPr id="21" name="TextShape 1"/>
-          <p:cNvSpPr txBox="1"/>
+          <p:cNvPr id="18" name="CustomShape 1"/>
+          <p:cNvSpPr/>
           <p:nvPr/>
         </p:nvSpPr>
         <p:spPr>
           <a:xfrm>
             <a:off x="2211480" y="6400800"/>
-            <a:ext cx="3769920" cy="344160"/>
+            <a:ext cx="3769200" cy="343440"/>
           </a:xfrm>
           <a:prstGeom prst="rect">
             <a:avLst/>
@@ -2668,14 +3033,14 @@
       </p:sp>
       <p:sp>
         <p:nvSpPr>
-          <p:cNvPr id="22" name="TextShape 2"/>
-          <p:cNvSpPr txBox="1"/>
+          <p:cNvPr id="19" name="CustomShape 2"/>
+          <p:cNvSpPr/>
           <p:nvPr/>
         </p:nvSpPr>
         <p:spPr>
           <a:xfrm>
             <a:off x="4038480" y="6424560"/>
-            <a:ext cx="2895120" cy="355320"/>
+            <a:ext cx="2894400" cy="354600"/>
           </a:xfrm>
           <a:prstGeom prst="rect">
             <a:avLst/>
@@ -2700,14 +3065,14 @@
       </p:sp>
       <p:sp>
         <p:nvSpPr>
-          <p:cNvPr id="23" name="CustomShape 3"/>
+          <p:cNvPr id="20" name="CustomShape 3"/>
           <p:cNvSpPr/>
           <p:nvPr/>
         </p:nvSpPr>
         <p:spPr>
           <a:xfrm>
             <a:off x="2013120" y="4091760"/>
-            <a:ext cx="777600" cy="315720"/>
+            <a:ext cx="776880" cy="315000"/>
           </a:xfrm>
           <a:prstGeom prst="rect">
             <a:avLst/>
@@ -2716,14 +3081,14 @@
       </p:sp>
       <p:sp>
         <p:nvSpPr>
-          <p:cNvPr id="24" name="CustomShape 4"/>
+          <p:cNvPr id="21" name="CustomShape 4"/>
           <p:cNvSpPr/>
           <p:nvPr/>
         </p:nvSpPr>
         <p:spPr>
           <a:xfrm>
             <a:off x="3643560" y="4007520"/>
-            <a:ext cx="777600" cy="315720"/>
+            <a:ext cx="776880" cy="315000"/>
           </a:xfrm>
           <a:prstGeom prst="rect">
             <a:avLst/>
@@ -2732,14 +3097,14 @@
       </p:sp>
       <p:sp>
         <p:nvSpPr>
-          <p:cNvPr id="25" name="CustomShape 5"/>
+          <p:cNvPr id="22" name="CustomShape 5"/>
           <p:cNvSpPr/>
           <p:nvPr/>
         </p:nvSpPr>
         <p:spPr>
           <a:xfrm>
             <a:off x="4908600" y="2245680"/>
-            <a:ext cx="404280" cy="315720"/>
+            <a:ext cx="403560" cy="315000"/>
           </a:xfrm>
           <a:prstGeom prst="rect">
             <a:avLst/>
@@ -2748,14 +3113,14 @@
       </p:sp>
       <p:sp>
         <p:nvSpPr>
-          <p:cNvPr id="26" name="CustomShape 6"/>
+          <p:cNvPr id="23" name="CustomShape 6"/>
           <p:cNvSpPr/>
           <p:nvPr/>
         </p:nvSpPr>
         <p:spPr>
           <a:xfrm>
             <a:off x="2001960" y="2466360"/>
-            <a:ext cx="777600" cy="315720"/>
+            <a:ext cx="776880" cy="315000"/>
           </a:xfrm>
           <a:prstGeom prst="rect">
             <a:avLst/>
@@ -2764,14 +3129,14 @@
       </p:sp>
       <p:sp>
         <p:nvSpPr>
-          <p:cNvPr id="27" name="CustomShape 7"/>
+          <p:cNvPr id="24" name="CustomShape 7"/>
           <p:cNvSpPr/>
           <p:nvPr/>
         </p:nvSpPr>
         <p:spPr>
           <a:xfrm>
             <a:off x="5913720" y="4733280"/>
-            <a:ext cx="1858680" cy="780120"/>
+            <a:ext cx="1857960" cy="779400"/>
           </a:xfrm>
           <a:prstGeom prst="rect">
             <a:avLst/>
@@ -2826,7 +3191,7 @@
       </p:sp>
       <p:sp>
         <p:nvSpPr>
-          <p:cNvPr id="28" name="Line 8"/>
+          <p:cNvPr id="25" name="Line 8"/>
           <p:cNvSpPr/>
           <p:nvPr/>
         </p:nvSpPr>
@@ -2848,14 +3213,14 @@
       </p:sp>
       <p:sp>
         <p:nvSpPr>
-          <p:cNvPr id="29" name="CustomShape 9"/>
+          <p:cNvPr id="26" name="CustomShape 9"/>
           <p:cNvSpPr/>
           <p:nvPr/>
         </p:nvSpPr>
         <p:spPr>
           <a:xfrm>
             <a:off x="3625920" y="4947480"/>
-            <a:ext cx="1271160" cy="780120"/>
+            <a:ext cx="1270440" cy="779400"/>
           </a:xfrm>
           <a:prstGeom prst="rect">
             <a:avLst/>
@@ -2910,7 +3275,7 @@
       </p:sp>
       <p:sp>
         <p:nvSpPr>
-          <p:cNvPr id="30" name="Line 10"/>
+          <p:cNvPr id="27" name="Line 10"/>
           <p:cNvSpPr/>
           <p:nvPr/>
         </p:nvSpPr>
@@ -2932,14 +3297,14 @@
       </p:sp>
       <p:sp>
         <p:nvSpPr>
-          <p:cNvPr id="31" name="CustomShape 11"/>
+          <p:cNvPr id="28" name="CustomShape 11"/>
           <p:cNvSpPr/>
           <p:nvPr/>
         </p:nvSpPr>
         <p:spPr>
           <a:xfrm>
             <a:off x="3562560" y="3791880"/>
-            <a:ext cx="1238040" cy="780120"/>
+            <a:ext cx="1237320" cy="779400"/>
           </a:xfrm>
           <a:prstGeom prst="rect">
             <a:avLst/>
@@ -2994,7 +3359,7 @@
       </p:sp>
       <p:sp>
         <p:nvSpPr>
-          <p:cNvPr id="32" name="Line 12"/>
+          <p:cNvPr id="29" name="Line 12"/>
           <p:cNvSpPr/>
           <p:nvPr/>
         </p:nvSpPr>
@@ -3016,14 +3381,14 @@
       </p:sp>
       <p:sp>
         <p:nvSpPr>
-          <p:cNvPr id="33" name="CustomShape 13"/>
+          <p:cNvPr id="30" name="CustomShape 13"/>
           <p:cNvSpPr/>
           <p:nvPr/>
         </p:nvSpPr>
         <p:spPr>
           <a:xfrm>
             <a:off x="3657600" y="2648880"/>
-            <a:ext cx="1204560" cy="780120"/>
+            <a:ext cx="1203840" cy="779400"/>
           </a:xfrm>
           <a:prstGeom prst="rect">
             <a:avLst/>
@@ -3078,7 +3443,7 @@
       </p:sp>
       <p:sp>
         <p:nvSpPr>
-          <p:cNvPr id="34" name="Line 14"/>
+          <p:cNvPr id="31" name="Line 14"/>
           <p:cNvSpPr/>
           <p:nvPr/>
         </p:nvSpPr>
@@ -3100,14 +3465,14 @@
       </p:sp>
       <p:sp>
         <p:nvSpPr>
-          <p:cNvPr id="35" name="CustomShape 15"/>
+          <p:cNvPr id="32" name="CustomShape 15"/>
           <p:cNvSpPr/>
           <p:nvPr/>
         </p:nvSpPr>
         <p:spPr>
           <a:xfrm>
             <a:off x="5558760" y="1734480"/>
-            <a:ext cx="1733040" cy="780120"/>
+            <a:ext cx="1732320" cy="779400"/>
           </a:xfrm>
           <a:prstGeom prst="rect">
             <a:avLst/>
@@ -3162,7 +3527,7 @@
       </p:sp>
       <p:sp>
         <p:nvSpPr>
-          <p:cNvPr id="36" name="Line 16"/>
+          <p:cNvPr id="33" name="Line 16"/>
           <p:cNvSpPr/>
           <p:nvPr/>
         </p:nvSpPr>
@@ -3184,14 +3549,14 @@
       </p:sp>
       <p:sp>
         <p:nvSpPr>
-          <p:cNvPr id="37" name="CustomShape 17"/>
+          <p:cNvPr id="34" name="CustomShape 17"/>
           <p:cNvSpPr/>
           <p:nvPr/>
         </p:nvSpPr>
         <p:spPr>
           <a:xfrm>
             <a:off x="5486400" y="591480"/>
-            <a:ext cx="1744200" cy="780120"/>
+            <a:ext cx="1743480" cy="779400"/>
           </a:xfrm>
           <a:prstGeom prst="rect">
             <a:avLst/>
@@ -3246,13 +3611,13 @@
       </p:sp>
       <p:sp>
         <p:nvSpPr>
-          <p:cNvPr id="38" name="Line 18"/>
-          <p:cNvSpPr/>
-          <p:nvPr/>
-        </p:nvSpPr>
-        <p:spPr>
-          <a:xfrm>
-            <a:off x="5613120" y="1104120"/>
+          <p:cNvPr id="35" name="Line 18"/>
+          <p:cNvSpPr/>
+          <p:nvPr/>
+        </p:nvSpPr>
+        <p:spPr>
+          <a:xfrm>
+            <a:off x="5613120" y="1032120"/>
             <a:ext cx="1488960" cy="0"/>
           </a:xfrm>
           <a:prstGeom prst="line">
@@ -3268,14 +3633,14 @@
       </p:sp>
       <p:sp>
         <p:nvSpPr>
-          <p:cNvPr id="39" name="CustomShape 19"/>
+          <p:cNvPr id="36" name="CustomShape 19"/>
           <p:cNvSpPr/>
           <p:nvPr/>
         </p:nvSpPr>
         <p:spPr>
           <a:xfrm>
             <a:off x="5911920" y="3594960"/>
-            <a:ext cx="1858680" cy="780120"/>
+            <a:ext cx="1857960" cy="779400"/>
           </a:xfrm>
           <a:prstGeom prst="rect">
             <a:avLst/>
@@ -3330,7 +3695,7 @@
       </p:sp>
       <p:sp>
         <p:nvSpPr>
-          <p:cNvPr id="40" name="Line 20"/>
+          <p:cNvPr id="37" name="Line 20"/>
           <p:cNvSpPr/>
           <p:nvPr/>
         </p:nvSpPr>
@@ -3352,14 +3717,14 @@
       </p:sp>
       <p:sp>
         <p:nvSpPr>
-          <p:cNvPr id="41" name="CustomShape 21"/>
+          <p:cNvPr id="38" name="CustomShape 21"/>
           <p:cNvSpPr/>
           <p:nvPr/>
         </p:nvSpPr>
         <p:spPr>
           <a:xfrm>
             <a:off x="1246320" y="2456640"/>
-            <a:ext cx="1544400" cy="780120"/>
+            <a:ext cx="1543680" cy="779400"/>
           </a:xfrm>
           <a:prstGeom prst="rect">
             <a:avLst/>
@@ -3414,7 +3779,7 @@
       </p:sp>
       <p:sp>
         <p:nvSpPr>
-          <p:cNvPr id="42" name="Line 22"/>
+          <p:cNvPr id="39" name="Line 22"/>
           <p:cNvSpPr/>
           <p:nvPr/>
         </p:nvSpPr>
@@ -3436,14 +3801,14 @@
       </p:sp>
       <p:sp>
         <p:nvSpPr>
-          <p:cNvPr id="43" name="CustomShape 23"/>
+          <p:cNvPr id="40" name="CustomShape 23"/>
           <p:cNvSpPr/>
           <p:nvPr/>
         </p:nvSpPr>
         <p:spPr>
           <a:xfrm>
             <a:off x="1247760" y="3594960"/>
-            <a:ext cx="1544400" cy="780120"/>
+            <a:ext cx="1543680" cy="779400"/>
           </a:xfrm>
           <a:prstGeom prst="rect">
             <a:avLst/>
@@ -3498,7 +3863,7 @@
       </p:sp>
       <p:sp>
         <p:nvSpPr>
-          <p:cNvPr id="44" name="Line 24"/>
+          <p:cNvPr id="41" name="Line 24"/>
           <p:cNvSpPr/>
           <p:nvPr/>
         </p:nvSpPr>
@@ -3520,14 +3885,14 @@
       </p:sp>
       <p:sp>
         <p:nvSpPr>
-          <p:cNvPr id="45" name="CustomShape 25"/>
+          <p:cNvPr id="42" name="CustomShape 25"/>
           <p:cNvSpPr/>
           <p:nvPr/>
         </p:nvSpPr>
         <p:spPr>
           <a:xfrm>
             <a:off x="1247760" y="4731480"/>
-            <a:ext cx="1544400" cy="780120"/>
+            <a:ext cx="1543680" cy="779400"/>
           </a:xfrm>
           <a:prstGeom prst="rect">
             <a:avLst/>
@@ -3582,7 +3947,7 @@
       </p:sp>
       <p:sp>
         <p:nvSpPr>
-          <p:cNvPr id="46" name="Line 26"/>
+          <p:cNvPr id="43" name="Line 26"/>
           <p:cNvSpPr/>
           <p:nvPr/>
         </p:nvSpPr>
@@ -3604,7 +3969,7 @@
       </p:sp>
       <p:sp>
         <p:nvSpPr>
-          <p:cNvPr id="47" name="Line 27"/>
+          <p:cNvPr id="44" name="Line 27"/>
           <p:cNvSpPr/>
           <p:nvPr/>
         </p:nvSpPr>
@@ -3627,7 +3992,7 @@
       </p:sp>
       <p:sp>
         <p:nvSpPr>
-          <p:cNvPr id="48" name="Line 28"/>
+          <p:cNvPr id="45" name="Line 28"/>
           <p:cNvSpPr/>
           <p:nvPr/>
         </p:nvSpPr>
@@ -3650,7 +4015,7 @@
       </p:sp>
       <p:sp>
         <p:nvSpPr>
-          <p:cNvPr id="49" name="Line 29"/>
+          <p:cNvPr id="46" name="Line 29"/>
           <p:cNvSpPr/>
           <p:nvPr/>
         </p:nvSpPr>
@@ -3673,7 +4038,7 @@
       </p:sp>
       <p:sp>
         <p:nvSpPr>
-          <p:cNvPr id="50" name="Line 30"/>
+          <p:cNvPr id="47" name="Line 30"/>
           <p:cNvSpPr/>
           <p:nvPr/>
         </p:nvSpPr>
@@ -3696,7 +4061,7 @@
       </p:sp>
       <p:sp>
         <p:nvSpPr>
-          <p:cNvPr id="51" name="Line 31"/>
+          <p:cNvPr id="48" name="Line 31"/>
           <p:cNvSpPr/>
           <p:nvPr/>
         </p:nvSpPr>
@@ -3719,7 +4084,7 @@
       </p:sp>
       <p:sp>
         <p:nvSpPr>
-          <p:cNvPr id="52" name="Line 32"/>
+          <p:cNvPr id="49" name="Line 32"/>
           <p:cNvSpPr/>
           <p:nvPr/>
         </p:nvSpPr>
@@ -3742,14 +4107,14 @@
       </p:sp>
       <p:cxnSp>
         <p:nvCxnSpPr>
-          <p:cNvPr id="53" name="Line 33"/>
+          <p:cNvPr id="50" name="Line 33"/>
           <p:cNvCxnSpPr/>
           <p:nvPr/>
         </p:nvCxnSpPr>
         <p:spPr>
           <a:xfrm>
             <a:off x="2792160" y="3984840"/>
-            <a:ext cx="770760" cy="197280"/>
+            <a:ext cx="771480" cy="198000"/>
           </a:xfrm>
           <a:prstGeom prst="bentConnector3">
             <a:avLst/>
@@ -3765,14 +4130,14 @@
       </p:cxnSp>
       <p:cxnSp>
         <p:nvCxnSpPr>
-          <p:cNvPr id="54" name="Line 34"/>
+          <p:cNvPr id="51" name="Line 34"/>
           <p:cNvCxnSpPr/>
           <p:nvPr/>
         </p:nvCxnSpPr>
         <p:spPr>
           <a:xfrm flipH="1">
             <a:off x="2790720" y="2124360"/>
-            <a:ext cx="2768400" cy="722520"/>
+            <a:ext cx="2769120" cy="723240"/>
           </a:xfrm>
           <a:prstGeom prst="curvedConnector3">
             <a:avLst/>
@@ -3788,7 +4153,7 @@
       </p:cxnSp>
       <p:sp>
         <p:nvSpPr>
-          <p:cNvPr id="55" name="Line 35"/>
+          <p:cNvPr id="52" name="Line 35"/>
           <p:cNvSpPr/>
           <p:nvPr/>
         </p:nvSpPr>
@@ -3811,14 +4176,14 @@
       </p:sp>
       <p:cxnSp>
         <p:nvCxnSpPr>
-          <p:cNvPr id="56" name="Line 36"/>
+          <p:cNvPr id="53" name="Line 36"/>
           <p:cNvCxnSpPr/>
           <p:nvPr/>
         </p:nvCxnSpPr>
         <p:spPr>
           <a:xfrm flipH="1">
             <a:off x="4800600" y="2124360"/>
-            <a:ext cx="758520" cy="2057760"/>
+            <a:ext cx="759240" cy="2058480"/>
           </a:xfrm>
           <a:prstGeom prst="curvedConnector3">
             <a:avLst/>
@@ -3834,14 +4199,14 @@
       </p:cxnSp>
       <p:cxnSp>
         <p:nvCxnSpPr>
-          <p:cNvPr id="57" name="Line 37"/>
+          <p:cNvPr id="54" name="Line 37"/>
           <p:cNvCxnSpPr/>
           <p:nvPr/>
         </p:nvCxnSpPr>
         <p:spPr>
           <a:xfrm flipH="1">
             <a:off x="4862160" y="981360"/>
-            <a:ext cx="624600" cy="2057760"/>
+            <a:ext cx="625320" cy="2058480"/>
           </a:xfrm>
           <a:prstGeom prst="curvedConnector3">
             <a:avLst/>
@@ -3908,14 +4273,14 @@
       </p:grpSpPr>
       <p:sp>
         <p:nvSpPr>
-          <p:cNvPr id="58" name="TextShape 1"/>
-          <p:cNvSpPr txBox="1"/>
+          <p:cNvPr id="55" name="CustomShape 1"/>
+          <p:cNvSpPr/>
           <p:nvPr/>
         </p:nvSpPr>
         <p:spPr>
           <a:xfrm>
             <a:off x="2211480" y="6400800"/>
-            <a:ext cx="3769920" cy="344160"/>
+            <a:ext cx="3769200" cy="343440"/>
           </a:xfrm>
           <a:prstGeom prst="rect">
             <a:avLst/>
@@ -3939,14 +4304,14 @@
       </p:sp>
       <p:sp>
         <p:nvSpPr>
-          <p:cNvPr id="59" name="TextShape 2"/>
-          <p:cNvSpPr txBox="1"/>
+          <p:cNvPr id="56" name="CustomShape 2"/>
+          <p:cNvSpPr/>
           <p:nvPr/>
         </p:nvSpPr>
         <p:spPr>
           <a:xfrm>
             <a:off x="4038480" y="6424560"/>
-            <a:ext cx="2895120" cy="355320"/>
+            <a:ext cx="2894400" cy="354600"/>
           </a:xfrm>
           <a:prstGeom prst="rect">
             <a:avLst/>
@@ -3971,14 +4336,14 @@
       </p:sp>
       <p:sp>
         <p:nvSpPr>
-          <p:cNvPr id="60" name="CustomShape 3"/>
+          <p:cNvPr id="57" name="CustomShape 3"/>
           <p:cNvSpPr/>
           <p:nvPr/>
         </p:nvSpPr>
         <p:spPr>
           <a:xfrm>
             <a:off x="2013120" y="4091760"/>
-            <a:ext cx="777600" cy="315720"/>
+            <a:ext cx="776880" cy="315000"/>
           </a:xfrm>
           <a:prstGeom prst="rect">
             <a:avLst/>
@@ -3987,14 +4352,14 @@
       </p:sp>
       <p:sp>
         <p:nvSpPr>
-          <p:cNvPr id="61" name="CustomShape 4"/>
+          <p:cNvPr id="58" name="CustomShape 4"/>
           <p:cNvSpPr/>
           <p:nvPr/>
         </p:nvSpPr>
         <p:spPr>
           <a:xfrm>
             <a:off x="3643560" y="4007520"/>
-            <a:ext cx="777600" cy="315720"/>
+            <a:ext cx="776880" cy="315000"/>
           </a:xfrm>
           <a:prstGeom prst="rect">
             <a:avLst/>
@@ -4003,14 +4368,14 @@
       </p:sp>
       <p:sp>
         <p:nvSpPr>
-          <p:cNvPr id="62" name="CustomShape 5"/>
+          <p:cNvPr id="59" name="CustomShape 5"/>
           <p:cNvSpPr/>
           <p:nvPr/>
         </p:nvSpPr>
         <p:spPr>
           <a:xfrm>
             <a:off x="4908600" y="2245680"/>
-            <a:ext cx="404280" cy="315720"/>
+            <a:ext cx="403560" cy="315000"/>
           </a:xfrm>
           <a:prstGeom prst="rect">
             <a:avLst/>
@@ -4019,14 +4384,14 @@
       </p:sp>
       <p:sp>
         <p:nvSpPr>
-          <p:cNvPr id="63" name="CustomShape 6"/>
+          <p:cNvPr id="60" name="CustomShape 6"/>
           <p:cNvSpPr/>
           <p:nvPr/>
         </p:nvSpPr>
         <p:spPr>
           <a:xfrm>
             <a:off x="2001960" y="2466360"/>
-            <a:ext cx="777600" cy="315720"/>
+            <a:ext cx="776880" cy="315000"/>
           </a:xfrm>
           <a:prstGeom prst="rect">
             <a:avLst/>
@@ -4035,14 +4400,14 @@
       </p:sp>
       <p:sp>
         <p:nvSpPr>
-          <p:cNvPr id="64" name="CustomShape 7"/>
+          <p:cNvPr id="61" name="CustomShape 7"/>
           <p:cNvSpPr/>
           <p:nvPr/>
         </p:nvSpPr>
         <p:spPr>
           <a:xfrm>
             <a:off x="5913720" y="4733280"/>
-            <a:ext cx="1858680" cy="780120"/>
+            <a:ext cx="1857960" cy="779400"/>
           </a:xfrm>
           <a:prstGeom prst="rect">
             <a:avLst/>
@@ -4097,7 +4462,7 @@
       </p:sp>
       <p:sp>
         <p:nvSpPr>
-          <p:cNvPr id="65" name="Line 8"/>
+          <p:cNvPr id="62" name="Line 8"/>
           <p:cNvSpPr/>
           <p:nvPr/>
         </p:nvSpPr>
@@ -4119,14 +4484,14 @@
       </p:sp>
       <p:sp>
         <p:nvSpPr>
-          <p:cNvPr id="66" name="CustomShape 9"/>
+          <p:cNvPr id="63" name="CustomShape 9"/>
           <p:cNvSpPr/>
           <p:nvPr/>
         </p:nvSpPr>
         <p:spPr>
           <a:xfrm>
             <a:off x="3625920" y="4947480"/>
-            <a:ext cx="1271160" cy="780120"/>
+            <a:ext cx="1270440" cy="779400"/>
           </a:xfrm>
           <a:prstGeom prst="rect">
             <a:avLst/>
@@ -4181,7 +4546,7 @@
       </p:sp>
       <p:sp>
         <p:nvSpPr>
-          <p:cNvPr id="67" name="Line 10"/>
+          <p:cNvPr id="64" name="Line 10"/>
           <p:cNvSpPr/>
           <p:nvPr/>
         </p:nvSpPr>
@@ -4203,14 +4568,14 @@
       </p:sp>
       <p:sp>
         <p:nvSpPr>
-          <p:cNvPr id="68" name="CustomShape 11"/>
+          <p:cNvPr id="65" name="CustomShape 11"/>
           <p:cNvSpPr/>
           <p:nvPr/>
         </p:nvSpPr>
         <p:spPr>
           <a:xfrm>
             <a:off x="3562560" y="3791880"/>
-            <a:ext cx="1238040" cy="780120"/>
+            <a:ext cx="1237320" cy="779400"/>
           </a:xfrm>
           <a:prstGeom prst="rect">
             <a:avLst/>
@@ -4265,7 +4630,7 @@
       </p:sp>
       <p:sp>
         <p:nvSpPr>
-          <p:cNvPr id="69" name="Line 12"/>
+          <p:cNvPr id="66" name="Line 12"/>
           <p:cNvSpPr/>
           <p:nvPr/>
         </p:nvSpPr>
@@ -4287,14 +4652,14 @@
       </p:sp>
       <p:sp>
         <p:nvSpPr>
-          <p:cNvPr id="70" name="CustomShape 13"/>
+          <p:cNvPr id="67" name="CustomShape 13"/>
           <p:cNvSpPr/>
           <p:nvPr/>
         </p:nvSpPr>
         <p:spPr>
           <a:xfrm>
             <a:off x="3657600" y="2648880"/>
-            <a:ext cx="1204560" cy="780120"/>
+            <a:ext cx="1203840" cy="779400"/>
           </a:xfrm>
           <a:prstGeom prst="rect">
             <a:avLst/>
@@ -4349,7 +4714,7 @@
       </p:sp>
       <p:sp>
         <p:nvSpPr>
-          <p:cNvPr id="71" name="Line 14"/>
+          <p:cNvPr id="68" name="Line 14"/>
           <p:cNvSpPr/>
           <p:nvPr/>
         </p:nvSpPr>
@@ -4371,14 +4736,14 @@
       </p:sp>
       <p:sp>
         <p:nvSpPr>
-          <p:cNvPr id="72" name="CustomShape 15"/>
+          <p:cNvPr id="69" name="CustomShape 15"/>
           <p:cNvSpPr/>
           <p:nvPr/>
         </p:nvSpPr>
         <p:spPr>
           <a:xfrm>
             <a:off x="5558760" y="1734480"/>
-            <a:ext cx="1733040" cy="780120"/>
+            <a:ext cx="1732320" cy="779400"/>
           </a:xfrm>
           <a:prstGeom prst="rect">
             <a:avLst/>
@@ -4433,7 +4798,7 @@
       </p:sp>
       <p:sp>
         <p:nvSpPr>
-          <p:cNvPr id="73" name="Line 16"/>
+          <p:cNvPr id="70" name="Line 16"/>
           <p:cNvSpPr/>
           <p:nvPr/>
         </p:nvSpPr>
@@ -4455,14 +4820,14 @@
       </p:sp>
       <p:sp>
         <p:nvSpPr>
-          <p:cNvPr id="74" name="CustomShape 17"/>
+          <p:cNvPr id="71" name="CustomShape 17"/>
           <p:cNvSpPr/>
           <p:nvPr/>
         </p:nvSpPr>
         <p:spPr>
           <a:xfrm>
             <a:off x="5486400" y="591480"/>
-            <a:ext cx="1744200" cy="780120"/>
+            <a:ext cx="1743480" cy="779400"/>
           </a:xfrm>
           <a:prstGeom prst="rect">
             <a:avLst/>
@@ -4517,7 +4882,7 @@
       </p:sp>
       <p:sp>
         <p:nvSpPr>
-          <p:cNvPr id="75" name="Line 18"/>
+          <p:cNvPr id="72" name="Line 18"/>
           <p:cNvSpPr/>
           <p:nvPr/>
         </p:nvSpPr>
@@ -4539,14 +4904,14 @@
       </p:sp>
       <p:sp>
         <p:nvSpPr>
-          <p:cNvPr id="76" name="CustomShape 19"/>
+          <p:cNvPr id="73" name="CustomShape 19"/>
           <p:cNvSpPr/>
           <p:nvPr/>
         </p:nvSpPr>
         <p:spPr>
           <a:xfrm>
             <a:off x="5911920" y="3594960"/>
-            <a:ext cx="1858680" cy="780120"/>
+            <a:ext cx="1857960" cy="779400"/>
           </a:xfrm>
           <a:prstGeom prst="rect">
             <a:avLst/>
@@ -4601,7 +4966,7 @@
       </p:sp>
       <p:sp>
         <p:nvSpPr>
-          <p:cNvPr id="77" name="Line 20"/>
+          <p:cNvPr id="74" name="Line 20"/>
           <p:cNvSpPr/>
           <p:nvPr/>
         </p:nvSpPr>
@@ -4623,14 +4988,14 @@
       </p:sp>
       <p:sp>
         <p:nvSpPr>
-          <p:cNvPr id="78" name="CustomShape 21"/>
+          <p:cNvPr id="75" name="CustomShape 21"/>
           <p:cNvSpPr/>
           <p:nvPr/>
         </p:nvSpPr>
         <p:spPr>
           <a:xfrm>
             <a:off x="1246320" y="2456640"/>
-            <a:ext cx="1544400" cy="780120"/>
+            <a:ext cx="1543680" cy="779400"/>
           </a:xfrm>
           <a:prstGeom prst="rect">
             <a:avLst/>
@@ -4685,7 +5050,7 @@
       </p:sp>
       <p:sp>
         <p:nvSpPr>
-          <p:cNvPr id="79" name="Line 22"/>
+          <p:cNvPr id="76" name="Line 22"/>
           <p:cNvSpPr/>
           <p:nvPr/>
         </p:nvSpPr>
@@ -4707,14 +5072,14 @@
       </p:sp>
       <p:sp>
         <p:nvSpPr>
-          <p:cNvPr id="80" name="CustomShape 23"/>
+          <p:cNvPr id="77" name="CustomShape 23"/>
           <p:cNvSpPr/>
           <p:nvPr/>
         </p:nvSpPr>
         <p:spPr>
           <a:xfrm>
             <a:off x="1247760" y="3594960"/>
-            <a:ext cx="1544400" cy="780120"/>
+            <a:ext cx="1543680" cy="779400"/>
           </a:xfrm>
           <a:prstGeom prst="rect">
             <a:avLst/>
@@ -4769,7 +5134,7 @@
       </p:sp>
       <p:sp>
         <p:nvSpPr>
-          <p:cNvPr id="81" name="Line 24"/>
+          <p:cNvPr id="78" name="Line 24"/>
           <p:cNvSpPr/>
           <p:nvPr/>
         </p:nvSpPr>
@@ -4791,14 +5156,14 @@
       </p:sp>
       <p:sp>
         <p:nvSpPr>
-          <p:cNvPr id="82" name="CustomShape 25"/>
+          <p:cNvPr id="79" name="CustomShape 25"/>
           <p:cNvSpPr/>
           <p:nvPr/>
         </p:nvSpPr>
         <p:spPr>
           <a:xfrm>
             <a:off x="1247760" y="4731480"/>
-            <a:ext cx="1544400" cy="780120"/>
+            <a:ext cx="1543680" cy="779400"/>
           </a:xfrm>
           <a:prstGeom prst="rect">
             <a:avLst/>
@@ -4853,7 +5218,7 @@
       </p:sp>
       <p:sp>
         <p:nvSpPr>
-          <p:cNvPr id="83" name="Line 26"/>
+          <p:cNvPr id="80" name="Line 26"/>
           <p:cNvSpPr/>
           <p:nvPr/>
         </p:nvSpPr>
@@ -4875,7 +5240,7 @@
       </p:sp>
       <p:sp>
         <p:nvSpPr>
-          <p:cNvPr id="84" name="Line 27"/>
+          <p:cNvPr id="81" name="Line 27"/>
           <p:cNvSpPr/>
           <p:nvPr/>
         </p:nvSpPr>
@@ -4898,7 +5263,7 @@
       </p:sp>
       <p:sp>
         <p:nvSpPr>
-          <p:cNvPr id="85" name="Line 28"/>
+          <p:cNvPr id="82" name="Line 28"/>
           <p:cNvSpPr/>
           <p:nvPr/>
         </p:nvSpPr>
@@ -4921,7 +5286,7 @@
       </p:sp>
       <p:sp>
         <p:nvSpPr>
-          <p:cNvPr id="86" name="Line 29"/>
+          <p:cNvPr id="83" name="Line 29"/>
           <p:cNvSpPr/>
           <p:nvPr/>
         </p:nvSpPr>
@@ -4944,7 +5309,7 @@
       </p:sp>
       <p:sp>
         <p:nvSpPr>
-          <p:cNvPr id="87" name="Line 30"/>
+          <p:cNvPr id="84" name="Line 30"/>
           <p:cNvSpPr/>
           <p:nvPr/>
         </p:nvSpPr>
@@ -4967,7 +5332,7 @@
       </p:sp>
       <p:sp>
         <p:nvSpPr>
-          <p:cNvPr id="88" name="Line 31"/>
+          <p:cNvPr id="85" name="Line 31"/>
           <p:cNvSpPr/>
           <p:nvPr/>
         </p:nvSpPr>
@@ -4990,7 +5355,7 @@
       </p:sp>
       <p:sp>
         <p:nvSpPr>
-          <p:cNvPr id="89" name="Line 32"/>
+          <p:cNvPr id="86" name="Line 32"/>
           <p:cNvSpPr/>
           <p:nvPr/>
         </p:nvSpPr>
@@ -5013,14 +5378,14 @@
       </p:sp>
       <p:cxnSp>
         <p:nvCxnSpPr>
-          <p:cNvPr id="90" name="Line 33"/>
+          <p:cNvPr id="87" name="Line 33"/>
           <p:cNvCxnSpPr/>
           <p:nvPr/>
         </p:nvCxnSpPr>
         <p:spPr>
           <a:xfrm>
             <a:off x="2792160" y="3984840"/>
-            <a:ext cx="770760" cy="197280"/>
+            <a:ext cx="771480" cy="198000"/>
           </a:xfrm>
           <a:prstGeom prst="bentConnector3">
             <a:avLst/>
@@ -5036,14 +5401,14 @@
       </p:cxnSp>
       <p:cxnSp>
         <p:nvCxnSpPr>
-          <p:cNvPr id="91" name="Line 34"/>
+          <p:cNvPr id="88" name="Line 34"/>
           <p:cNvCxnSpPr/>
           <p:nvPr/>
         </p:nvCxnSpPr>
         <p:spPr>
           <a:xfrm flipH="1">
             <a:off x="2790720" y="2124360"/>
-            <a:ext cx="2768400" cy="722520"/>
+            <a:ext cx="2769120" cy="723240"/>
           </a:xfrm>
           <a:prstGeom prst="curvedConnector3">
             <a:avLst/>
@@ -5059,7 +5424,7 @@
       </p:cxnSp>
       <p:sp>
         <p:nvSpPr>
-          <p:cNvPr id="92" name="Line 35"/>
+          <p:cNvPr id="89" name="Line 35"/>
           <p:cNvSpPr/>
           <p:nvPr/>
         </p:nvSpPr>
@@ -5082,14 +5447,14 @@
       </p:sp>
       <p:cxnSp>
         <p:nvCxnSpPr>
-          <p:cNvPr id="93" name="Line 36"/>
+          <p:cNvPr id="90" name="Line 36"/>
           <p:cNvCxnSpPr/>
           <p:nvPr/>
         </p:nvCxnSpPr>
         <p:spPr>
           <a:xfrm flipH="1">
             <a:off x="4800600" y="2124360"/>
-            <a:ext cx="758520" cy="2057760"/>
+            <a:ext cx="759240" cy="2058480"/>
           </a:xfrm>
           <a:prstGeom prst="curvedConnector3">
             <a:avLst/>
@@ -5105,14 +5470,14 @@
       </p:cxnSp>
       <p:cxnSp>
         <p:nvCxnSpPr>
-          <p:cNvPr id="94" name="Line 37"/>
+          <p:cNvPr id="91" name="Line 37"/>
           <p:cNvCxnSpPr/>
           <p:nvPr/>
         </p:nvCxnSpPr>
         <p:spPr>
           <a:xfrm flipH="1">
             <a:off x="4862160" y="981360"/>
-            <a:ext cx="624600" cy="2057760"/>
+            <a:ext cx="625320" cy="2058480"/>
           </a:xfrm>
           <a:prstGeom prst="curvedConnector3">
             <a:avLst/>
@@ -5128,7 +5493,7 @@
       </p:cxnSp>
       <p:pic>
         <p:nvPicPr>
-          <p:cNvPr descr="" id="95" name="Picture 2"/>
+          <p:cNvPr descr="" id="92" name="Picture 2"/>
           <p:cNvPicPr/>
           <p:nvPr/>
         </p:nvPicPr>
@@ -5141,7 +5506,7 @@
         <p:spPr>
           <a:xfrm>
             <a:off x="556920" y="505800"/>
-            <a:ext cx="775800" cy="997920"/>
+            <a:ext cx="775080" cy="997200"/>
           </a:xfrm>
           <a:prstGeom prst="rect">
             <a:avLst/>
@@ -5150,14 +5515,14 @@
       </p:pic>
       <p:sp>
         <p:nvSpPr>
-          <p:cNvPr id="96" name="CustomShape 38"/>
+          <p:cNvPr id="93" name="CustomShape 38"/>
           <p:cNvSpPr/>
           <p:nvPr/>
         </p:nvSpPr>
         <p:spPr>
           <a:xfrm>
             <a:off x="1333080" y="609480"/>
-            <a:ext cx="2267280" cy="780120"/>
+            <a:ext cx="2266560" cy="779400"/>
           </a:xfrm>
           <a:prstGeom prst="rect">
             <a:avLst/>
@@ -5212,7 +5577,7 @@
       </p:sp>
       <p:sp>
         <p:nvSpPr>
-          <p:cNvPr id="97" name="Line 39"/>
+          <p:cNvPr id="94" name="Line 39"/>
           <p:cNvSpPr/>
           <p:nvPr/>
         </p:nvSpPr>
@@ -5234,16 +5599,14 @@
       </p:sp>
       <p:cxnSp>
         <p:nvCxnSpPr>
-          <p:cNvPr id="98" name="Line 40"/>
-          <p:cNvCxnSpPr>
-            <a:stCxn id="96" idx="3"/>
-          </p:cNvCxnSpPr>
+          <p:cNvPr id="95" name="Line 40"/>
+          <p:cNvCxnSpPr/>
           <p:nvPr/>
         </p:nvCxnSpPr>
         <p:spPr>
           <a:xfrm flipV="1">
             <a:off x="3600360" y="981360"/>
-            <a:ext cx="1886400" cy="18360"/>
+            <a:ext cx="1887120" cy="19080"/>
           </a:xfrm>
           <a:prstGeom prst="curvedConnector3">
             <a:avLst/>
@@ -5259,16 +5622,14 @@
       </p:cxnSp>
       <p:cxnSp>
         <p:nvCxnSpPr>
-          <p:cNvPr id="99" name="Line 41"/>
-          <p:cNvCxnSpPr>
-            <a:stCxn id="96" idx="2"/>
-          </p:cNvCxnSpPr>
+          <p:cNvPr id="96" name="Line 41"/>
+          <p:cNvCxnSpPr/>
           <p:nvPr/>
         </p:nvCxnSpPr>
         <p:spPr>
           <a:xfrm flipH="1">
             <a:off x="1904760" y="1389600"/>
-            <a:ext cx="562320" cy="992160"/>
+            <a:ext cx="563040" cy="992880"/>
           </a:xfrm>
           <a:prstGeom prst="curvedConnector3">
             <a:avLst/>
@@ -5284,14 +5645,14 @@
       </p:cxnSp>
       <p:cxnSp>
         <p:nvCxnSpPr>
-          <p:cNvPr id="100" name="Line 42"/>
+          <p:cNvPr id="97" name="Line 42"/>
           <p:cNvCxnSpPr/>
           <p:nvPr/>
         </p:nvCxnSpPr>
         <p:spPr>
           <a:xfrm>
             <a:off x="2467080" y="1427400"/>
-            <a:ext cx="1793160" cy="1221840"/>
+            <a:ext cx="1793880" cy="1222560"/>
           </a:xfrm>
           <a:prstGeom prst="curvedConnector3">
             <a:avLst/>
@@ -5358,14 +5719,14 @@
       </p:grpSpPr>
       <p:sp>
         <p:nvSpPr>
-          <p:cNvPr id="101" name="TextShape 1"/>
-          <p:cNvSpPr txBox="1"/>
-          <p:nvPr/>
-        </p:nvSpPr>
-        <p:spPr>
-          <a:xfrm>
-            <a:off x="513720" y="1311120"/>
-            <a:ext cx="8229240" cy="1142640"/>
+          <p:cNvPr id="98" name="CustomShape 1"/>
+          <p:cNvSpPr/>
+          <p:nvPr/>
+        </p:nvSpPr>
+        <p:spPr>
+          <a:xfrm>
+            <a:off x="513720" y="1131120"/>
+            <a:ext cx="8228520" cy="1141920"/>
           </a:xfrm>
           <a:prstGeom prst="rect">
             <a:avLst/>
@@ -5390,14 +5751,14 @@
       </p:sp>
       <p:sp>
         <p:nvSpPr>
-          <p:cNvPr id="102" name="TextShape 2"/>
-          <p:cNvSpPr txBox="1"/>
-          <p:nvPr/>
-        </p:nvSpPr>
-        <p:spPr>
-          <a:xfrm>
-            <a:off x="457200" y="2819520"/>
-            <a:ext cx="8229240" cy="2514240"/>
+          <p:cNvPr id="99" name="CustomShape 2"/>
+          <p:cNvSpPr/>
+          <p:nvPr/>
+        </p:nvSpPr>
+        <p:spPr>
+          <a:xfrm>
+            <a:off x="457200" y="2567520"/>
+            <a:ext cx="8228520" cy="2513520"/>
           </a:xfrm>
           <a:prstGeom prst="rect">
             <a:avLst/>
@@ -5407,24 +5768,33 @@
           <a:bodyPr bIns="45000" lIns="90000" rIns="90000" tIns="45000"/>
           <a:p>
             <a:pPr>
+              <a:lnSpc>
+                <a:spcPct val="150000"/>
+              </a:lnSpc>
               <a:buSzPct val="45000"/>
               <a:buFont typeface="StarSymbol"/>
               <a:buChar char=""/>
             </a:pPr>
             <a:r>
-              <a:rPr lang="en-US">
+              <a:rPr lang="en-US" sz="2400">
                 <a:latin typeface="Arial"/>
               </a:rPr>
+              <a:t> </a:t>
+            </a:r>
+            <a:r>
+              <a:rPr lang="en-US" sz="2400">
+                <a:latin typeface="Arial"/>
+              </a:rPr>
               <a:t>Anything </a:t>
             </a:r>
             <a:r>
-              <a:rPr i="1" lang="en-US">
+              <a:rPr i="1" lang="en-US" sz="2400">
                 <a:latin typeface="Arial"/>
               </a:rPr>
               <a:t>outside</a:t>
             </a:r>
             <a:r>
-              <a:rPr lang="en-US">
+              <a:rPr lang="en-US" sz="2400">
                 <a:latin typeface="Arial"/>
               </a:rPr>
               <a:t> of what you’re testing</a:t>
@@ -5433,29 +5803,64 @@
           </a:p>
           <a:p>
             <a:pPr>
+              <a:lnSpc>
+                <a:spcPct val="150000"/>
+              </a:lnSpc>
               <a:buSzPct val="45000"/>
               <a:buFont typeface="StarSymbol"/>
               <a:buChar char=""/>
             </a:pPr>
             <a:r>
-              <a:rPr lang="en-US">
+              <a:rPr lang="en-US" sz="2400">
                 <a:latin typeface="Arial"/>
               </a:rPr>
-              <a:t>Obvious examples: external services: database operations, file I/O, email, calls across a network (logins, FTP, HTTP, etc.)</a:t>
+              <a:t> </a:t>
+            </a:r>
+            <a:r>
+              <a:rPr lang="en-US" sz="2400">
+                <a:latin typeface="Arial"/>
+              </a:rPr>
+              <a:t>Obvious examples: (external services) database operations, file I/O, email, calls across a network (logins, FTP, HTTP, etc.)</a:t>
             </a:r>
             <a:endParaRPr/>
           </a:p>
           <a:p>
             <a:pPr>
+              <a:lnSpc>
+                <a:spcPct val="150000"/>
+              </a:lnSpc>
               <a:buSzPct val="45000"/>
               <a:buFont typeface="StarSymbol"/>
               <a:buChar char=""/>
             </a:pPr>
             <a:r>
-              <a:rPr lang="en-US">
+              <a:rPr lang="en-US" sz="2400">
                 <a:latin typeface="Arial"/>
               </a:rPr>
-              <a:t>Less Obvious: Objects that talk to external services. Long stacks of object calls.</a:t>
+              <a:t> </a:t>
+            </a:r>
+            <a:r>
+              <a:rPr lang="en-US" sz="2400">
+                <a:latin typeface="Arial"/>
+              </a:rPr>
+              <a:t>Less Obvious: Objects that talk to external services.</a:t>
+            </a:r>
+            <a:endParaRPr/>
+          </a:p>
+          <a:p>
+            <a:pPr>
+              <a:lnSpc>
+                <a:spcPct val="150000"/>
+              </a:lnSpc>
+              <a:buSzPct val="45000"/>
+              <a:buFont typeface="StarSymbol"/>
+              <a:buChar char=""/>
+            </a:pPr>
+            <a:r>
+              <a:rPr lang="en-US" sz="2400">
+                <a:latin typeface="Arial"/>
+              </a:rPr>
+              <a:t>Third party libraries</a:t>
             </a:r>
             <a:endParaRPr/>
           </a:p>
@@ -5514,14 +5919,14 @@
       </p:grpSpPr>
       <p:sp>
         <p:nvSpPr>
-          <p:cNvPr id="103" name="TextShape 1"/>
-          <p:cNvSpPr txBox="1"/>
-          <p:nvPr/>
-        </p:nvSpPr>
-        <p:spPr>
-          <a:xfrm>
-            <a:off x="513720" y="1311120"/>
-            <a:ext cx="8229240" cy="1142640"/>
+          <p:cNvPr id="100" name="CustomShape 1"/>
+          <p:cNvSpPr/>
+          <p:nvPr/>
+        </p:nvSpPr>
+        <p:spPr>
+          <a:xfrm>
+            <a:off x="513720" y="1131120"/>
+            <a:ext cx="8228520" cy="1141920"/>
           </a:xfrm>
           <a:prstGeom prst="rect">
             <a:avLst/>
@@ -5538,7 +5943,7 @@
                 </a:solidFill>
                 <a:latin typeface="Arial"/>
               </a:rPr>
-              <a:t>Testing Problems</a:t>
+              <a:t>Testing with Dependencies: Problems</a:t>
             </a:r>
             <a:endParaRPr/>
           </a:p>
@@ -5546,14 +5951,14 @@
       </p:sp>
       <p:sp>
         <p:nvSpPr>
-          <p:cNvPr id="104" name="TextShape 2"/>
-          <p:cNvSpPr txBox="1"/>
-          <p:nvPr/>
-        </p:nvSpPr>
-        <p:spPr>
-          <a:xfrm>
-            <a:off x="457200" y="2819520"/>
-            <a:ext cx="8229240" cy="2514240"/>
+          <p:cNvPr id="101" name="CustomShape 2"/>
+          <p:cNvSpPr/>
+          <p:nvPr/>
+        </p:nvSpPr>
+        <p:spPr>
+          <a:xfrm>
+            <a:off x="457200" y="2639520"/>
+            <a:ext cx="8228520" cy="2513520"/>
           </a:xfrm>
           <a:prstGeom prst="rect">
             <a:avLst/>
@@ -5563,6 +5968,9 @@
           <a:bodyPr bIns="45000" lIns="90000" rIns="90000" tIns="45000"/>
           <a:p>
             <a:pPr>
+              <a:lnSpc>
+                <a:spcPct val="150000"/>
+              </a:lnSpc>
               <a:buSzPct val="45000"/>
               <a:buFont typeface="StarSymbol"/>
               <a:buChar char=""/>
@@ -5571,12 +5979,15 @@
               <a:rPr lang="en-US">
                 <a:latin typeface="Arial"/>
               </a:rPr>
-              <a:t>Slow, Complex Setups, Objects may no exist, not clear what causes a failure</a:t>
+              <a:t>Slow, Complex Setups and Teardowns, Objects may no exist, not clear what causes a failure</a:t>
             </a:r>
             <a:endParaRPr/>
           </a:p>
           <a:p>
             <a:pPr>
+              <a:lnSpc>
+                <a:spcPct val="150000"/>
+              </a:lnSpc>
               <a:buSzPct val="45000"/>
               <a:buFont typeface="StarSymbol"/>
               <a:buChar char=""/>
@@ -5591,6 +6002,9 @@
           </a:p>
           <a:p>
             <a:pPr>
+              <a:lnSpc>
+                <a:spcPct val="150000"/>
+              </a:lnSpc>
               <a:buSzPct val="45000"/>
               <a:buFont typeface="StarSymbol"/>
               <a:buChar char=""/>
@@ -5605,6 +6019,9 @@
           </a:p>
           <a:p>
             <a:pPr lvl="1">
+              <a:lnSpc>
+                <a:spcPct val="150000"/>
+              </a:lnSpc>
               <a:buSzPct val="45000"/>
               <a:buFont typeface="StarSymbol"/>
               <a:buChar char=""/>
@@ -5672,14 +6089,14 @@
       </p:grpSpPr>
       <p:sp>
         <p:nvSpPr>
-          <p:cNvPr id="105" name="TextShape 1"/>
-          <p:cNvSpPr txBox="1"/>
-          <p:nvPr/>
-        </p:nvSpPr>
-        <p:spPr>
-          <a:xfrm>
-            <a:off x="513720" y="1311120"/>
-            <a:ext cx="8229240" cy="1142640"/>
+          <p:cNvPr id="102" name="CustomShape 1"/>
+          <p:cNvSpPr/>
+          <p:nvPr/>
+        </p:nvSpPr>
+        <p:spPr>
+          <a:xfrm>
+            <a:off x="513720" y="1131120"/>
+            <a:ext cx="8228520" cy="1141920"/>
           </a:xfrm>
           <a:prstGeom prst="rect">
             <a:avLst/>
@@ -5704,14 +6121,14 @@
       </p:sp>
       <p:sp>
         <p:nvSpPr>
-          <p:cNvPr id="106" name="TextShape 2"/>
-          <p:cNvSpPr txBox="1"/>
-          <p:nvPr/>
-        </p:nvSpPr>
-        <p:spPr>
-          <a:xfrm>
-            <a:off x="457200" y="2819520"/>
-            <a:ext cx="8229240" cy="2514240"/>
+          <p:cNvPr id="103" name="CustomShape 2"/>
+          <p:cNvSpPr/>
+          <p:nvPr/>
+        </p:nvSpPr>
+        <p:spPr>
+          <a:xfrm>
+            <a:off x="457200" y="2675520"/>
+            <a:ext cx="8228520" cy="2513520"/>
           </a:xfrm>
           <a:prstGeom prst="rect">
             <a:avLst/>
@@ -5721,6 +6138,9 @@
           <a:bodyPr bIns="45000" lIns="90000" rIns="90000" tIns="45000"/>
           <a:p>
             <a:pPr>
+              <a:lnSpc>
+                <a:spcPct val="150000"/>
+              </a:lnSpc>
               <a:buSzPct val="45000"/>
               <a:buFont typeface="StarSymbol"/>
               <a:buChar char=""/>
@@ -5729,16 +6149,22 @@
               <a:rPr lang="en-US">
                 <a:latin typeface="Arial"/>
               </a:rPr>
+              <a:t> </a:t>
+            </a:r>
+            <a:r>
+              <a:rPr lang="en-US" sz="2200">
+                <a:latin typeface="Arial"/>
+              </a:rPr>
               <a:t>It </a:t>
             </a:r>
             <a:r>
-              <a:rPr i="1" lang="en-US">
+              <a:rPr i="1" lang="en-US" sz="2200">
                 <a:latin typeface="Arial"/>
               </a:rPr>
               <a:t>can</a:t>
             </a:r>
             <a:r>
-              <a:rPr lang="en-US">
+              <a:rPr lang="en-US" sz="2200">
                 <a:latin typeface="Arial"/>
               </a:rPr>
               <a:t> make testing difficult, esp. legacy code</a:t>
@@ -5747,12 +6173,15 @@
           </a:p>
           <a:p>
             <a:pPr>
+              <a:lnSpc>
+                <a:spcPct val="150000"/>
+              </a:lnSpc>
               <a:buSzPct val="45000"/>
               <a:buFont typeface="StarSymbol"/>
               <a:buChar char=""/>
             </a:pPr>
             <a:r>
-              <a:rPr lang="en-US">
+              <a:rPr lang="en-US" sz="2200">
                 <a:latin typeface="Arial"/>
               </a:rPr>
               <a:t>TDD forces you to think harder about object interactions and design </a:t>
@@ -5761,12 +6190,15 @@
           </a:p>
           <a:p>
             <a:pPr>
+              <a:lnSpc>
+                <a:spcPct val="150000"/>
+              </a:lnSpc>
               <a:buSzPct val="45000"/>
               <a:buFont typeface="StarSymbol"/>
               <a:buChar char=""/>
             </a:pPr>
             <a:r>
-              <a:rPr lang="en-US">
+              <a:rPr lang="en-US" sz="2200">
                 <a:latin typeface="Arial"/>
               </a:rPr>
               <a:t>Understanding how to design code to be testable, makes code cleaner</a:t>
@@ -5828,14 +6260,14 @@
       </p:grpSpPr>
       <p:sp>
         <p:nvSpPr>
-          <p:cNvPr id="107" name="CustomShape 1"/>
+          <p:cNvPr id="104" name="CustomShape 1"/>
           <p:cNvSpPr/>
           <p:nvPr/>
         </p:nvSpPr>
         <p:spPr>
           <a:xfrm>
             <a:off x="685800" y="1143000"/>
-            <a:ext cx="8001000" cy="4800600"/>
+            <a:ext cx="8000280" cy="4799880"/>
           </a:xfrm>
           <a:prstGeom prst="rect">
             <a:avLst/>
@@ -5990,24 +6422,24 @@
                 <a:latin typeface="Monospace"/>
                 <a:ea typeface="Monospace"/>
               </a:rPr>
-              <a:t>String message) </a:t>
-            </a:r>
-            <a:r>
-              <a:rPr lang="en-US" sz="1500">
-                <a:solidFill>
-                  <a:srgbClr val="000000"/>
+              <a:t>String message) {</a:t>
+            </a:r>
+            <a:endParaRPr/>
+          </a:p>
+          <a:p>
+            <a:endParaRPr/>
+          </a:p>
+          <a:p>
+            <a:r>
+              <a:rPr b="1" lang="en-US" sz="1500">
+                <a:solidFill>
+                  <a:srgbClr val="7f0055"/>
                 </a:solidFill>
                 <a:latin typeface="Monospace"/>
                 <a:ea typeface="Monospace"/>
               </a:rPr>
-              <a:t>{</a:t>
-            </a:r>
-            <a:endParaRPr/>
-          </a:p>
-          <a:p>
-            <a:endParaRPr/>
-          </a:p>
-          <a:p>
+              <a:t>    </a:t>
+            </a:r>
             <a:r>
               <a:rPr b="1" lang="en-US" sz="1500">
                 <a:solidFill>
@@ -6016,18 +6448,21 @@
                 <a:latin typeface="Monospace"/>
                 <a:ea typeface="Monospace"/>
               </a:rPr>
-              <a:t>    </a:t>
-            </a:r>
-            <a:r>
-              <a:rPr b="1" lang="en-US" sz="1500">
-                <a:solidFill>
-                  <a:srgbClr val="7f0055"/>
+              <a:t>for</a:t>
+            </a:r>
+            <a:r>
+              <a:rPr lang="en-US" sz="1500">
+                <a:solidFill>
+                  <a:srgbClr val="000000"/>
                 </a:solidFill>
                 <a:latin typeface="Monospace"/>
                 <a:ea typeface="Monospace"/>
               </a:rPr>
-              <a:t>for</a:t>
-            </a:r>
+              <a:t>(Recipient recipient : recipients){</a:t>
+            </a:r>
+            <a:endParaRPr/>
+          </a:p>
+          <a:p>
             <a:r>
               <a:rPr lang="en-US" sz="1500">
                 <a:solidFill>
@@ -6036,11 +6471,8 @@
                 <a:latin typeface="Monospace"/>
                 <a:ea typeface="Monospace"/>
               </a:rPr>
-              <a:t>(Recipient recipient : recipients){</a:t>
-            </a:r>
-            <a:endParaRPr/>
-          </a:p>
-          <a:p>
+              <a:t>      </a:t>
+            </a:r>
             <a:r>
               <a:rPr lang="en-US" sz="1500">
                 <a:solidFill>
@@ -6049,83 +6481,87 @@
                 <a:latin typeface="Monospace"/>
                 <a:ea typeface="Monospace"/>
               </a:rPr>
-              <a:t>      </a:t>
-            </a:r>
-            <a:r>
-              <a:rPr lang="en-US" sz="1500">
-                <a:solidFill>
-                  <a:srgbClr val="000000"/>
+              <a:t>EmailMessage email = </a:t>
+            </a:r>
+            <a:r>
+              <a:rPr b="1" lang="en-US" sz="1500">
+                <a:solidFill>
+                  <a:srgbClr val="7f0055"/>
                 </a:solidFill>
                 <a:latin typeface="Monospace"/>
                 <a:ea typeface="Monospace"/>
               </a:rPr>
-              <a:t>EmailMessage email = </a:t>
-            </a:r>
-            <a:r>
-              <a:rPr b="1" lang="en-US" sz="1500">
-                <a:solidFill>
-                  <a:srgbClr val="7f0055"/>
+              <a:t>new</a:t>
+            </a:r>
+            <a:r>
+              <a:rPr lang="en-US" sz="1500">
+                <a:solidFill>
+                  <a:srgbClr val="000000"/>
                 </a:solidFill>
                 <a:latin typeface="Monospace"/>
                 <a:ea typeface="Monospace"/>
               </a:rPr>
-              <a:t>new</a:t>
-            </a:r>
+              <a:t> EmailMessage( recipient, message );</a:t>
+            </a:r>
+            <a:endParaRPr/>
+          </a:p>
+          <a:p>
             <a:r>
               <a:rPr lang="en-US" sz="1500">
                 <a:solidFill>
                   <a:srgbClr val="000000"/>
+                </a:solidFill>
+                <a:latin typeface="Courier 10 Pitch"/>
+                <a:ea typeface="Monospace"/>
+              </a:rPr>
+              <a:t>      </a:t>
+            </a:r>
+            <a:r>
+              <a:rPr lang="en-US" sz="1500">
+                <a:solidFill>
+                  <a:srgbClr val="000000"/>
+                </a:solidFill>
+                <a:latin typeface="Courier 10 Pitch"/>
+                <a:ea typeface="Monospace"/>
+              </a:rPr>
+              <a:t>email.send();</a:t>
+            </a:r>
+            <a:endParaRPr/>
+          </a:p>
+          <a:p>
+            <a:r>
+              <a:rPr lang="en-US" sz="1500">
+                <a:solidFill>
+                  <a:srgbClr val="000000"/>
+                </a:solidFill>
+                <a:latin typeface="Courier 10 Pitch"/>
+                <a:ea typeface="Monospace"/>
+              </a:rPr>
+              <a:t>    </a:t>
+            </a:r>
+            <a:r>
+              <a:rPr lang="en-US" sz="1500">
+                <a:solidFill>
+                  <a:srgbClr val="000000"/>
+                </a:solidFill>
+                <a:latin typeface="Courier 10 Pitch"/>
+                <a:ea typeface="Monospace"/>
+              </a:rPr>
+              <a:t>}</a:t>
+            </a:r>
+            <a:endParaRPr/>
+          </a:p>
+          <a:p>
+            <a:r>
+              <a:rPr b="1" lang="en-US" sz="1500">
+                <a:solidFill>
+                  <a:srgbClr val="7f0055"/>
                 </a:solidFill>
                 <a:latin typeface="Monospace"/>
                 <a:ea typeface="Monospace"/>
               </a:rPr>
-              <a:t> EmailMessage( recipient, message );</a:t>
-            </a:r>
-            <a:endParaRPr/>
-          </a:p>
-          <a:p>
-            <a:r>
-              <a:rPr lang="en-US" sz="1500">
-                <a:solidFill>
-                  <a:srgbClr val="000000"/>
-                </a:solidFill>
-                <a:latin typeface="Courier 10 Pitch"/>
-              </a:rPr>
-              <a:t>      </a:t>
-            </a:r>
-            <a:r>
-              <a:rPr lang="en-US" sz="1500">
-                <a:solidFill>
-                  <a:srgbClr val="000000"/>
-                </a:solidFill>
-                <a:latin typeface="Courier 10 Pitch"/>
-              </a:rPr>
-              <a:t>email.send();</a:t>
-            </a:r>
-            <a:endParaRPr/>
-          </a:p>
-          <a:p>
-            <a:r>
-              <a:rPr lang="en-US" sz="1500">
-                <a:solidFill>
-                  <a:srgbClr val="000000"/>
-                </a:solidFill>
-                <a:latin typeface="Courier 10 Pitch"/>
-              </a:rPr>
               <a:t>    </a:t>
             </a:r>
-            <a:r>
-              <a:rPr lang="en-US" sz="1500">
-                <a:solidFill>
-                  <a:srgbClr val="000000"/>
-                </a:solidFill>
-                <a:latin typeface="Courier 10 Pitch"/>
-              </a:rPr>
-              <a:t>}</a:t>
-            </a:r>
-            <a:endParaRPr/>
-          </a:p>
-          <a:p>
             <a:r>
               <a:rPr b="1" lang="en-US" sz="1500">
                 <a:solidFill>
@@ -6134,81 +6570,74 @@
                 <a:latin typeface="Monospace"/>
                 <a:ea typeface="Monospace"/>
               </a:rPr>
-              <a:t>    </a:t>
-            </a:r>
-            <a:r>
-              <a:rPr b="1" lang="en-US" sz="1500">
-                <a:solidFill>
-                  <a:srgbClr val="7f0055"/>
+              <a:t>return</a:t>
+            </a:r>
+            <a:r>
+              <a:rPr lang="en-US" sz="1500">
+                <a:solidFill>
+                  <a:srgbClr val="000000"/>
                 </a:solidFill>
                 <a:latin typeface="Monospace"/>
                 <a:ea typeface="Monospace"/>
               </a:rPr>
-              <a:t>return</a:t>
-            </a:r>
-            <a:r>
-              <a:rPr lang="en-US" sz="1500">
-                <a:solidFill>
-                  <a:srgbClr val="000000"/>
+              <a:t> </a:t>
+            </a:r>
+            <a:r>
+              <a:rPr b="1" lang="en-US" sz="1500">
+                <a:solidFill>
+                  <a:srgbClr val="7f0055"/>
                 </a:solidFill>
                 <a:latin typeface="Monospace"/>
                 <a:ea typeface="Monospace"/>
               </a:rPr>
-              <a:t> </a:t>
-            </a:r>
-            <a:r>
-              <a:rPr b="1" lang="en-US" sz="1500">
-                <a:solidFill>
-                  <a:srgbClr val="7f0055"/>
+              <a:t>true</a:t>
+            </a:r>
+            <a:r>
+              <a:rPr lang="en-US" sz="1500">
+                <a:solidFill>
+                  <a:srgbClr val="000000"/>
                 </a:solidFill>
                 <a:latin typeface="Monospace"/>
                 <a:ea typeface="Monospace"/>
               </a:rPr>
-              <a:t>true</a:t>
-            </a:r>
+              <a:t>;</a:t>
+            </a:r>
+            <a:endParaRPr/>
+          </a:p>
+          <a:p>
             <a:r>
               <a:rPr lang="en-US" sz="1500">
                 <a:solidFill>
                   <a:srgbClr val="000000"/>
                 </a:solidFill>
-                <a:latin typeface="Monospace"/>
+                <a:latin typeface="Courier 10 Pitch"/>
                 <a:ea typeface="Monospace"/>
               </a:rPr>
-              <a:t>;</a:t>
-            </a:r>
-            <a:endParaRPr/>
-          </a:p>
-          <a:p>
+              <a:t>  </a:t>
+            </a:r>
             <a:r>
               <a:rPr lang="en-US" sz="1500">
                 <a:solidFill>
                   <a:srgbClr val="000000"/>
                 </a:solidFill>
                 <a:latin typeface="Courier 10 Pitch"/>
-              </a:rPr>
-              <a:t>  </a:t>
-            </a:r>
+                <a:ea typeface="Monospace"/>
+              </a:rPr>
+              <a:t>}</a:t>
+            </a:r>
+            <a:endParaRPr/>
+          </a:p>
+          <a:p>
+            <a:endParaRPr/>
+          </a:p>
+          <a:p>
             <a:r>
               <a:rPr lang="en-US" sz="1500">
                 <a:solidFill>
                   <a:srgbClr val="000000"/>
                 </a:solidFill>
                 <a:latin typeface="Courier 10 Pitch"/>
-              </a:rPr>
-              <a:t>}</a:t>
-            </a:r>
-            <a:endParaRPr/>
-          </a:p>
-          <a:p>
-            <a:endParaRPr/>
-          </a:p>
-          <a:p>
-            <a:r>
-              <a:rPr lang="en-US" sz="1500">
-                <a:solidFill>
-                  <a:srgbClr val="000000"/>
-                </a:solidFill>
-                <a:latin typeface="Courier 10 Pitch"/>
+                <a:ea typeface="Monospace"/>
               </a:rPr>
               <a:t>}</a:t>
             </a:r>
@@ -6917,4 +7346,227 @@
     </a:fmtScheme>
   </a:themeElements>
 </a:theme>
+</file>
+
+<file path=ppt/theme/theme4.xml><?xml version="1.0" encoding="utf-8"?>
+<a:theme xmlns:a="http://schemas.openxmlformats.org/drawingml/2006/main" name="Office Theme">
+  <a:themeElements>
+    <a:clrScheme name="Office">
+      <a:dk1>
+        <a:sysClr val="windowText" lastClr="000000"/>
+      </a:dk1>
+      <a:lt1>
+        <a:sysClr val="window" lastClr="FFFFFF"/>
+      </a:lt1>
+      <a:dk2>
+        <a:srgbClr val="1F497D"/>
+      </a:dk2>
+      <a:lt2>
+        <a:srgbClr val="EEECE1"/>
+      </a:lt2>
+      <a:accent1>
+        <a:srgbClr val="4F81BD"/>
+      </a:accent1>
+      <a:accent2>
+        <a:srgbClr val="C0504D"/>
+      </a:accent2>
+      <a:accent3>
+        <a:srgbClr val="9BBB59"/>
+      </a:accent3>
+      <a:accent4>
+        <a:srgbClr val="8064A2"/>
+      </a:accent4>
+      <a:accent5>
+        <a:srgbClr val="4BACC6"/>
+      </a:accent5>
+      <a:accent6>
+        <a:srgbClr val="F79646"/>
+      </a:accent6>
+      <a:hlink>
+        <a:srgbClr val="0000FF"/>
+      </a:hlink>
+      <a:folHlink>
+        <a:srgbClr val="800080"/>
+      </a:folHlink>
+    </a:clrScheme>
+    <a:fontScheme name="Office">
+      <a:majorFont>
+        <a:latin typeface="Arial"/>
+        <a:ea typeface="DejaVu Sans"/>
+        <a:cs typeface="DejaVu Sans"/>
+      </a:majorFont>
+      <a:minorFont>
+        <a:latin typeface="Arial"/>
+        <a:ea typeface="DejaVu Sans"/>
+        <a:cs typeface="DejaVu Sans"/>
+      </a:minorFont>
+    </a:fontScheme>
+    <a:fmtScheme name="Office">
+      <a:fillStyleLst>
+        <a:solidFill>
+          <a:schemeClr val="phClr"/>
+        </a:solidFill>
+        <a:gradFill rotWithShape="1">
+          <a:gsLst>
+            <a:gs pos="0">
+              <a:schemeClr val="phClr">
+                <a:tint val="50000"/>
+                <a:satMod val="300000"/>
+              </a:schemeClr>
+            </a:gs>
+            <a:gs pos="35000">
+              <a:schemeClr val="phClr">
+                <a:tint val="37000"/>
+                <a:satMod val="300000"/>
+              </a:schemeClr>
+            </a:gs>
+            <a:gs pos="100000">
+              <a:schemeClr val="phClr">
+                <a:tint val="15000"/>
+                <a:satMod val="350000"/>
+              </a:schemeClr>
+            </a:gs>
+          </a:gsLst>
+          <a:lin ang="16200000" scaled="1"/>
+        </a:gradFill>
+        <a:gradFill rotWithShape="1">
+          <a:gsLst>
+            <a:gs pos="0">
+              <a:schemeClr val="phClr">
+                <a:shade val="51000"/>
+                <a:satMod val="130000"/>
+              </a:schemeClr>
+            </a:gs>
+            <a:gs pos="80000">
+              <a:schemeClr val="phClr">
+                <a:shade val="93000"/>
+                <a:satMod val="130000"/>
+              </a:schemeClr>
+            </a:gs>
+            <a:gs pos="100000">
+              <a:schemeClr val="phClr">
+                <a:shade val="94000"/>
+                <a:satMod val="135000"/>
+              </a:schemeClr>
+            </a:gs>
+          </a:gsLst>
+          <a:lin ang="16200000" scaled="0"/>
+        </a:gradFill>
+      </a:fillStyleLst>
+      <a:lnStyleLst>
+        <a:ln w="9525" cap="flat" cmpd="sng" algn="ctr">
+          <a:solidFill>
+            <a:schemeClr val="phClr">
+              <a:shade val="95000"/>
+              <a:satMod val="105000"/>
+            </a:schemeClr>
+          </a:solidFill>
+          <a:prstDash val="solid"/>
+        </a:ln>
+        <a:ln w="25400" cap="flat" cmpd="sng" algn="ctr">
+          <a:solidFill>
+            <a:schemeClr val="phClr"/>
+          </a:solidFill>
+          <a:prstDash val="solid"/>
+        </a:ln>
+        <a:ln w="38100" cap="flat" cmpd="sng" algn="ctr">
+          <a:solidFill>
+            <a:schemeClr val="phClr"/>
+          </a:solidFill>
+          <a:prstDash val="solid"/>
+        </a:ln>
+      </a:lnStyleLst>
+      <a:effectStyleLst>
+        <a:effectStyle>
+          <a:effectLst>
+            <a:outerShdw blurRad="40000" dist="20000" dir="5400000" rotWithShape="0">
+              <a:srgbClr val="000000">
+                <a:alpha val="38000"/>
+              </a:srgbClr>
+            </a:outerShdw>
+          </a:effectLst>
+        </a:effectStyle>
+        <a:effectStyle>
+          <a:effectLst>
+            <a:outerShdw blurRad="40000" dist="23000" dir="5400000" rotWithShape="0">
+              <a:srgbClr val="000000">
+                <a:alpha val="35000"/>
+              </a:srgbClr>
+            </a:outerShdw>
+          </a:effectLst>
+        </a:effectStyle>
+        <a:effectStyle>
+          <a:effectLst>
+            <a:outerShdw blurRad="40000" dist="23000" dir="5400000" rotWithShape="0">
+              <a:srgbClr val="000000">
+                <a:alpha val="35000"/>
+              </a:srgbClr>
+            </a:outerShdw>
+          </a:effectLst>
+          <a:scene3d>
+            <a:camera prst="orthographicFront">
+              <a:rot lat="0" lon="0" rev="0"/>
+            </a:camera>
+            <a:lightRig rig="threePt" dir="t">
+              <a:rot lat="0" lon="0" rev="1200000"/>
+            </a:lightRig>
+          </a:scene3d>
+          <a:sp3d>
+            <a:bevelT w="63500" h="25400"/>
+          </a:sp3d>
+        </a:effectStyle>
+      </a:effectStyleLst>
+      <a:bgFillStyleLst>
+        <a:solidFill>
+          <a:schemeClr val="phClr"/>
+        </a:solidFill>
+        <a:gradFill rotWithShape="1">
+          <a:gsLst>
+            <a:gs pos="0">
+              <a:schemeClr val="phClr">
+                <a:tint val="40000"/>
+                <a:satMod val="350000"/>
+              </a:schemeClr>
+            </a:gs>
+            <a:gs pos="40000">
+              <a:schemeClr val="phClr">
+                <a:tint val="45000"/>
+                <a:shade val="99000"/>
+                <a:satMod val="350000"/>
+              </a:schemeClr>
+            </a:gs>
+            <a:gs pos="100000">
+              <a:schemeClr val="phClr">
+                <a:shade val="20000"/>
+                <a:satMod val="255000"/>
+              </a:schemeClr>
+            </a:gs>
+          </a:gsLst>
+          <a:path path="circle">
+            <a:fillToRect l="50000" t="-80000" r="50000" b="180000"/>
+          </a:path>
+        </a:gradFill>
+        <a:gradFill rotWithShape="1">
+          <a:gsLst>
+            <a:gs pos="0">
+              <a:schemeClr val="phClr">
+                <a:tint val="80000"/>
+                <a:satMod val="300000"/>
+              </a:schemeClr>
+            </a:gs>
+            <a:gs pos="100000">
+              <a:schemeClr val="phClr">
+                <a:shade val="30000"/>
+                <a:satMod val="200000"/>
+              </a:schemeClr>
+            </a:gs>
+          </a:gsLst>
+          <a:path path="circle">
+            <a:fillToRect l="50000" t="50000" r="50000" b="50000"/>
+          </a:path>
+        </a:gradFill>
+      </a:bgFillStyleLst>
+    </a:fmtScheme>
+  </a:themeElements>
+</a:theme>
 </file>
--- a/doc/Test Doubles and Dependency Design.pptx
+++ b/doc/Test Doubles and Dependency Design.pptx
@@ -2254,19 +2254,19 @@
               <a:rPr lang="en-US" sz="2200">
                 <a:latin typeface="Arial"/>
               </a:rPr>
-              <a:t> some data type (Ask) and unit tests verify </a:t>
+              <a:t> some data type (</a:t>
             </a:r>
             <a:r>
               <a:rPr i="1" lang="en-US" sz="2200">
                 <a:latin typeface="Arial"/>
               </a:rPr>
-              <a:t>state</a:t>
+              <a:t>Ask</a:t>
             </a:r>
             <a:r>
               <a:rPr lang="en-US" sz="2200">
                 <a:latin typeface="Arial"/>
               </a:rPr>
-              <a:t>.</a:t>
+              <a:t>) and unit tests verify the contract by inspecting expected state of the object under test</a:t>
             </a:r>
             <a:endParaRPr/>
           </a:p>
@@ -2295,31 +2295,43 @@
               <a:rPr lang="en-US" sz="2200">
                 <a:latin typeface="Arial"/>
               </a:rPr>
-              <a:t> some action (Tell) and usually returns </a:t>
+              <a:t> some action (</a:t>
             </a:r>
             <a:r>
               <a:rPr i="1" lang="en-US" sz="2200">
                 <a:latin typeface="Arial"/>
               </a:rPr>
-              <a:t>void</a:t>
+              <a:t>Tell</a:t>
             </a:r>
             <a:r>
               <a:rPr lang="en-US" sz="2200">
                 <a:latin typeface="Arial"/>
               </a:rPr>
-              <a:t>.  Unit tests </a:t>
+              <a:t>) and usually returns </a:t>
             </a:r>
             <a:r>
               <a:rPr i="1" lang="en-US" sz="2200">
                 <a:latin typeface="Arial"/>
               </a:rPr>
-              <a:t>verify</a:t>
+              <a:t>void</a:t>
             </a:r>
             <a:r>
               <a:rPr lang="en-US" sz="2200">
                 <a:latin typeface="Arial"/>
               </a:rPr>
-              <a:t> method calls. (Also referred to as </a:t>
+              <a:t>. Unit tests </a:t>
+            </a:r>
+            <a:r>
+              <a:rPr i="1" lang="en-US" sz="2200">
+                <a:latin typeface="Arial"/>
+              </a:rPr>
+              <a:t>verify</a:t>
+            </a:r>
+            <a:r>
+              <a:rPr lang="en-US" sz="2200">
+                <a:latin typeface="Arial"/>
+              </a:rPr>
+              <a:t> method calls on collaborating objects. (Also referred to as </a:t>
             </a:r>
             <a:r>
               <a:rPr i="1" lang="en-US" sz="2200">
@@ -2414,7 +2426,7 @@
                 </a:solidFill>
                 <a:latin typeface="Arial"/>
               </a:rPr>
-              <a:t>The Gold</a:t>
+              <a:t>Gold</a:t>
             </a:r>
             <a:endParaRPr/>
           </a:p>

--- a/doc/Test Doubles and Dependency Design.pptx
+++ b/doc/Test Doubles and Dependency Design.pptx
@@ -4,27 +4,24 @@
   <p:sldMasterIdLst>
     <p:sldMasterId id="2147483648" r:id="rId2"/>
     <p:sldMasterId id="2147483650" r:id="rId3"/>
-    <p:sldMasterId id="2147483652" r:id="rId4"/>
-    <p:sldMasterId id="2147483654" r:id="rId5"/>
   </p:sldMasterIdLst>
   <p:sldIdLst>
-    <p:sldId id="256" r:id="rId6"/>
-    <p:sldId id="257" r:id="rId7"/>
-    <p:sldId id="258" r:id="rId8"/>
-    <p:sldId id="259" r:id="rId9"/>
-    <p:sldId id="260" r:id="rId10"/>
-    <p:sldId id="261" r:id="rId11"/>
-    <p:sldId id="262" r:id="rId12"/>
-    <p:sldId id="263" r:id="rId13"/>
-    <p:sldId id="264" r:id="rId14"/>
-    <p:sldId id="265" r:id="rId15"/>
-    <p:sldId id="266" r:id="rId16"/>
-    <p:sldId id="267" r:id="rId17"/>
-    <p:sldId id="268" r:id="rId18"/>
-    <p:sldId id="269" r:id="rId19"/>
-    <p:sldId id="270" r:id="rId20"/>
-    <p:sldId id="271" r:id="rId21"/>
-    <p:sldId id="272" r:id="rId22"/>
+    <p:sldId id="256" r:id="rId4"/>
+    <p:sldId id="257" r:id="rId5"/>
+    <p:sldId id="258" r:id="rId6"/>
+    <p:sldId id="259" r:id="rId7"/>
+    <p:sldId id="260" r:id="rId8"/>
+    <p:sldId id="261" r:id="rId9"/>
+    <p:sldId id="262" r:id="rId10"/>
+    <p:sldId id="263" r:id="rId11"/>
+    <p:sldId id="264" r:id="rId12"/>
+    <p:sldId id="265" r:id="rId13"/>
+    <p:sldId id="266" r:id="rId14"/>
+    <p:sldId id="267" r:id="rId15"/>
+    <p:sldId id="268" r:id="rId16"/>
+    <p:sldId id="269" r:id="rId17"/>
+    <p:sldId id="270" r:id="rId18"/>
+    <p:sldId id="271" r:id="rId19"/>
   </p:sldIdLst>
   <p:sldSz cx="9144000" cy="6858000"/>
   <p:notesSz cx="7772400" cy="10058400"/>
@@ -75,50 +72,6 @@
 </p:sldLayout>
 </file>
 
-<file path=ppt/slideLayouts/slideLayout3.xml><?xml version="1.0" encoding="utf-8"?>
-<p:sldLayout xmlns:a="http://schemas.openxmlformats.org/drawingml/2006/main" xmlns:p="http://schemas.openxmlformats.org/presentationml/2006/main" xmlns:r="http://schemas.openxmlformats.org/officeDocument/2006/relationships" preserve="1" type="title">
-  <p:cSld name="Title Slide">
-    <p:spTree>
-      <p:nvGrpSpPr>
-        <p:cNvPr id="1" name=""/>
-        <p:cNvGrpSpPr/>
-        <p:nvPr/>
-      </p:nvGrpSpPr>
-      <p:grpSpPr>
-        <a:xfrm>
-          <a:off x="0" y="0"/>
-          <a:ext cx="0" cy="0"/>
-          <a:chOff x="0" y="0"/>
-          <a:chExt cx="0" cy="0"/>
-        </a:xfrm>
-      </p:grpSpPr>
-    </p:spTree>
-  </p:cSld>
-</p:sldLayout>
-</file>
-
-<file path=ppt/slideLayouts/slideLayout4.xml><?xml version="1.0" encoding="utf-8"?>
-<p:sldLayout xmlns:a="http://schemas.openxmlformats.org/drawingml/2006/main" xmlns:p="http://schemas.openxmlformats.org/presentationml/2006/main" xmlns:r="http://schemas.openxmlformats.org/officeDocument/2006/relationships" preserve="1" type="title">
-  <p:cSld name="Title Slide">
-    <p:spTree>
-      <p:nvGrpSpPr>
-        <p:cNvPr id="1" name=""/>
-        <p:cNvGrpSpPr/>
-        <p:nvPr/>
-      </p:nvGrpSpPr>
-      <p:grpSpPr>
-        <a:xfrm>
-          <a:off x="0" y="0"/>
-          <a:ext cx="0" cy="0"/>
-          <a:chOff x="0" y="0"/>
-          <a:chExt cx="0" cy="0"/>
-        </a:xfrm>
-      </p:grpSpPr>
-    </p:spTree>
-  </p:cSld>
-</p:sldLayout>
-</file>
-
 <file path=ppt/slideMasters/slideMaster1.xml><?xml version="1.0" encoding="utf-8"?>
 <p:sldMaster xmlns:a="http://schemas.openxmlformats.org/drawingml/2006/main" xmlns:p="http://schemas.openxmlformats.org/presentationml/2006/main" xmlns:r="http://schemas.openxmlformats.org/officeDocument/2006/relationships">
   <p:cSld>
@@ -145,7 +98,7 @@
         <p:spPr>
           <a:xfrm>
             <a:off x="3124080" y="6356520"/>
-            <a:ext cx="2894400" cy="363960"/>
+            <a:ext cx="2894040" cy="363600"/>
           </a:xfrm>
           <a:prstGeom prst="rect">
             <a:avLst/>
@@ -349,7 +302,7 @@
         <p:spPr>
           <a:xfrm>
             <a:off x="3124080" y="6356520"/>
-            <a:ext cx="2894400" cy="363960"/>
+            <a:ext cx="2894040" cy="363600"/>
           </a:xfrm>
           <a:prstGeom prst="rect">
             <a:avLst/>
@@ -523,414 +476,6 @@
   <p:clrMap accent1="accent1" accent2="accent2" accent3="accent3" accent4="accent4" accent5="accent5" accent6="accent6" bg1="lt1" bg2="lt2" folHlink="folHlink" hlink="hlink" tx1="dk1" tx2="dk2"/>
   <p:sldLayoutIdLst>
     <p:sldLayoutId id="2147483651" r:id="rId2"/>
-  </p:sldLayoutIdLst>
-</p:sldMaster>
-</file>
-
-<file path=ppt/slideMasters/slideMaster3.xml><?xml version="1.0" encoding="utf-8"?>
-<p:sldMaster xmlns:a="http://schemas.openxmlformats.org/drawingml/2006/main" xmlns:p="http://schemas.openxmlformats.org/presentationml/2006/main" xmlns:r="http://schemas.openxmlformats.org/officeDocument/2006/relationships">
-  <p:cSld>
-    <p:spTree>
-      <p:nvGrpSpPr>
-        <p:cNvPr id="1" name=""/>
-        <p:cNvGrpSpPr/>
-        <p:nvPr/>
-      </p:nvGrpSpPr>
-      <p:grpSpPr>
-        <a:xfrm>
-          <a:off x="0" y="0"/>
-          <a:ext cx="0" cy="0"/>
-          <a:chOff x="0" y="0"/>
-          <a:chExt cx="0" cy="0"/>
-        </a:xfrm>
-      </p:grpSpPr>
-      <p:sp>
-        <p:nvSpPr>
-          <p:cNvPr id="6" name="CustomShape 1"/>
-          <p:cNvSpPr/>
-          <p:nvPr/>
-        </p:nvSpPr>
-        <p:spPr>
-          <a:xfrm>
-            <a:off x="3124080" y="6356520"/>
-            <a:ext cx="2894400" cy="363960"/>
-          </a:xfrm>
-          <a:prstGeom prst="rect">
-            <a:avLst/>
-          </a:prstGeom>
-        </p:spPr>
-      </p:sp>
-      <p:sp>
-        <p:nvSpPr>
-          <p:cNvPr id="7" name="PlaceHolder 2"/>
-          <p:cNvSpPr>
-            <a:spLocks noGrp="1"/>
-          </p:cNvSpPr>
-          <p:nvPr>
-            <p:ph type="title"/>
-          </p:nvPr>
-        </p:nvSpPr>
-        <p:spPr>
-          <a:xfrm>
-            <a:off x="457200" y="273600"/>
-            <a:ext cx="8229240" cy="1144800"/>
-          </a:xfrm>
-          <a:prstGeom prst="rect">
-            <a:avLst/>
-          </a:prstGeom>
-        </p:spPr>
-        <p:txBody>
-          <a:bodyPr anchor="ctr" bIns="0" lIns="0" rIns="0" tIns="0" wrap="none"/>
-          <a:p>
-            <a:pPr algn="ctr"/>
-            <a:r>
-              <a:rPr lang="en-US"/>
-              <a:t>Click to edit the title text format</a:t>
-            </a:r>
-            <a:endParaRPr/>
-          </a:p>
-        </p:txBody>
-      </p:sp>
-      <p:sp>
-        <p:nvSpPr>
-          <p:cNvPr id="8" name="PlaceHolder 3"/>
-          <p:cNvSpPr>
-            <a:spLocks noGrp="1"/>
-          </p:cNvSpPr>
-          <p:nvPr>
-            <p:ph type="body"/>
-          </p:nvPr>
-        </p:nvSpPr>
-        <p:spPr>
-          <a:xfrm>
-            <a:off x="457200" y="1604520"/>
-            <a:ext cx="8229240" cy="4525920"/>
-          </a:xfrm>
-          <a:prstGeom prst="rect">
-            <a:avLst/>
-          </a:prstGeom>
-        </p:spPr>
-        <p:txBody>
-          <a:bodyPr bIns="0" lIns="0" rIns="0" tIns="0" wrap="none"/>
-          <a:p>
-            <a:pPr>
-              <a:buSzPct val="45000"/>
-              <a:buFont typeface="StarSymbol"/>
-              <a:buChar char=""/>
-            </a:pPr>
-            <a:r>
-              <a:rPr lang="en-US"/>
-              <a:t>Click to edit the outline text format</a:t>
-            </a:r>
-            <a:endParaRPr/>
-          </a:p>
-          <a:p>
-            <a:pPr lvl="1">
-              <a:buSzPct val="45000"/>
-              <a:buFont typeface="StarSymbol"/>
-              <a:buChar char=""/>
-            </a:pPr>
-            <a:r>
-              <a:rPr lang="en-US"/>
-              <a:t>Second Outline Level</a:t>
-            </a:r>
-            <a:endParaRPr/>
-          </a:p>
-          <a:p>
-            <a:pPr lvl="2">
-              <a:buSzPct val="75000"/>
-              <a:buFont typeface="StarSymbol"/>
-              <a:buChar char=""/>
-            </a:pPr>
-            <a:r>
-              <a:rPr lang="en-US"/>
-              <a:t>Third Outline Level</a:t>
-            </a:r>
-            <a:endParaRPr/>
-          </a:p>
-          <a:p>
-            <a:pPr lvl="3">
-              <a:buSzPct val="45000"/>
-              <a:buFont typeface="StarSymbol"/>
-              <a:buChar char=""/>
-            </a:pPr>
-            <a:r>
-              <a:rPr lang="en-US"/>
-              <a:t>Fourth Outline Level</a:t>
-            </a:r>
-            <a:endParaRPr/>
-          </a:p>
-          <a:p>
-            <a:pPr lvl="4">
-              <a:buSzPct val="75000"/>
-              <a:buFont typeface="StarSymbol"/>
-              <a:buChar char=""/>
-            </a:pPr>
-            <a:r>
-              <a:rPr lang="en-US"/>
-              <a:t>Fifth Outline Level</a:t>
-            </a:r>
-            <a:endParaRPr/>
-          </a:p>
-          <a:p>
-            <a:pPr lvl="5">
-              <a:buSzPct val="45000"/>
-              <a:buFont typeface="StarSymbol"/>
-              <a:buChar char=""/>
-            </a:pPr>
-            <a:r>
-              <a:rPr lang="en-US"/>
-              <a:t>Sixth Outline Level</a:t>
-            </a:r>
-            <a:endParaRPr/>
-          </a:p>
-          <a:p>
-            <a:pPr lvl="6">
-              <a:buSzPct val="45000"/>
-              <a:buFont typeface="StarSymbol"/>
-              <a:buChar char=""/>
-            </a:pPr>
-            <a:r>
-              <a:rPr lang="en-US"/>
-              <a:t>Seventh Outline Level</a:t>
-            </a:r>
-            <a:endParaRPr/>
-          </a:p>
-          <a:p>
-            <a:pPr lvl="7">
-              <a:buSzPct val="45000"/>
-              <a:buFont typeface="StarSymbol"/>
-              <a:buChar char=""/>
-            </a:pPr>
-            <a:r>
-              <a:rPr lang="en-US"/>
-              <a:t>Eighth Outline Level</a:t>
-            </a:r>
-            <a:endParaRPr/>
-          </a:p>
-          <a:p>
-            <a:pPr lvl="8">
-              <a:buSzPct val="45000"/>
-              <a:buFont typeface="StarSymbol"/>
-              <a:buChar char=""/>
-            </a:pPr>
-            <a:r>
-              <a:rPr lang="en-US"/>
-              <a:t>Ninth Outline Level</a:t>
-            </a:r>
-            <a:endParaRPr/>
-          </a:p>
-        </p:txBody>
-      </p:sp>
-    </p:spTree>
-  </p:cSld>
-  <p:clrMap accent1="accent1" accent2="accent2" accent3="accent3" accent4="accent4" accent5="accent5" accent6="accent6" bg1="lt1" bg2="lt2" folHlink="folHlink" hlink="hlink" tx1="dk1" tx2="dk2"/>
-  <p:sldLayoutIdLst>
-    <p:sldLayoutId id="2147483653" r:id="rId2"/>
-  </p:sldLayoutIdLst>
-</p:sldMaster>
-</file>
-
-<file path=ppt/slideMasters/slideMaster4.xml><?xml version="1.0" encoding="utf-8"?>
-<p:sldMaster xmlns:a="http://schemas.openxmlformats.org/drawingml/2006/main" xmlns:p="http://schemas.openxmlformats.org/presentationml/2006/main" xmlns:r="http://schemas.openxmlformats.org/officeDocument/2006/relationships">
-  <p:cSld>
-    <p:spTree>
-      <p:nvGrpSpPr>
-        <p:cNvPr id="1" name=""/>
-        <p:cNvGrpSpPr/>
-        <p:nvPr/>
-      </p:nvGrpSpPr>
-      <p:grpSpPr>
-        <a:xfrm>
-          <a:off x="0" y="0"/>
-          <a:ext cx="0" cy="0"/>
-          <a:chOff x="0" y="0"/>
-          <a:chExt cx="0" cy="0"/>
-        </a:xfrm>
-      </p:grpSpPr>
-      <p:sp>
-        <p:nvSpPr>
-          <p:cNvPr id="9" name="CustomShape 1"/>
-          <p:cNvSpPr/>
-          <p:nvPr/>
-        </p:nvSpPr>
-        <p:spPr>
-          <a:xfrm>
-            <a:off x="3124080" y="6356520"/>
-            <a:ext cx="2894400" cy="363960"/>
-          </a:xfrm>
-          <a:prstGeom prst="rect">
-            <a:avLst/>
-          </a:prstGeom>
-        </p:spPr>
-      </p:sp>
-      <p:sp>
-        <p:nvSpPr>
-          <p:cNvPr id="10" name="PlaceHolder 2"/>
-          <p:cNvSpPr>
-            <a:spLocks noGrp="1"/>
-          </p:cNvSpPr>
-          <p:nvPr>
-            <p:ph type="title"/>
-          </p:nvPr>
-        </p:nvSpPr>
-        <p:spPr>
-          <a:xfrm>
-            <a:off x="457200" y="273600"/>
-            <a:ext cx="8229240" cy="1144800"/>
-          </a:xfrm>
-          <a:prstGeom prst="rect">
-            <a:avLst/>
-          </a:prstGeom>
-        </p:spPr>
-        <p:txBody>
-          <a:bodyPr anchor="ctr" bIns="0" lIns="0" rIns="0" tIns="0" wrap="none"/>
-          <a:p>
-            <a:pPr algn="ctr"/>
-            <a:r>
-              <a:rPr lang="en-US"/>
-              <a:t>Click to edit the title text format</a:t>
-            </a:r>
-            <a:endParaRPr/>
-          </a:p>
-        </p:txBody>
-      </p:sp>
-      <p:sp>
-        <p:nvSpPr>
-          <p:cNvPr id="11" name="PlaceHolder 3"/>
-          <p:cNvSpPr>
-            <a:spLocks noGrp="1"/>
-          </p:cNvSpPr>
-          <p:nvPr>
-            <p:ph type="body"/>
-          </p:nvPr>
-        </p:nvSpPr>
-        <p:spPr>
-          <a:xfrm>
-            <a:off x="457200" y="1604520"/>
-            <a:ext cx="8229240" cy="4525920"/>
-          </a:xfrm>
-          <a:prstGeom prst="rect">
-            <a:avLst/>
-          </a:prstGeom>
-        </p:spPr>
-        <p:txBody>
-          <a:bodyPr bIns="0" lIns="0" rIns="0" tIns="0" wrap="none"/>
-          <a:p>
-            <a:pPr>
-              <a:buSzPct val="45000"/>
-              <a:buFont typeface="StarSymbol"/>
-              <a:buChar char=""/>
-            </a:pPr>
-            <a:r>
-              <a:rPr lang="en-US"/>
-              <a:t>Click to edit the outline text format</a:t>
-            </a:r>
-            <a:endParaRPr/>
-          </a:p>
-          <a:p>
-            <a:pPr lvl="1">
-              <a:buSzPct val="45000"/>
-              <a:buFont typeface="StarSymbol"/>
-              <a:buChar char=""/>
-            </a:pPr>
-            <a:r>
-              <a:rPr lang="en-US"/>
-              <a:t>Second Outline Level</a:t>
-            </a:r>
-            <a:endParaRPr/>
-          </a:p>
-          <a:p>
-            <a:pPr lvl="2">
-              <a:buSzPct val="75000"/>
-              <a:buFont typeface="StarSymbol"/>
-              <a:buChar char=""/>
-            </a:pPr>
-            <a:r>
-              <a:rPr lang="en-US"/>
-              <a:t>Third Outline Level</a:t>
-            </a:r>
-            <a:endParaRPr/>
-          </a:p>
-          <a:p>
-            <a:pPr lvl="3">
-              <a:buSzPct val="45000"/>
-              <a:buFont typeface="StarSymbol"/>
-              <a:buChar char=""/>
-            </a:pPr>
-            <a:r>
-              <a:rPr lang="en-US"/>
-              <a:t>Fourth Outline Level</a:t>
-            </a:r>
-            <a:endParaRPr/>
-          </a:p>
-          <a:p>
-            <a:pPr lvl="4">
-              <a:buSzPct val="75000"/>
-              <a:buFont typeface="StarSymbol"/>
-              <a:buChar char=""/>
-            </a:pPr>
-            <a:r>
-              <a:rPr lang="en-US"/>
-              <a:t>Fifth Outline Level</a:t>
-            </a:r>
-            <a:endParaRPr/>
-          </a:p>
-          <a:p>
-            <a:pPr lvl="5">
-              <a:buSzPct val="45000"/>
-              <a:buFont typeface="StarSymbol"/>
-              <a:buChar char=""/>
-            </a:pPr>
-            <a:r>
-              <a:rPr lang="en-US"/>
-              <a:t>Sixth Outline Level</a:t>
-            </a:r>
-            <a:endParaRPr/>
-          </a:p>
-          <a:p>
-            <a:pPr lvl="6">
-              <a:buSzPct val="45000"/>
-              <a:buFont typeface="StarSymbol"/>
-              <a:buChar char=""/>
-            </a:pPr>
-            <a:r>
-              <a:rPr lang="en-US"/>
-              <a:t>Seventh Outline Level</a:t>
-            </a:r>
-            <a:endParaRPr/>
-          </a:p>
-          <a:p>
-            <a:pPr lvl="7">
-              <a:buSzPct val="45000"/>
-              <a:buFont typeface="StarSymbol"/>
-              <a:buChar char=""/>
-            </a:pPr>
-            <a:r>
-              <a:rPr lang="en-US"/>
-              <a:t>Eighth Outline Level</a:t>
-            </a:r>
-            <a:endParaRPr/>
-          </a:p>
-          <a:p>
-            <a:pPr lvl="8">
-              <a:buSzPct val="45000"/>
-              <a:buFont typeface="StarSymbol"/>
-              <a:buChar char=""/>
-            </a:pPr>
-            <a:r>
-              <a:rPr lang="en-US"/>
-              <a:t>Ninth Outline Level</a:t>
-            </a:r>
-            <a:endParaRPr/>
-          </a:p>
-        </p:txBody>
-      </p:sp>
-    </p:spTree>
-  </p:cSld>
-  <p:clrMap accent1="accent1" accent2="accent2" accent3="accent3" accent4="accent4" accent5="accent5" accent6="accent6" bg1="lt1" bg2="lt2" folHlink="folHlink" hlink="hlink" tx1="dk1" tx2="dk2"/>
-  <p:sldLayoutIdLst>
-    <p:sldLayoutId id="2147483655" r:id="rId2"/>
   </p:sldLayoutIdLst>
 </p:sldMaster>
 </file>
@@ -954,14 +499,14 @@
       </p:grpSpPr>
       <p:sp>
         <p:nvSpPr>
-          <p:cNvPr id="12" name="CustomShape 1"/>
+          <p:cNvPr id="6" name="CustomShape 1"/>
           <p:cNvSpPr/>
           <p:nvPr/>
         </p:nvSpPr>
         <p:spPr>
           <a:xfrm>
             <a:off x="575280" y="1890360"/>
-            <a:ext cx="7882200" cy="2452320"/>
+            <a:ext cx="7881840" cy="2451960"/>
           </a:xfrm>
           <a:prstGeom prst="rect">
             <a:avLst/>
@@ -980,6 +525,10 @@
               </a:rPr>
               <a:t>Test Doubles, </a:t>
             </a:r>
+            <a:endParaRPr/>
+          </a:p>
+          <a:p>
+            <a:pPr algn="ctr"/>
             <a:r>
               <a:rPr lang="en-US" sz="4800">
                 <a:solidFill>
@@ -987,16 +536,6 @@
                 </a:solidFill>
                 <a:latin typeface="Arial"/>
               </a:rPr>
-              <a:t>
-</a:t>
-            </a:r>
-            <a:r>
-              <a:rPr lang="en-US" sz="4800">
-                <a:solidFill>
-                  <a:srgbClr val="000000"/>
-                </a:solidFill>
-                <a:latin typeface="Arial"/>
-              </a:rPr>
               <a:t>Design and Testability</a:t>
             </a:r>
             <a:endParaRPr/>
@@ -1005,14 +544,14 @@
       </p:sp>
       <p:sp>
         <p:nvSpPr>
-          <p:cNvPr id="13" name="CustomShape 2"/>
+          <p:cNvPr id="7" name="CustomShape 2"/>
           <p:cNvSpPr/>
           <p:nvPr/>
         </p:nvSpPr>
         <p:spPr>
           <a:xfrm>
             <a:off x="1143000" y="5486400"/>
-            <a:ext cx="6933600" cy="837360"/>
+            <a:ext cx="6933240" cy="837000"/>
           </a:xfrm>
           <a:prstGeom prst="rect">
             <a:avLst/>
@@ -1088,14 +627,14 @@
       </p:grpSpPr>
       <p:sp>
         <p:nvSpPr>
-          <p:cNvPr id="105" name="CustomShape 1"/>
-          <p:cNvSpPr/>
-          <p:nvPr/>
-        </p:nvSpPr>
-        <p:spPr>
-          <a:xfrm>
-            <a:off x="685800" y="685800"/>
-            <a:ext cx="8000280" cy="5339160"/>
+          <p:cNvPr id="99" name="CustomShape 1"/>
+          <p:cNvSpPr/>
+          <p:nvPr/>
+        </p:nvSpPr>
+        <p:spPr>
+          <a:xfrm>
+            <a:off x="513720" y="1311120"/>
+            <a:ext cx="8228160" cy="1141560"/>
           </a:xfrm>
           <a:prstGeom prst="rect">
             <a:avLst/>
@@ -1104,459 +643,144 @@
         <p:txBody>
           <a:bodyPr bIns="45000" lIns="90000" rIns="90000" tIns="45000"/>
           <a:p>
-            <a:r>
-              <a:rPr lang="en-US" sz="1500">
-                <a:solidFill>
-                  <a:srgbClr val="000000"/>
-                </a:solidFill>
-                <a:latin typeface="Monospace"/>
-                <a:ea typeface="Monospace"/>
-              </a:rPr>
-              <a:t>import org.junit.*</a:t>
-            </a:r>
-            <a:endParaRPr/>
-          </a:p>
-          <a:p>
-            <a:endParaRPr/>
-          </a:p>
-          <a:p>
-            <a:r>
-              <a:rPr lang="en-US" sz="1500">
-                <a:solidFill>
-                  <a:srgbClr val="000000"/>
-                </a:solidFill>
-                <a:latin typeface="Monospace"/>
-                <a:ea typeface="Monospace"/>
-              </a:rPr>
-              <a:t>public class EmailerTest {</a:t>
-            </a:r>
-            <a:endParaRPr/>
-          </a:p>
-          <a:p>
-            <a:r>
-              <a:rPr lang="en-US" sz="1500">
-                <a:solidFill>
-                  <a:srgbClr val="000000"/>
-                </a:solidFill>
-                <a:latin typeface="Monospace"/>
-                <a:ea typeface="Monospace"/>
-              </a:rPr>
-              <a:t>	</a:t>
-            </a:r>
-            <a:r>
-              <a:rPr lang="en-US" sz="1500">
-                <a:solidFill>
-                  <a:srgbClr val="000000"/>
-                </a:solidFill>
-                <a:latin typeface="Monospace"/>
-                <a:ea typeface="Monospace"/>
-              </a:rPr>
-              <a:t>List&lt;Recipient&gt; recipients;</a:t>
-            </a:r>
-            <a:endParaRPr/>
-          </a:p>
-          <a:p>
-            <a:r>
-              <a:rPr lang="en-US" sz="1500">
-                <a:solidFill>
-                  <a:srgbClr val="000000"/>
-                </a:solidFill>
-                <a:latin typeface="Monospace"/>
-                <a:ea typeface="Monospace"/>
-              </a:rPr>
-              <a:t>	</a:t>
-            </a:r>
-            <a:endParaRPr/>
-          </a:p>
-          <a:p>
-            <a:r>
-              <a:rPr lang="en-US" sz="1500">
-                <a:solidFill>
-                  <a:srgbClr val="000000"/>
-                </a:solidFill>
-                <a:latin typeface="Monospace"/>
-                <a:ea typeface="Monospace"/>
-              </a:rPr>
-              <a:t>	</a:t>
-            </a:r>
-            <a:r>
-              <a:rPr lang="en-US" sz="1500">
-                <a:solidFill>
-                  <a:srgbClr val="000000"/>
-                </a:solidFill>
-                <a:latin typeface="Monospace"/>
-                <a:ea typeface="Monospace"/>
-              </a:rPr>
-              <a:t>@Before</a:t>
-            </a:r>
-            <a:endParaRPr/>
-          </a:p>
-          <a:p>
-            <a:r>
-              <a:rPr lang="en-US" sz="1500">
-                <a:solidFill>
-                  <a:srgbClr val="000000"/>
-                </a:solidFill>
-                <a:latin typeface="Monospace"/>
-                <a:ea typeface="Monospace"/>
-              </a:rPr>
-              <a:t>	</a:t>
-            </a:r>
-            <a:r>
-              <a:rPr lang="en-US" sz="1500">
-                <a:solidFill>
-                  <a:srgbClr val="000000"/>
-                </a:solidFill>
-                <a:latin typeface="Monospace"/>
-                <a:ea typeface="Monospace"/>
-              </a:rPr>
-              <a:t>public void setUp(){</a:t>
-            </a:r>
-            <a:endParaRPr/>
-          </a:p>
-          <a:p>
-            <a:r>
-              <a:rPr lang="en-US" sz="1500">
-                <a:solidFill>
-                  <a:srgbClr val="000000"/>
-                </a:solidFill>
-                <a:latin typeface="Monospace"/>
-                <a:ea typeface="Monospace"/>
-              </a:rPr>
-              <a:t>	</a:t>
-            </a:r>
-            <a:r>
-              <a:rPr lang="en-US" sz="1500">
-                <a:solidFill>
-                  <a:srgbClr val="000000"/>
-                </a:solidFill>
-                <a:latin typeface="Monospace"/>
-                <a:ea typeface="Monospace"/>
-              </a:rPr>
-              <a:t>	</a:t>
-            </a:r>
-            <a:r>
-              <a:rPr lang="en-US" sz="1500">
-                <a:solidFill>
-                  <a:srgbClr val="000000"/>
-                </a:solidFill>
-                <a:latin typeface="Monospace"/>
-                <a:ea typeface="Monospace"/>
-              </a:rPr>
-              <a:t>List&lt;Recipient&gt; recipients = new ArrayList();</a:t>
-            </a:r>
-            <a:endParaRPr/>
-          </a:p>
-          <a:p>
-            <a:r>
-              <a:rPr lang="en-US" sz="1500">
-                <a:solidFill>
-                  <a:srgbClr val="000000"/>
-                </a:solidFill>
-                <a:latin typeface="Monospace"/>
-                <a:ea typeface="Monospace"/>
-              </a:rPr>
-              <a:t>	</a:t>
-            </a:r>
-            <a:r>
-              <a:rPr lang="en-US" sz="1500">
-                <a:solidFill>
-                  <a:srgbClr val="000000"/>
-                </a:solidFill>
-                <a:latin typeface="Monospace"/>
-                <a:ea typeface="Monospace"/>
-              </a:rPr>
-              <a:t>	</a:t>
-            </a:r>
-            <a:r>
-              <a:rPr lang="en-US" sz="1500">
-                <a:solidFill>
-                  <a:srgbClr val="000000"/>
-                </a:solidFill>
-                <a:latin typeface="Monospace"/>
-                <a:ea typeface="Monospace"/>
-              </a:rPr>
-              <a:t>recipients.add( new Recipient("ed", "ed@ed.com") );</a:t>
-            </a:r>
-            <a:endParaRPr/>
-          </a:p>
-          <a:p>
-            <a:r>
-              <a:rPr lang="en-US" sz="1500">
-                <a:solidFill>
-                  <a:srgbClr val="000000"/>
-                </a:solidFill>
-                <a:latin typeface="Monospace"/>
-                <a:ea typeface="Monospace"/>
-              </a:rPr>
-              <a:t>	</a:t>
-            </a:r>
-            <a:r>
-              <a:rPr lang="en-US" sz="1500">
-                <a:solidFill>
-                  <a:srgbClr val="000000"/>
-                </a:solidFill>
-                <a:latin typeface="Monospace"/>
-                <a:ea typeface="Monospace"/>
-              </a:rPr>
-              <a:t>	</a:t>
-            </a:r>
-            <a:r>
-              <a:rPr lang="en-US" sz="1500">
-                <a:solidFill>
-                  <a:srgbClr val="000000"/>
-                </a:solidFill>
-                <a:latin typeface="Monospace"/>
-                <a:ea typeface="Monospace"/>
-              </a:rPr>
-              <a:t>recipients.add( new Recipient("ed2", "ed2@ed.com") );</a:t>
-            </a:r>
-            <a:endParaRPr/>
-          </a:p>
-          <a:p>
-            <a:r>
-              <a:rPr lang="en-US" sz="1500">
-                <a:solidFill>
-                  <a:srgbClr val="000000"/>
-                </a:solidFill>
-                <a:latin typeface="Monospace"/>
-                <a:ea typeface="Monospace"/>
-              </a:rPr>
-              <a:t>	</a:t>
-            </a:r>
-            <a:r>
-              <a:rPr lang="en-US" sz="1500">
-                <a:solidFill>
-                  <a:srgbClr val="000000"/>
-                </a:solidFill>
-                <a:latin typeface="Monospace"/>
-                <a:ea typeface="Monospace"/>
-              </a:rPr>
-              <a:t>	</a:t>
-            </a:r>
-            <a:r>
-              <a:rPr lang="en-US" sz="1500">
-                <a:solidFill>
-                  <a:srgbClr val="000000"/>
-                </a:solidFill>
-                <a:latin typeface="Monospace"/>
-                <a:ea typeface="Monospace"/>
-              </a:rPr>
-              <a:t>recipients.add( new Recipient("ed3", "ed3@ed.com") );</a:t>
-            </a:r>
-            <a:endParaRPr/>
-          </a:p>
-          <a:p>
-            <a:r>
-              <a:rPr lang="en-US" sz="1500">
-                <a:solidFill>
-                  <a:srgbClr val="000000"/>
-                </a:solidFill>
-                <a:latin typeface="Monospace"/>
-                <a:ea typeface="Monospace"/>
-              </a:rPr>
-              <a:t>	</a:t>
-            </a:r>
-            <a:r>
-              <a:rPr lang="en-US" sz="1500">
-                <a:solidFill>
-                  <a:srgbClr val="000000"/>
-                </a:solidFill>
-                <a:latin typeface="Monospace"/>
-                <a:ea typeface="Monospace"/>
-              </a:rPr>
-              <a:t>	</a:t>
-            </a:r>
-            <a:r>
-              <a:rPr lang="en-US" sz="1500">
-                <a:solidFill>
-                  <a:srgbClr val="000000"/>
-                </a:solidFill>
-                <a:latin typeface="Monospace"/>
-                <a:ea typeface="Monospace"/>
-              </a:rPr>
-              <a:t>recipients.add( new Recipient("ed4", "ed4@ed.com") );</a:t>
-            </a:r>
-            <a:endParaRPr/>
-          </a:p>
-          <a:p>
-            <a:r>
-              <a:rPr lang="en-US" sz="1500">
-                <a:solidFill>
-                  <a:srgbClr val="000000"/>
-                </a:solidFill>
-                <a:latin typeface="Monospace"/>
-                <a:ea typeface="Monospace"/>
-              </a:rPr>
-              <a:t>	</a:t>
-            </a:r>
-            <a:r>
-              <a:rPr lang="en-US" sz="1500">
-                <a:solidFill>
-                  <a:srgbClr val="000000"/>
-                </a:solidFill>
-                <a:latin typeface="Monospace"/>
-                <a:ea typeface="Monospace"/>
-              </a:rPr>
-              <a:t>	</a:t>
-            </a:r>
-            <a:r>
-              <a:rPr lang="en-US" sz="1500">
-                <a:solidFill>
-                  <a:srgbClr val="000000"/>
-                </a:solidFill>
-                <a:latin typeface="Monospace"/>
-                <a:ea typeface="Monospace"/>
-              </a:rPr>
-              <a:t>recipients.add( new Recipient("ed5", "ed5@ed.com") );</a:t>
-            </a:r>
-            <a:endParaRPr/>
-          </a:p>
-          <a:p>
-            <a:r>
-              <a:rPr lang="en-US" sz="1500">
-                <a:solidFill>
-                  <a:srgbClr val="000000"/>
-                </a:solidFill>
-                <a:latin typeface="Monospace"/>
-                <a:ea typeface="Monospace"/>
-              </a:rPr>
-              <a:t>	</a:t>
-            </a:r>
-            <a:r>
-              <a:rPr lang="en-US" sz="1500">
-                <a:solidFill>
-                  <a:srgbClr val="000000"/>
-                </a:solidFill>
-                <a:latin typeface="Monospace"/>
-                <a:ea typeface="Monospace"/>
-              </a:rPr>
-              <a:t>}</a:t>
-            </a:r>
-            <a:endParaRPr/>
-          </a:p>
-          <a:p>
-            <a:r>
-              <a:rPr lang="en-US" sz="1500">
-                <a:solidFill>
-                  <a:srgbClr val="000000"/>
-                </a:solidFill>
-                <a:latin typeface="Monospace"/>
-                <a:ea typeface="Monospace"/>
-              </a:rPr>
-              <a:t>	</a:t>
-            </a:r>
-            <a:endParaRPr/>
-          </a:p>
-          <a:p>
-            <a:r>
-              <a:rPr lang="en-US" sz="1500">
-                <a:solidFill>
-                  <a:srgbClr val="000000"/>
-                </a:solidFill>
-                <a:latin typeface="Monospace"/>
-                <a:ea typeface="Monospace"/>
-              </a:rPr>
-              <a:t>	</a:t>
-            </a:r>
-            <a:r>
-              <a:rPr lang="en-US" sz="1500">
-                <a:solidFill>
-                  <a:srgbClr val="000000"/>
-                </a:solidFill>
-                <a:latin typeface="Monospace"/>
-                <a:ea typeface="Monospace"/>
-              </a:rPr>
-              <a:t>@Test</a:t>
-            </a:r>
-            <a:endParaRPr/>
-          </a:p>
-          <a:p>
-            <a:r>
-              <a:rPr lang="en-US" sz="1500">
-                <a:solidFill>
-                  <a:srgbClr val="000000"/>
-                </a:solidFill>
-                <a:latin typeface="Monospace"/>
-                <a:ea typeface="Monospace"/>
-              </a:rPr>
-              <a:t>	</a:t>
-            </a:r>
-            <a:r>
-              <a:rPr lang="en-US" sz="1500">
-                <a:solidFill>
-                  <a:srgbClr val="000000"/>
-                </a:solidFill>
-                <a:latin typeface="Monospace"/>
-                <a:ea typeface="Monospace"/>
-              </a:rPr>
-              <a:t>public void testSendEmail() throws Throwable {</a:t>
-            </a:r>
-            <a:endParaRPr/>
-          </a:p>
-          <a:p>
-            <a:r>
-              <a:rPr lang="en-US" sz="1500">
-                <a:solidFill>
-                  <a:srgbClr val="000000"/>
-                </a:solidFill>
-                <a:latin typeface="Monospace"/>
-                <a:ea typeface="Monospace"/>
-              </a:rPr>
-              <a:t>       </a:t>
-            </a:r>
-            <a:r>
-              <a:rPr lang="en-US" sz="1500">
-                <a:solidFill>
-                  <a:srgbClr val="000000"/>
-                </a:solidFill>
-                <a:latin typeface="Monospace"/>
-                <a:ea typeface="Monospace"/>
-              </a:rPr>
-              <a:t>Emailer.sendEmail(recipients, "Thank your visiting teh internets! Please come again.");</a:t>
-            </a:r>
-            <a:endParaRPr/>
-          </a:p>
-          <a:p>
-            <a:r>
-              <a:rPr lang="en-US" sz="1500">
-                <a:solidFill>
-                  <a:srgbClr val="000000"/>
-                </a:solidFill>
-                <a:latin typeface="Monospace"/>
-                <a:ea typeface="Monospace"/>
-              </a:rPr>
-              <a:t>	</a:t>
-            </a:r>
-            <a:r>
-              <a:rPr lang="en-US" sz="1500">
-                <a:solidFill>
-                  <a:srgbClr val="000000"/>
-                </a:solidFill>
-                <a:latin typeface="Monospace"/>
-                <a:ea typeface="Monospace"/>
-              </a:rPr>
-              <a:t>}</a:t>
-            </a:r>
-            <a:endParaRPr/>
-          </a:p>
-          <a:p>
-            <a:endParaRPr/>
-          </a:p>
-          <a:p>
-            <a:r>
-              <a:rPr lang="en-US" sz="1500">
-                <a:solidFill>
-                  <a:srgbClr val="000000"/>
-                </a:solidFill>
-                <a:latin typeface="Monospace"/>
-                <a:ea typeface="Monospace"/>
-              </a:rPr>
-              <a:t>}</a:t>
-            </a:r>
-            <a:endParaRPr/>
-          </a:p>
-          <a:p>
+            <a:pPr algn="ctr"/>
+            <a:r>
+              <a:rPr lang="en-US" sz="4400">
+                <a:solidFill>
+                  <a:srgbClr val="000000"/>
+                </a:solidFill>
+                <a:latin typeface="Arial"/>
+              </a:rPr>
+              <a:t>A Few Unit Testing Principals</a:t>
+            </a:r>
+            <a:endParaRPr/>
+          </a:p>
+        </p:txBody>
+      </p:sp>
+      <p:sp>
+        <p:nvSpPr>
+          <p:cNvPr id="100" name="CustomShape 2"/>
+          <p:cNvSpPr/>
+          <p:nvPr/>
+        </p:nvSpPr>
+        <p:spPr>
+          <a:xfrm>
+            <a:off x="1143000" y="2819520"/>
+            <a:ext cx="7542360" cy="2513160"/>
+          </a:xfrm>
+          <a:prstGeom prst="rect">
+            <a:avLst/>
+          </a:prstGeom>
+        </p:spPr>
+        <p:txBody>
+          <a:bodyPr bIns="45000" lIns="90000" rIns="90000" tIns="45000"/>
+          <a:p>
+            <a:pPr>
+              <a:lnSpc>
+                <a:spcPct val="150000"/>
+              </a:lnSpc>
+              <a:buSzPct val="45000"/>
+              <a:buFont typeface="StarSymbol"/>
+              <a:buChar char="l"/>
+            </a:pPr>
+            <a:r>
+              <a:rPr lang="en-US" sz="2400">
+                <a:latin typeface="Arial"/>
+              </a:rPr>
+              <a:t> </a:t>
+            </a:r>
+            <a:r>
+              <a:rPr lang="en-US" sz="2400">
+                <a:latin typeface="Arial"/>
+              </a:rPr>
+              <a:t>Controllability</a:t>
+            </a:r>
+            <a:endParaRPr/>
+          </a:p>
+          <a:p>
+            <a:pPr lvl="1">
+              <a:lnSpc>
+                <a:spcPct val="150000"/>
+              </a:lnSpc>
+              <a:buSzPct val="45000"/>
+              <a:buFont typeface="StarSymbol"/>
+              <a:buChar char=""/>
+            </a:pPr>
+            <a:r>
+              <a:rPr i="1" lang="en-US" sz="2400">
+                <a:latin typeface="Arial"/>
+              </a:rPr>
+              <a:t>Isolation</a:t>
+            </a:r>
+            <a:endParaRPr/>
+          </a:p>
+          <a:p>
+            <a:pPr>
+              <a:lnSpc>
+                <a:spcPct val="150000"/>
+              </a:lnSpc>
+              <a:buSzPct val="45000"/>
+              <a:buFont typeface="StarSymbol"/>
+              <a:buChar char="l"/>
+            </a:pPr>
+            <a:r>
+              <a:rPr lang="en-US" sz="2400">
+                <a:latin typeface="Arial"/>
+              </a:rPr>
+              <a:t> </a:t>
+            </a:r>
+            <a:r>
+              <a:rPr lang="en-US" sz="2400">
+                <a:latin typeface="Arial"/>
+              </a:rPr>
+              <a:t>Speed</a:t>
+            </a:r>
+            <a:endParaRPr/>
+          </a:p>
+          <a:p>
+            <a:pPr>
+              <a:lnSpc>
+                <a:spcPct val="150000"/>
+              </a:lnSpc>
+              <a:buSzPct val="45000"/>
+              <a:buFont typeface="StarSymbol"/>
+              <a:buChar char="l"/>
+            </a:pPr>
+            <a:r>
+              <a:rPr lang="en-US" sz="2400">
+                <a:latin typeface="Arial"/>
+              </a:rPr>
+              <a:t> </a:t>
+            </a:r>
+            <a:r>
+              <a:rPr lang="en-US" sz="2400">
+                <a:latin typeface="Arial"/>
+              </a:rPr>
+              <a:t>Accuracy</a:t>
+            </a:r>
+            <a:endParaRPr/>
+          </a:p>
+          <a:p>
+            <a:pPr>
+              <a:lnSpc>
+                <a:spcPct val="150000"/>
+              </a:lnSpc>
+              <a:buSzPct val="45000"/>
+              <a:buFont typeface="StarSymbol"/>
+              <a:buChar char="l"/>
+            </a:pPr>
+            <a:r>
+              <a:rPr lang="en-US" sz="2400">
+                <a:latin typeface="Arial"/>
+              </a:rPr>
+              <a:t> </a:t>
+            </a:r>
+            <a:r>
+              <a:rPr lang="en-US" sz="2400">
+                <a:latin typeface="Arial"/>
+              </a:rPr>
+              <a:t>Coverage</a:t>
+            </a:r>
             <a:endParaRPr/>
           </a:p>
         </p:txBody>
@@ -1612,33 +836,70 @@
           <a:chExt cx="0" cy="0"/>
         </a:xfrm>
       </p:grpSpPr>
-      <p:sp>
-        <p:nvSpPr>
-          <p:cNvPr id="106" name="CustomShape 1"/>
-          <p:cNvSpPr/>
-          <p:nvPr/>
-        </p:nvSpPr>
-        <p:spPr>
-          <a:xfrm>
-            <a:off x="513720" y="1311120"/>
-            <a:ext cx="8228520" cy="1141920"/>
+      <p:pic>
+        <p:nvPicPr>
+          <p:cNvPr descr="" id="101" name=""/>
+          <p:cNvPicPr/>
+          <p:nvPr/>
+        </p:nvPicPr>
+        <p:blipFill>
+          <a:blip r:embed="rId1"/>
+          <a:stretch>
+            <a:fillRect/>
+          </a:stretch>
+        </p:blipFill>
+        <p:spPr>
+          <a:xfrm>
+            <a:off x="698040" y="570960"/>
+            <a:ext cx="4558680" cy="5371560"/>
+          </a:xfrm>
+          <a:prstGeom prst="rect">
+            <a:avLst/>
+          </a:prstGeom>
+        </p:spPr>
+      </p:pic>
+      <p:sp>
+        <p:nvSpPr>
+          <p:cNvPr id="102" name="CustomShape 1"/>
+          <p:cNvSpPr/>
+          <p:nvPr/>
+        </p:nvSpPr>
+        <p:spPr>
+          <a:xfrm>
+            <a:off x="5486400" y="228600"/>
+            <a:ext cx="3199320" cy="5759640"/>
+          </a:xfrm>
+          <a:prstGeom prst="rect">
+            <a:avLst/>
+          </a:prstGeom>
+        </p:spPr>
+      </p:sp>
+      <p:sp>
+        <p:nvSpPr>
+          <p:cNvPr id="103" name="CustomShape 2"/>
+          <p:cNvSpPr/>
+          <p:nvPr/>
+        </p:nvSpPr>
+        <p:spPr>
+          <a:xfrm>
+            <a:off x="685800" y="6054120"/>
+            <a:ext cx="4924800" cy="346320"/>
           </a:xfrm>
           <a:prstGeom prst="rect">
             <a:avLst/>
           </a:prstGeom>
         </p:spPr>
         <p:txBody>
-          <a:bodyPr bIns="45000" lIns="90000" rIns="90000" tIns="45000"/>
+          <a:bodyPr bIns="45000" lIns="90000" rIns="90000" tIns="45000" wrap="none"/>
           <a:p>
             <a:pPr algn="ctr"/>
             <a:r>
-              <a:rPr lang="en-US" sz="4400">
-                <a:solidFill>
-                  <a:srgbClr val="000000"/>
-                </a:solidFill>
-                <a:latin typeface="Arial"/>
-              </a:rPr>
-              <a:t>A Few Unit Testing Principals</a:t>
+              <a:rPr i="1" lang="en-US" sz="1400">
+                <a:solidFill>
+                  <a:srgbClr val="b3b3b3"/>
+                </a:solidFill>
+              </a:rPr>
+              <a:t>Lewis Carroll, Alice's Adventures in Wonderland</a:t>
             </a:r>
             <a:endParaRPr/>
           </a:p>
@@ -1646,127 +907,38 @@
       </p:sp>
       <p:sp>
         <p:nvSpPr>
-          <p:cNvPr id="107" name="CustomShape 2"/>
-          <p:cNvSpPr/>
-          <p:nvPr/>
-        </p:nvSpPr>
-        <p:spPr>
-          <a:xfrm>
-            <a:off x="1143000" y="2819520"/>
-            <a:ext cx="7542720" cy="2513520"/>
+          <p:cNvPr id="104" name="TextShape 3"/>
+          <p:cNvSpPr txBox="1"/>
+          <p:nvPr/>
+        </p:nvSpPr>
+        <p:spPr>
+          <a:xfrm>
+            <a:off x="5715000" y="1143000"/>
+            <a:ext cx="2743200" cy="3200400"/>
           </a:xfrm>
           <a:prstGeom prst="rect">
             <a:avLst/>
           </a:prstGeom>
         </p:spPr>
         <p:txBody>
-          <a:bodyPr bIns="45000" lIns="90000" rIns="90000" tIns="45000"/>
-          <a:p>
-            <a:pPr>
-              <a:lnSpc>
-                <a:spcPct val="150000"/>
-              </a:lnSpc>
-              <a:buSzPct val="45000"/>
-              <a:buFont typeface="StarSymbol"/>
-              <a:buChar char=""/>
-            </a:pPr>
-            <a:r>
-              <a:rPr lang="en-US" sz="2400">
-                <a:latin typeface="Arial"/>
-              </a:rPr>
-              <a:t> </a:t>
-            </a:r>
-            <a:r>
-              <a:rPr lang="en-US" sz="2400">
-                <a:latin typeface="Arial"/>
-              </a:rPr>
-              <a:t>Controllability</a:t>
-            </a:r>
-            <a:endParaRPr/>
-          </a:p>
-          <a:p>
-            <a:pPr lvl="2">
-              <a:lnSpc>
-                <a:spcPct val="150000"/>
-              </a:lnSpc>
-              <a:buSzPct val="45000"/>
-              <a:buFont typeface="StarSymbol"/>
-              <a:buChar char=""/>
-            </a:pPr>
-            <a:r>
-              <a:rPr i="1" lang="en-US" sz="2400">
-                <a:latin typeface="Arial"/>
-              </a:rPr>
-              <a:t>Isolation</a:t>
-            </a:r>
-            <a:endParaRPr/>
-          </a:p>
-          <a:p>
-            <a:pPr>
-              <a:lnSpc>
-                <a:spcPct val="150000"/>
-              </a:lnSpc>
-              <a:buSzPct val="45000"/>
-              <a:buFont typeface="StarSymbol"/>
-              <a:buChar char=""/>
-            </a:pPr>
-            <a:r>
-              <a:rPr lang="en-US" sz="2400">
-                <a:latin typeface="Arial"/>
-              </a:rPr>
-              <a:t> </a:t>
-            </a:r>
-            <a:r>
-              <a:rPr lang="en-US" sz="2400">
-                <a:latin typeface="Arial"/>
-              </a:rPr>
-              <a:t>Speed</a:t>
-            </a:r>
-            <a:endParaRPr/>
-          </a:p>
-          <a:p>
-            <a:pPr>
-              <a:lnSpc>
-                <a:spcPct val="150000"/>
-              </a:lnSpc>
-              <a:buSzPct val="45000"/>
-              <a:buFont typeface="StarSymbol"/>
-              <a:buChar char=""/>
-            </a:pPr>
-            <a:r>
-              <a:rPr lang="en-US" sz="2400">
-                <a:latin typeface="Arial"/>
-              </a:rPr>
-              <a:t> </a:t>
-            </a:r>
-            <a:r>
-              <a:rPr lang="en-US" sz="2400">
-                <a:latin typeface="Arial"/>
-              </a:rPr>
-              <a:t>Accuracy</a:t>
-            </a:r>
-            <a:endParaRPr/>
-          </a:p>
-          <a:p>
-            <a:pPr>
-              <a:lnSpc>
-                <a:spcPct val="150000"/>
-              </a:lnSpc>
-              <a:buSzPct val="45000"/>
-              <a:buFont typeface="StarSymbol"/>
-              <a:buChar char=""/>
-            </a:pPr>
-            <a:r>
-              <a:rPr lang="en-US" sz="2400">
-                <a:latin typeface="Arial"/>
-              </a:rPr>
-              <a:t> </a:t>
-            </a:r>
-            <a:r>
-              <a:rPr lang="en-US" sz="2400">
-                <a:latin typeface="Arial"/>
-              </a:rPr>
-              <a:t>Coverage</a:t>
+          <a:bodyPr bIns="45000" lIns="90000" rIns="90000" tIns="45000" wrap="none"/>
+          <a:p>
+            <a:pPr algn="ctr"/>
+            <a:r>
+              <a:rPr lang="en-US" sz="2600"/>
+              <a:t>“</a:t>
+            </a:r>
+            <a:r>
+              <a:rPr lang="en-US" sz="2600"/>
+              <a:t>Once”, the Mock Turtle said at last, with a deep sigh, “I </a:t>
+            </a:r>
+            <a:r>
+              <a:rPr lang="en-US" sz="2400"/>
+              <a:t>was</a:t>
+            </a:r>
+            <a:r>
+              <a:rPr lang="en-US" sz="2600"/>
+              <a:t> a real Turtle”</a:t>
             </a:r>
             <a:endParaRPr/>
           </a:p>
@@ -1823,90 +995,42 @@
           <a:chExt cx="0" cy="0"/>
         </a:xfrm>
       </p:grpSpPr>
-      <p:pic>
-        <p:nvPicPr>
-          <p:cNvPr descr="" id="108" name=""/>
-          <p:cNvPicPr/>
-          <p:nvPr/>
-        </p:nvPicPr>
-        <p:blipFill>
-          <a:blip r:embed="rId1"/>
-          <a:stretch>
-            <a:fillRect/>
-          </a:stretch>
-        </p:blipFill>
-        <p:spPr>
-          <a:xfrm>
-            <a:off x="698040" y="570960"/>
-            <a:ext cx="4559040" cy="5371920"/>
-          </a:xfrm>
-          <a:prstGeom prst="rect">
-            <a:avLst/>
-          </a:prstGeom>
-        </p:spPr>
-      </p:pic>
-      <p:sp>
-        <p:nvSpPr>
-          <p:cNvPr id="109" name="CustomShape 1"/>
-          <p:cNvSpPr/>
-          <p:nvPr/>
-        </p:nvSpPr>
-        <p:spPr>
-          <a:xfrm>
-            <a:off x="5486400" y="228600"/>
-            <a:ext cx="3199680" cy="5760000"/>
-          </a:xfrm>
-          <a:prstGeom prst="rect">
-            <a:avLst/>
-          </a:prstGeom>
-        </p:spPr>
-      </p:sp>
-      <p:sp>
-        <p:nvSpPr>
-          <p:cNvPr id="110" name="TextShape 2"/>
-          <p:cNvSpPr txBox="1"/>
-          <p:nvPr/>
-        </p:nvSpPr>
-        <p:spPr>
-          <a:xfrm>
-            <a:off x="5486400" y="1371600"/>
-            <a:ext cx="2971800" cy="3565080"/>
+      <p:sp>
+        <p:nvSpPr>
+          <p:cNvPr id="105" name="CustomShape 1"/>
+          <p:cNvSpPr/>
+          <p:nvPr/>
+        </p:nvSpPr>
+        <p:spPr>
+          <a:xfrm>
+            <a:off x="513720" y="1311120"/>
+            <a:ext cx="8228160" cy="1141560"/>
           </a:xfrm>
           <a:prstGeom prst="rect">
             <a:avLst/>
           </a:prstGeom>
         </p:spPr>
         <p:txBody>
-          <a:bodyPr bIns="45000" lIns="90000" rIns="90000" tIns="45000" wrap="none"/>
+          <a:bodyPr bIns="45000" lIns="90000" rIns="90000" tIns="45000"/>
           <a:p>
             <a:pPr algn="ctr"/>
             <a:r>
-              <a:rPr lang="en-US" sz="3200"/>
-              <a:t>“</a:t>
-            </a:r>
-            <a:r>
-              <a:rPr lang="en-US" sz="3200"/>
-              <a:t>Once,” </a:t>
-            </a:r>
-            <a:endParaRPr/>
-          </a:p>
-          <a:p>
-            <a:pPr algn="ctr"/>
-            <a:r>
-              <a:rPr lang="en-US" sz="3200"/>
-              <a:t>the Mock Turtle said  at last,  with a deep sigh,  </a:t>
-            </a:r>
-            <a:endParaRPr/>
-          </a:p>
-          <a:p>
-            <a:pPr algn="ctr"/>
-            <a:r>
-              <a:rPr lang="en-US" sz="3200"/>
-              <a:t>“</a:t>
-            </a:r>
-            <a:r>
-              <a:rPr lang="en-US" sz="3200"/>
-              <a:t>I was a real turtle”</a:t>
+              <a:rPr lang="en-US" sz="4400">
+                <a:solidFill>
+                  <a:srgbClr val="000000"/>
+                </a:solidFill>
+                <a:latin typeface="Arial"/>
+              </a:rPr>
+              <a:t>Types of </a:t>
+            </a:r>
+            <a:r>
+              <a:rPr i="1" lang="en-US" sz="4400">
+                <a:solidFill>
+                  <a:srgbClr val="000000"/>
+                </a:solidFill>
+                <a:latin typeface="Arial"/>
+              </a:rPr>
+              <a:t>Mocks</a:t>
             </a:r>
             <a:endParaRPr/>
           </a:p>
@@ -1914,30 +1038,93 @@
       </p:sp>
       <p:sp>
         <p:nvSpPr>
-          <p:cNvPr id="111" name="TextShape 3"/>
-          <p:cNvSpPr txBox="1"/>
-          <p:nvPr/>
-        </p:nvSpPr>
-        <p:spPr>
-          <a:xfrm>
-            <a:off x="685800" y="6054120"/>
-            <a:ext cx="4925160" cy="346680"/>
+          <p:cNvPr id="106" name="CustomShape 2"/>
+          <p:cNvSpPr/>
+          <p:nvPr/>
+        </p:nvSpPr>
+        <p:spPr>
+          <a:xfrm>
+            <a:off x="457560" y="2743560"/>
+            <a:ext cx="8228160" cy="2513160"/>
           </a:xfrm>
           <a:prstGeom prst="rect">
             <a:avLst/>
           </a:prstGeom>
         </p:spPr>
         <p:txBody>
-          <a:bodyPr bIns="45000" lIns="90000" rIns="90000" tIns="45000" wrap="none"/>
-          <a:p>
-            <a:pPr algn="ctr"/>
-            <a:r>
-              <a:rPr i="1" lang="en-US" sz="1400">
-                <a:solidFill>
-                  <a:srgbClr val="b3b3b3"/>
-                </a:solidFill>
-              </a:rPr>
-              <a:t>Lewis Carroll, Alice's Adventures in Wonderland</a:t>
+          <a:bodyPr bIns="45000" lIns="90000" rIns="90000" tIns="45000"/>
+          <a:p>
+            <a:pPr>
+              <a:lnSpc>
+                <a:spcPct val="150000"/>
+              </a:lnSpc>
+              <a:buSzPct val="45000"/>
+              <a:buFont typeface="StarSymbol"/>
+              <a:buChar char="l"/>
+            </a:pPr>
+            <a:r>
+              <a:rPr lang="en-US" sz="2400">
+                <a:latin typeface="Arial"/>
+              </a:rPr>
+              <a:t>Gerard Meszaros classifies these as </a:t>
+            </a:r>
+            <a:r>
+              <a:rPr i="1" lang="en-US" sz="2400">
+                <a:latin typeface="Arial"/>
+              </a:rPr>
+              <a:t>Test Doubles</a:t>
+            </a:r>
+            <a:endParaRPr/>
+          </a:p>
+          <a:p>
+            <a:pPr>
+              <a:lnSpc>
+                <a:spcPct val="150000"/>
+              </a:lnSpc>
+              <a:buSzPct val="45000"/>
+              <a:buFont typeface="StarSymbol"/>
+              <a:buChar char="l"/>
+            </a:pPr>
+            <a:r>
+              <a:rPr lang="en-US" sz="2400">
+                <a:latin typeface="Arial"/>
+              </a:rPr>
+              <a:t>Stubs, Fakes, Mocks,Test Spies</a:t>
+            </a:r>
+            <a:endParaRPr/>
+          </a:p>
+          <a:p>
+            <a:pPr>
+              <a:lnSpc>
+                <a:spcPct val="150000"/>
+              </a:lnSpc>
+              <a:buSzPct val="45000"/>
+              <a:buFont typeface="StarSymbol"/>
+              <a:buChar char="l"/>
+            </a:pPr>
+            <a:r>
+              <a:rPr lang="en-US" sz="2400">
+                <a:latin typeface="Arial"/>
+              </a:rPr>
+              <a:t>Martin Fowler makes a distinction between </a:t>
+            </a:r>
+            <a:r>
+              <a:rPr i="1" lang="en-US" sz="2400">
+                <a:latin typeface="Arial"/>
+              </a:rPr>
+              <a:t>mocks</a:t>
+            </a:r>
+            <a:r>
+              <a:rPr lang="en-US" sz="2400">
+                <a:latin typeface="Arial"/>
+              </a:rPr>
+              <a:t> and </a:t>
+            </a:r>
+            <a:r>
+              <a:rPr i="1" lang="en-US" sz="2400">
+                <a:latin typeface="Arial"/>
+              </a:rPr>
+              <a:t>stubs</a:t>
             </a:r>
             <a:endParaRPr/>
           </a:p>
@@ -1996,14 +1183,14 @@
       </p:grpSpPr>
       <p:sp>
         <p:nvSpPr>
-          <p:cNvPr id="112" name="CustomShape 1"/>
+          <p:cNvPr id="107" name="CustomShape 1"/>
           <p:cNvSpPr/>
           <p:nvPr/>
         </p:nvSpPr>
         <p:spPr>
           <a:xfrm>
             <a:off x="513720" y="1311120"/>
-            <a:ext cx="8228520" cy="1141920"/>
+            <a:ext cx="8228160" cy="1141560"/>
           </a:xfrm>
           <a:prstGeom prst="rect">
             <a:avLst/>
@@ -2020,16 +1207,7 @@
                 </a:solidFill>
                 <a:latin typeface="Arial"/>
               </a:rPr>
-              <a:t>Types of </a:t>
-            </a:r>
-            <a:r>
-              <a:rPr i="1" lang="en-US" sz="4400">
-                <a:solidFill>
-                  <a:srgbClr val="000000"/>
-                </a:solidFill>
-                <a:latin typeface="Arial"/>
-              </a:rPr>
-              <a:t>Mocks</a:t>
+              <a:t>Behavior vs. State</a:t>
             </a:r>
             <a:endParaRPr/>
           </a:p>
@@ -2037,14 +1215,14 @@
       </p:sp>
       <p:sp>
         <p:nvSpPr>
-          <p:cNvPr id="113" name="CustomShape 2"/>
+          <p:cNvPr id="108" name="CustomShape 2"/>
           <p:cNvSpPr/>
           <p:nvPr/>
         </p:nvSpPr>
         <p:spPr>
           <a:xfrm>
             <a:off x="457560" y="2743560"/>
-            <a:ext cx="8228520" cy="2513520"/>
+            <a:ext cx="8228160" cy="2513160"/>
           </a:xfrm>
           <a:prstGeom prst="rect">
             <a:avLst/>
@@ -2059,19 +1237,37 @@
               </a:lnSpc>
               <a:buSzPct val="45000"/>
               <a:buFont typeface="StarSymbol"/>
-              <a:buChar char=""/>
-            </a:pPr>
-            <a:r>
-              <a:rPr lang="en-US" sz="2400">
-                <a:latin typeface="Arial"/>
-              </a:rPr>
-              <a:t>Gerard Meszaros classifies these as </a:t>
-            </a:r>
-            <a:r>
-              <a:rPr i="1" lang="en-US" sz="2400">
-                <a:latin typeface="Arial"/>
-              </a:rPr>
-              <a:t>Test Doubles</a:t>
+              <a:buChar char="l"/>
+            </a:pPr>
+            <a:r>
+              <a:rPr lang="en-US" sz="2200">
+                <a:latin typeface="Arial"/>
+              </a:rPr>
+              <a:t>State </a:t>
+            </a:r>
+            <a:r>
+              <a:rPr lang="en-US" sz="2200" u="sng">
+                <a:latin typeface="Arial"/>
+              </a:rPr>
+              <a:t>returns</a:t>
+            </a:r>
+            <a:r>
+              <a:rPr lang="en-US" sz="2200">
+                <a:latin typeface="Arial"/>
+              </a:rPr>
+              <a:t> some data type (</a:t>
+            </a:r>
+            <a:r>
+              <a:rPr i="1" lang="en-US" sz="2200">
+                <a:latin typeface="Arial"/>
+              </a:rPr>
+              <a:t>Ask</a:t>
+            </a:r>
+            <a:r>
+              <a:rPr lang="en-US" sz="2200">
+                <a:latin typeface="Arial"/>
+              </a:rPr>
+              <a:t>) and unit tests verify the contract by inspecting expected state of the object under test</a:t>
             </a:r>
             <a:endParaRPr/>
           </a:p>
@@ -2082,48 +1278,73 @@
               </a:lnSpc>
               <a:buSzPct val="45000"/>
               <a:buFont typeface="StarSymbol"/>
-              <a:buChar char=""/>
-            </a:pPr>
-            <a:r>
-              <a:rPr lang="en-US" sz="2400">
-                <a:latin typeface="Arial"/>
-              </a:rPr>
-              <a:t>Stubs, Fakes, Mocks,Test Spies</a:t>
-            </a:r>
-            <a:endParaRPr/>
-          </a:p>
-          <a:p>
-            <a:pPr>
-              <a:lnSpc>
-                <a:spcPct val="150000"/>
-              </a:lnSpc>
-              <a:buSzPct val="45000"/>
-              <a:buFont typeface="StarSymbol"/>
-              <a:buChar char=""/>
-            </a:pPr>
-            <a:r>
-              <a:rPr lang="en-US" sz="2400">
-                <a:latin typeface="Arial"/>
-              </a:rPr>
-              <a:t>Martin Fowler makes a distinction between </a:t>
-            </a:r>
-            <a:r>
-              <a:rPr i="1" lang="en-US" sz="2400">
-                <a:latin typeface="Arial"/>
-              </a:rPr>
-              <a:t>mocks</a:t>
-            </a:r>
-            <a:r>
-              <a:rPr lang="en-US" sz="2400">
-                <a:latin typeface="Arial"/>
-              </a:rPr>
-              <a:t> and </a:t>
-            </a:r>
-            <a:r>
-              <a:rPr i="1" lang="en-US" sz="2400">
-                <a:latin typeface="Arial"/>
-              </a:rPr>
-              <a:t>stubs</a:t>
+              <a:buChar char="l"/>
+            </a:pPr>
+            <a:r>
+              <a:rPr lang="en-US" sz="2200">
+                <a:latin typeface="Arial"/>
+              </a:rPr>
+              <a:t>Behavior </a:t>
+            </a:r>
+            <a:r>
+              <a:rPr lang="en-US" sz="2200" u="sng">
+                <a:latin typeface="Arial"/>
+              </a:rPr>
+              <a:t>does</a:t>
+            </a:r>
+            <a:r>
+              <a:rPr lang="en-US" sz="2200">
+                <a:latin typeface="Arial"/>
+              </a:rPr>
+              <a:t> some action (</a:t>
+            </a:r>
+            <a:r>
+              <a:rPr i="1" lang="en-US" sz="2200">
+                <a:latin typeface="Arial"/>
+              </a:rPr>
+              <a:t>Tell</a:t>
+            </a:r>
+            <a:r>
+              <a:rPr lang="en-US" sz="2200">
+                <a:latin typeface="Arial"/>
+              </a:rPr>
+              <a:t>) and usually returns </a:t>
+            </a:r>
+            <a:r>
+              <a:rPr i="1" lang="en-US" sz="2200">
+                <a:latin typeface="Arial"/>
+              </a:rPr>
+              <a:t>void</a:t>
+            </a:r>
+            <a:r>
+              <a:rPr lang="en-US" sz="2200">
+                <a:latin typeface="Arial"/>
+              </a:rPr>
+              <a:t>. Unit tests </a:t>
+            </a:r>
+            <a:r>
+              <a:rPr i="1" lang="en-US" sz="2200">
+                <a:latin typeface="Arial"/>
+              </a:rPr>
+              <a:t>verify</a:t>
+            </a:r>
+            <a:r>
+              <a:rPr lang="en-US" sz="2200">
+                <a:latin typeface="Arial"/>
+              </a:rPr>
+              <a:t> method calls on collaborating objects. (Also referred to as </a:t>
+            </a:r>
+            <a:r>
+              <a:rPr i="1" lang="en-US" sz="2200">
+                <a:latin typeface="Arial"/>
+              </a:rPr>
+              <a:t>Interaction Testing</a:t>
+            </a:r>
+            <a:r>
+              <a:rPr lang="en-US" sz="2200">
+                <a:latin typeface="Arial"/>
+              </a:rPr>
+              <a:t>)</a:t>
             </a:r>
             <a:endParaRPr/>
           </a:p>
@@ -2182,14 +1403,14 @@
       </p:grpSpPr>
       <p:sp>
         <p:nvSpPr>
-          <p:cNvPr id="114" name="CustomShape 1"/>
+          <p:cNvPr id="109" name="CustomShape 1"/>
           <p:cNvSpPr/>
           <p:nvPr/>
         </p:nvSpPr>
         <p:spPr>
           <a:xfrm>
             <a:off x="513720" y="1311120"/>
-            <a:ext cx="8228520" cy="1141920"/>
+            <a:ext cx="8228160" cy="1141560"/>
           </a:xfrm>
           <a:prstGeom prst="rect">
             <a:avLst/>
@@ -2206,7 +1427,7 @@
                 </a:solidFill>
                 <a:latin typeface="Arial"/>
               </a:rPr>
-              <a:t>Behavior vs. State</a:t>
+              <a:t>Gold</a:t>
             </a:r>
             <a:endParaRPr/>
           </a:p>
@@ -2214,14 +1435,14 @@
       </p:sp>
       <p:sp>
         <p:nvSpPr>
-          <p:cNvPr id="115" name="CustomShape 2"/>
-          <p:cNvSpPr/>
-          <p:nvPr/>
-        </p:nvSpPr>
-        <p:spPr>
-          <a:xfrm>
-            <a:off x="457560" y="2743560"/>
-            <a:ext cx="8228520" cy="2513520"/>
+          <p:cNvPr id="110" name="CustomShape 2"/>
+          <p:cNvSpPr/>
+          <p:nvPr/>
+        </p:nvSpPr>
+        <p:spPr>
+          <a:xfrm>
+            <a:off x="457200" y="2286360"/>
+            <a:ext cx="4342680" cy="2971080"/>
           </a:xfrm>
           <a:prstGeom prst="rect">
             <a:avLst/>
@@ -2230,125 +1451,69 @@
         <p:txBody>
           <a:bodyPr bIns="45000" lIns="90000" rIns="90000" tIns="45000"/>
           <a:p>
-            <a:pPr>
+            <a:pPr algn="r">
               <a:lnSpc>
                 <a:spcPct val="150000"/>
               </a:lnSpc>
-              <a:buSzPct val="45000"/>
-              <a:buFont typeface="StarSymbol"/>
-              <a:buChar char=""/>
-            </a:pPr>
-            <a:r>
-              <a:rPr lang="en-US" sz="2200">
-                <a:latin typeface="Arial"/>
-              </a:rPr>
-              <a:t>State </a:t>
-            </a:r>
-            <a:r>
-              <a:rPr lang="en-US" sz="2200" u="sng">
-                <a:latin typeface="Arial"/>
-              </a:rPr>
-              <a:t>returns</a:t>
-            </a:r>
-            <a:r>
-              <a:rPr lang="en-US" sz="2200">
-                <a:latin typeface="Arial"/>
-              </a:rPr>
-              <a:t> some data type (</a:t>
-            </a:r>
-            <a:r>
-              <a:rPr i="1" lang="en-US" sz="2200">
-                <a:latin typeface="Arial"/>
-              </a:rPr>
-              <a:t>Ask</a:t>
-            </a:r>
-            <a:r>
-              <a:rPr lang="en-US" sz="2200">
-                <a:latin typeface="Arial"/>
-              </a:rPr>
-              <a:t>) and unit tests verify the contract by inspecting expected state of the object under test</a:t>
-            </a:r>
-            <a:endParaRPr/>
-          </a:p>
-          <a:p>
-            <a:pPr>
+            </a:pPr>
+            <a:r>
+              <a:rPr lang="en-US" sz="2400">
+                <a:latin typeface="Arial"/>
+              </a:rPr>
+              <a:t>Mocks address the problem of handling dependencies, </a:t>
+            </a:r>
+            <a:r>
+              <a:rPr lang="en-US" sz="2400" u="sng">
+                <a:latin typeface="Arial"/>
+              </a:rPr>
+              <a:t>but</a:t>
+            </a:r>
+            <a:r>
+              <a:rPr lang="en-US" sz="2400">
+                <a:latin typeface="Arial"/>
+              </a:rPr>
+              <a:t> the a TDD approach using mocks can help discovering needed types and interfaces. </a:t>
+            </a:r>
+            <a:endParaRPr/>
+          </a:p>
+          <a:p>
+            <a:pPr algn="r">
               <a:lnSpc>
                 <a:spcPct val="150000"/>
               </a:lnSpc>
-              <a:buSzPct val="45000"/>
-              <a:buFont typeface="StarSymbol"/>
-              <a:buChar char=""/>
-            </a:pPr>
-            <a:r>
-              <a:rPr lang="en-US" sz="2200">
-                <a:latin typeface="Arial"/>
-              </a:rPr>
-              <a:t>Behavior </a:t>
-            </a:r>
-            <a:r>
-              <a:rPr lang="en-US" sz="2200" u="sng">
-                <a:latin typeface="Arial"/>
-              </a:rPr>
-              <a:t>does</a:t>
-            </a:r>
-            <a:r>
-              <a:rPr lang="en-US" sz="2200">
-                <a:latin typeface="Arial"/>
-              </a:rPr>
-              <a:t> some action (</a:t>
-            </a:r>
-            <a:r>
-              <a:rPr i="1" lang="en-US" sz="2200">
-                <a:latin typeface="Arial"/>
-              </a:rPr>
-              <a:t>Tell</a:t>
-            </a:r>
-            <a:r>
-              <a:rPr lang="en-US" sz="2200">
-                <a:latin typeface="Arial"/>
-              </a:rPr>
-              <a:t>) and usually returns </a:t>
-            </a:r>
-            <a:r>
-              <a:rPr i="1" lang="en-US" sz="2200">
-                <a:latin typeface="Arial"/>
-              </a:rPr>
-              <a:t>void</a:t>
-            </a:r>
-            <a:r>
-              <a:rPr lang="en-US" sz="2200">
-                <a:latin typeface="Arial"/>
-              </a:rPr>
-              <a:t>. Unit tests </a:t>
-            </a:r>
-            <a:r>
-              <a:rPr i="1" lang="en-US" sz="2200">
-                <a:latin typeface="Arial"/>
-              </a:rPr>
-              <a:t>verify</a:t>
-            </a:r>
-            <a:r>
-              <a:rPr lang="en-US" sz="2200">
-                <a:latin typeface="Arial"/>
-              </a:rPr>
-              <a:t> method calls on collaborating objects. (Also referred to as </a:t>
-            </a:r>
-            <a:r>
-              <a:rPr i="1" lang="en-US" sz="2200">
-                <a:latin typeface="Arial"/>
-              </a:rPr>
-              <a:t>Interaction Testing</a:t>
-            </a:r>
-            <a:r>
-              <a:rPr lang="en-US" sz="2200">
-                <a:latin typeface="Arial"/>
-              </a:rPr>
-              <a:t>)</a:t>
+            </a:pPr>
+            <a:r>
+              <a:rPr i="1" lang="en-US" sz="2400">
+                <a:latin typeface="Arial"/>
+              </a:rPr>
+              <a:t>Need Driven Development</a:t>
             </a:r>
             <a:endParaRPr/>
           </a:p>
         </p:txBody>
       </p:sp>
+      <p:pic>
+        <p:nvPicPr>
+          <p:cNvPr descr="" id="111" name=""/>
+          <p:cNvPicPr/>
+          <p:nvPr/>
+        </p:nvPicPr>
+        <p:blipFill>
+          <a:blip r:embed="rId1"/>
+          <a:stretch>
+            <a:fillRect/>
+          </a:stretch>
+        </p:blipFill>
+        <p:spPr>
+          <a:xfrm>
+            <a:off x="5235840" y="2514600"/>
+            <a:ext cx="2993400" cy="2514240"/>
+          </a:xfrm>
+          <a:prstGeom prst="rect">
+            <a:avLst/>
+          </a:prstGeom>
+        </p:spPr>
+      </p:pic>
     </p:spTree>
   </p:cSld>
   <p:timing>
@@ -2402,14 +1567,14 @@
       </p:grpSpPr>
       <p:sp>
         <p:nvSpPr>
-          <p:cNvPr id="116" name="CustomShape 1"/>
+          <p:cNvPr id="112" name="CustomShape 1"/>
           <p:cNvSpPr/>
           <p:nvPr/>
         </p:nvSpPr>
         <p:spPr>
           <a:xfrm>
             <a:off x="513720" y="1311120"/>
-            <a:ext cx="8228520" cy="1141920"/>
+            <a:ext cx="8228160" cy="1141560"/>
           </a:xfrm>
           <a:prstGeom prst="rect">
             <a:avLst/>
@@ -2426,7 +1591,7 @@
                 </a:solidFill>
                 <a:latin typeface="Arial"/>
               </a:rPr>
-              <a:t>Gold</a:t>
+              <a:t>Other Applications?</a:t>
             </a:r>
             <a:endParaRPr/>
           </a:p>
@@ -2434,14 +1599,14 @@
       </p:sp>
       <p:sp>
         <p:nvSpPr>
-          <p:cNvPr id="117" name="CustomShape 2"/>
+          <p:cNvPr id="113" name="CustomShape 2"/>
           <p:cNvSpPr/>
           <p:nvPr/>
         </p:nvSpPr>
         <p:spPr>
           <a:xfrm>
             <a:off x="457200" y="2286360"/>
-            <a:ext cx="4343040" cy="2971440"/>
+            <a:ext cx="8000640" cy="3428280"/>
           </a:xfrm>
           <a:prstGeom prst="rect">
             <a:avLst/>
@@ -2450,69 +1615,78 @@
         <p:txBody>
           <a:bodyPr bIns="45000" lIns="90000" rIns="90000" tIns="45000"/>
           <a:p>
-            <a:pPr algn="r">
+            <a:pPr>
               <a:lnSpc>
                 <a:spcPct val="150000"/>
               </a:lnSpc>
+              <a:buSzPct val="45000"/>
+              <a:buFont typeface="StarSymbol"/>
+              <a:buChar char="l"/>
             </a:pPr>
             <a:r>
               <a:rPr lang="en-US" sz="2400">
                 <a:latin typeface="Arial"/>
               </a:rPr>
-              <a:t>Mocks address the problem of handling dependencies, </a:t>
-            </a:r>
-            <a:r>
-              <a:rPr lang="en-US" sz="2400" u="sng">
-                <a:latin typeface="Arial"/>
-              </a:rPr>
-              <a:t>but</a:t>
-            </a:r>
+              <a:t>Discovery of Types and Interfaces [REF]</a:t>
+            </a:r>
+            <a:endParaRPr/>
+          </a:p>
+          <a:p>
+            <a:pPr>
+              <a:lnSpc>
+                <a:spcPct val="150000"/>
+              </a:lnSpc>
+              <a:buSzPct val="45000"/>
+              <a:buFont typeface="StarSymbol"/>
+              <a:buChar char="l"/>
+            </a:pPr>
             <a:r>
               <a:rPr lang="en-US" sz="2400">
                 <a:latin typeface="Arial"/>
               </a:rPr>
-              <a:t> the a TDD approach using mocks can help discovering needed types and interfaces. </a:t>
-            </a:r>
-            <a:endParaRPr/>
-          </a:p>
-          <a:p>
-            <a:pPr algn="r">
+              <a:t>Simulation Scenarios:</a:t>
+            </a:r>
+            <a:endParaRPr/>
+          </a:p>
+          <a:p>
+            <a:pPr lvl="1">
               <a:lnSpc>
                 <a:spcPct val="150000"/>
               </a:lnSpc>
-            </a:pPr>
-            <a:r>
-              <a:rPr i="1" lang="en-US" sz="2400">
-                <a:latin typeface="Arial"/>
-              </a:rPr>
-              <a:t>Need Driven Development</a:t>
-            </a:r>
+              <a:buSzPct val="45000"/>
+              <a:buFont typeface="StarSymbol"/>
+              <a:buChar char="l"/>
+            </a:pPr>
+            <a:r>
+              <a:rPr lang="en-US" sz="2400">
+                <a:latin typeface="Arial"/>
+              </a:rPr>
+              <a:t>Software Fault Injection</a:t>
+            </a:r>
+            <a:endParaRPr/>
+          </a:p>
+          <a:p>
+            <a:pPr lvl="1">
+              <a:lnSpc>
+                <a:spcPct val="150000"/>
+              </a:lnSpc>
+              <a:buSzPct val="45000"/>
+              <a:buFont typeface="StarSymbol"/>
+              <a:buChar char="l"/>
+            </a:pPr>
+            <a:r>
+              <a:rPr lang="en-US" sz="2400">
+                <a:latin typeface="Arial"/>
+              </a:rPr>
+              <a:t>Mimic specific mutation operators without generating mutant artifacts?</a:t>
+            </a:r>
+            <a:endParaRPr/>
+          </a:p>
+          <a:p>
             <a:endParaRPr/>
           </a:p>
         </p:txBody>
       </p:sp>
-      <p:pic>
-        <p:nvPicPr>
-          <p:cNvPr descr="" id="118" name=""/>
-          <p:cNvPicPr/>
-          <p:nvPr/>
-        </p:nvPicPr>
-        <p:blipFill>
-          <a:blip r:embed="rId1"/>
-          <a:stretch>
-            <a:fillRect/>
-          </a:stretch>
-        </p:blipFill>
-        <p:spPr>
-          <a:xfrm>
-            <a:off x="5235840" y="2514600"/>
-            <a:ext cx="2993760" cy="2514600"/>
-          </a:xfrm>
-          <a:prstGeom prst="rect">
-            <a:avLst/>
-          </a:prstGeom>
-        </p:spPr>
-      </p:pic>
     </p:spTree>
   </p:cSld>
   <p:timing>
@@ -2566,187 +1740,14 @@
       </p:grpSpPr>
       <p:sp>
         <p:nvSpPr>
-          <p:cNvPr id="119" name="CustomShape 1"/>
-          <p:cNvSpPr/>
-          <p:nvPr/>
-        </p:nvSpPr>
-        <p:spPr>
-          <a:xfrm>
-            <a:off x="513720" y="1311120"/>
-            <a:ext cx="8228520" cy="1141920"/>
-          </a:xfrm>
-          <a:prstGeom prst="rect">
-            <a:avLst/>
-          </a:prstGeom>
-        </p:spPr>
-        <p:txBody>
-          <a:bodyPr bIns="45000" lIns="90000" rIns="90000" tIns="45000"/>
-          <a:p>
-            <a:pPr algn="ctr"/>
-            <a:r>
-              <a:rPr lang="en-US" sz="4400">
-                <a:solidFill>
-                  <a:srgbClr val="000000"/>
-                </a:solidFill>
-                <a:latin typeface="Arial"/>
-              </a:rPr>
-              <a:t>Other Applications?</a:t>
-            </a:r>
-            <a:endParaRPr/>
-          </a:p>
-        </p:txBody>
-      </p:sp>
-      <p:sp>
-        <p:nvSpPr>
-          <p:cNvPr id="120" name="CustomShape 2"/>
-          <p:cNvSpPr/>
-          <p:nvPr/>
-        </p:nvSpPr>
-        <p:spPr>
-          <a:xfrm>
-            <a:off x="457200" y="2286360"/>
-            <a:ext cx="8001000" cy="3428640"/>
-          </a:xfrm>
-          <a:prstGeom prst="rect">
-            <a:avLst/>
-          </a:prstGeom>
-        </p:spPr>
-        <p:txBody>
-          <a:bodyPr bIns="45000" lIns="90000" rIns="90000" tIns="45000"/>
-          <a:p>
-            <a:pPr>
-              <a:lnSpc>
-                <a:spcPct val="150000"/>
-              </a:lnSpc>
-              <a:buSzPct val="45000"/>
-              <a:buFont typeface="StarSymbol"/>
-              <a:buChar char=""/>
-            </a:pPr>
-            <a:r>
-              <a:rPr lang="en-US" sz="2400">
-                <a:latin typeface="Arial"/>
-              </a:rPr>
-              <a:t>Discovery of Types and Interfaces [REF]</a:t>
-            </a:r>
-            <a:endParaRPr/>
-          </a:p>
-          <a:p>
-            <a:pPr>
-              <a:lnSpc>
-                <a:spcPct val="150000"/>
-              </a:lnSpc>
-              <a:buSzPct val="45000"/>
-              <a:buFont typeface="StarSymbol"/>
-              <a:buChar char=""/>
-            </a:pPr>
-            <a:r>
-              <a:rPr lang="en-US" sz="2400">
-                <a:latin typeface="Arial"/>
-              </a:rPr>
-              <a:t>Simulation Scenarios:</a:t>
-            </a:r>
-            <a:endParaRPr/>
-          </a:p>
-          <a:p>
-            <a:pPr lvl="1">
-              <a:lnSpc>
-                <a:spcPct val="150000"/>
-              </a:lnSpc>
-              <a:buSzPct val="45000"/>
-              <a:buFont typeface="StarSymbol"/>
-              <a:buChar char=""/>
-            </a:pPr>
-            <a:r>
-              <a:rPr lang="en-US" sz="2400">
-                <a:latin typeface="Arial"/>
-              </a:rPr>
-              <a:t>Software Fault Injection</a:t>
-            </a:r>
-            <a:endParaRPr/>
-          </a:p>
-          <a:p>
-            <a:pPr lvl="1">
-              <a:lnSpc>
-                <a:spcPct val="150000"/>
-              </a:lnSpc>
-              <a:buSzPct val="45000"/>
-              <a:buFont typeface="StarSymbol"/>
-              <a:buChar char=""/>
-            </a:pPr>
-            <a:r>
-              <a:rPr lang="en-US" sz="2400">
-                <a:latin typeface="Arial"/>
-              </a:rPr>
-              <a:t>Mimic specific mutation operators without generating mutant artifacts?</a:t>
-            </a:r>
-            <a:endParaRPr/>
-          </a:p>
-          <a:p>
-            <a:endParaRPr/>
-          </a:p>
-        </p:txBody>
-      </p:sp>
-    </p:spTree>
-  </p:cSld>
-  <p:timing>
-    <p:tnLst>
-      <p:par>
-        <p:cTn dur="indefinite" id="31" nodeType="tmRoot" restart="never">
-          <p:childTnLst>
-            <p:seq>
-              <p:cTn id="32" nodeType="mainSeq">
-                <p:childTnLst/>
-              </p:cTn>
-              <p:prevCondLst>
-                <p:cond delay="0" evt="onPrev">
-                  <p:tgtEl>
-                    <p:sldTgt/>
-                  </p:tgtEl>
-                </p:cond>
-              </p:prevCondLst>
-              <p:nextCondLst>
-                <p:cond delay="0" evt="onNext">
-                  <p:tgtEl>
-                    <p:sldTgt/>
-                  </p:tgtEl>
-                </p:cond>
-              </p:nextCondLst>
-            </p:seq>
-          </p:childTnLst>
-        </p:cTn>
-      </p:par>
-    </p:tnLst>
-  </p:timing>
-</p:sld>
-</file>
-
-<file path=ppt/slides/slide17.xml><?xml version="1.0" encoding="utf-8"?>
-<p:sld xmlns:a="http://schemas.openxmlformats.org/drawingml/2006/main" xmlns:p="http://schemas.openxmlformats.org/presentationml/2006/main" xmlns:r="http://schemas.openxmlformats.org/officeDocument/2006/relationships">
-  <p:cSld>
-    <p:spTree>
-      <p:nvGrpSpPr>
-        <p:cNvPr id="1" name=""/>
-        <p:cNvGrpSpPr/>
-        <p:nvPr/>
-      </p:nvGrpSpPr>
-      <p:grpSpPr>
-        <a:xfrm>
-          <a:off x="0" y="0"/>
-          <a:ext cx="0" cy="0"/>
-          <a:chOff x="0" y="0"/>
-          <a:chExt cx="0" cy="0"/>
-        </a:xfrm>
-      </p:grpSpPr>
-      <p:sp>
-        <p:nvSpPr>
-          <p:cNvPr id="121" name="CustomShape 1"/>
+          <p:cNvPr id="114" name="CustomShape 1"/>
           <p:cNvSpPr/>
           <p:nvPr/>
         </p:nvSpPr>
         <p:spPr>
           <a:xfrm>
             <a:off x="457200" y="319680"/>
-            <a:ext cx="8228520" cy="5760000"/>
+            <a:ext cx="8228160" cy="5759640"/>
           </a:xfrm>
           <a:prstGeom prst="rect">
             <a:avLst/>
@@ -2777,7 +1778,7 @@
       </p:grpSpPr>
       <p:pic>
         <p:nvPicPr>
-          <p:cNvPr descr="" id="14" name="Picture 2"/>
+          <p:cNvPr descr="" id="8" name="Picture 2"/>
           <p:cNvPicPr/>
           <p:nvPr/>
         </p:nvPicPr>
@@ -2790,7 +1791,7 @@
         <p:spPr>
           <a:xfrm>
             <a:off x="1066680" y="762120"/>
-            <a:ext cx="3859560" cy="4964760"/>
+            <a:ext cx="3859200" cy="4964400"/>
           </a:xfrm>
           <a:prstGeom prst="rect">
             <a:avLst/>
@@ -2799,14 +1800,14 @@
       </p:pic>
       <p:sp>
         <p:nvSpPr>
-          <p:cNvPr id="15" name="CustomShape 1"/>
+          <p:cNvPr id="9" name="CustomShape 1"/>
           <p:cNvSpPr/>
           <p:nvPr/>
         </p:nvSpPr>
         <p:spPr>
           <a:xfrm>
             <a:off x="5257800" y="2698560"/>
-            <a:ext cx="3199680" cy="1186920"/>
+            <a:ext cx="3199320" cy="1186560"/>
           </a:xfrm>
           <a:prstGeom prst="rect">
             <a:avLst/>
@@ -2882,7 +1883,7 @@
       </p:grpSpPr>
       <p:pic>
         <p:nvPicPr>
-          <p:cNvPr descr="" id="16" name="Picture 2"/>
+          <p:cNvPr descr="" id="10" name="Picture 2"/>
           <p:cNvPicPr/>
           <p:nvPr/>
         </p:nvPicPr>
@@ -2895,7 +1896,7 @@
         <p:spPr>
           <a:xfrm>
             <a:off x="1066680" y="762120"/>
-            <a:ext cx="3859560" cy="4964760"/>
+            <a:ext cx="3859200" cy="4964400"/>
           </a:xfrm>
           <a:prstGeom prst="rect">
             <a:avLst/>
@@ -2904,14 +1905,14 @@
       </p:pic>
       <p:sp>
         <p:nvSpPr>
-          <p:cNvPr id="17" name="CustomShape 1"/>
+          <p:cNvPr id="11" name="CustomShape 1"/>
           <p:cNvSpPr/>
           <p:nvPr/>
         </p:nvSpPr>
         <p:spPr>
           <a:xfrm>
             <a:off x="5257800" y="2514600"/>
-            <a:ext cx="3199680" cy="1552680"/>
+            <a:ext cx="3199320" cy="1552320"/>
           </a:xfrm>
           <a:prstGeom prst="rect">
             <a:avLst/>
@@ -3014,14 +2015,14 @@
       </p:grpSpPr>
       <p:sp>
         <p:nvSpPr>
-          <p:cNvPr id="18" name="CustomShape 1"/>
+          <p:cNvPr id="12" name="CustomShape 1"/>
           <p:cNvSpPr/>
           <p:nvPr/>
         </p:nvSpPr>
         <p:spPr>
           <a:xfrm>
             <a:off x="2211480" y="6400800"/>
-            <a:ext cx="3769200" cy="343440"/>
+            <a:ext cx="3768840" cy="343080"/>
           </a:xfrm>
           <a:prstGeom prst="rect">
             <a:avLst/>
@@ -3045,14 +2046,14 @@
       </p:sp>
       <p:sp>
         <p:nvSpPr>
-          <p:cNvPr id="19" name="CustomShape 2"/>
+          <p:cNvPr id="13" name="CustomShape 2"/>
           <p:cNvSpPr/>
           <p:nvPr/>
         </p:nvSpPr>
         <p:spPr>
           <a:xfrm>
             <a:off x="4038480" y="6424560"/>
-            <a:ext cx="2894400" cy="354600"/>
+            <a:ext cx="2894040" cy="354240"/>
           </a:xfrm>
           <a:prstGeom prst="rect">
             <a:avLst/>
@@ -3077,78 +2078,78 @@
       </p:sp>
       <p:sp>
         <p:nvSpPr>
-          <p:cNvPr id="20" name="CustomShape 3"/>
+          <p:cNvPr id="14" name="CustomShape 3"/>
           <p:cNvSpPr/>
           <p:nvPr/>
         </p:nvSpPr>
         <p:spPr>
           <a:xfrm>
             <a:off x="2013120" y="4091760"/>
-            <a:ext cx="776880" cy="315000"/>
-          </a:xfrm>
-          <a:prstGeom prst="rect">
-            <a:avLst/>
-          </a:prstGeom>
-        </p:spPr>
-      </p:sp>
-      <p:sp>
-        <p:nvSpPr>
-          <p:cNvPr id="21" name="CustomShape 4"/>
+            <a:ext cx="776520" cy="314640"/>
+          </a:xfrm>
+          <a:prstGeom prst="rect">
+            <a:avLst/>
+          </a:prstGeom>
+        </p:spPr>
+      </p:sp>
+      <p:sp>
+        <p:nvSpPr>
+          <p:cNvPr id="15" name="CustomShape 4"/>
           <p:cNvSpPr/>
           <p:nvPr/>
         </p:nvSpPr>
         <p:spPr>
           <a:xfrm>
             <a:off x="3643560" y="4007520"/>
-            <a:ext cx="776880" cy="315000"/>
-          </a:xfrm>
-          <a:prstGeom prst="rect">
-            <a:avLst/>
-          </a:prstGeom>
-        </p:spPr>
-      </p:sp>
-      <p:sp>
-        <p:nvSpPr>
-          <p:cNvPr id="22" name="CustomShape 5"/>
+            <a:ext cx="776520" cy="314640"/>
+          </a:xfrm>
+          <a:prstGeom prst="rect">
+            <a:avLst/>
+          </a:prstGeom>
+        </p:spPr>
+      </p:sp>
+      <p:sp>
+        <p:nvSpPr>
+          <p:cNvPr id="16" name="CustomShape 5"/>
           <p:cNvSpPr/>
           <p:nvPr/>
         </p:nvSpPr>
         <p:spPr>
           <a:xfrm>
             <a:off x="4908600" y="2245680"/>
-            <a:ext cx="403560" cy="315000"/>
-          </a:xfrm>
-          <a:prstGeom prst="rect">
-            <a:avLst/>
-          </a:prstGeom>
-        </p:spPr>
-      </p:sp>
-      <p:sp>
-        <p:nvSpPr>
-          <p:cNvPr id="23" name="CustomShape 6"/>
+            <a:ext cx="403200" cy="314640"/>
+          </a:xfrm>
+          <a:prstGeom prst="rect">
+            <a:avLst/>
+          </a:prstGeom>
+        </p:spPr>
+      </p:sp>
+      <p:sp>
+        <p:nvSpPr>
+          <p:cNvPr id="17" name="CustomShape 6"/>
           <p:cNvSpPr/>
           <p:nvPr/>
         </p:nvSpPr>
         <p:spPr>
           <a:xfrm>
             <a:off x="2001960" y="2466360"/>
-            <a:ext cx="776880" cy="315000"/>
-          </a:xfrm>
-          <a:prstGeom prst="rect">
-            <a:avLst/>
-          </a:prstGeom>
-        </p:spPr>
-      </p:sp>
-      <p:sp>
-        <p:nvSpPr>
-          <p:cNvPr id="24" name="CustomShape 7"/>
+            <a:ext cx="776520" cy="314640"/>
+          </a:xfrm>
+          <a:prstGeom prst="rect">
+            <a:avLst/>
+          </a:prstGeom>
+        </p:spPr>
+      </p:sp>
+      <p:sp>
+        <p:nvSpPr>
+          <p:cNvPr id="18" name="CustomShape 7"/>
           <p:cNvSpPr/>
           <p:nvPr/>
         </p:nvSpPr>
         <p:spPr>
           <a:xfrm>
             <a:off x="5913720" y="4733280"/>
-            <a:ext cx="1857960" cy="779400"/>
+            <a:ext cx="1857600" cy="779040"/>
           </a:xfrm>
           <a:prstGeom prst="rect">
             <a:avLst/>
@@ -3203,7 +2204,7 @@
       </p:sp>
       <p:sp>
         <p:nvSpPr>
-          <p:cNvPr id="25" name="Line 8"/>
+          <p:cNvPr id="19" name="Line 8"/>
           <p:cNvSpPr/>
           <p:nvPr/>
         </p:nvSpPr>
@@ -3225,14 +2226,14 @@
       </p:sp>
       <p:sp>
         <p:nvSpPr>
-          <p:cNvPr id="26" name="CustomShape 9"/>
+          <p:cNvPr id="20" name="CustomShape 9"/>
           <p:cNvSpPr/>
           <p:nvPr/>
         </p:nvSpPr>
         <p:spPr>
           <a:xfrm>
             <a:off x="3625920" y="4947480"/>
-            <a:ext cx="1270440" cy="779400"/>
+            <a:ext cx="1270080" cy="779040"/>
           </a:xfrm>
           <a:prstGeom prst="rect">
             <a:avLst/>
@@ -3287,7 +2288,7 @@
       </p:sp>
       <p:sp>
         <p:nvSpPr>
-          <p:cNvPr id="27" name="Line 10"/>
+          <p:cNvPr id="21" name="Line 10"/>
           <p:cNvSpPr/>
           <p:nvPr/>
         </p:nvSpPr>
@@ -3309,14 +2310,14 @@
       </p:sp>
       <p:sp>
         <p:nvSpPr>
-          <p:cNvPr id="28" name="CustomShape 11"/>
+          <p:cNvPr id="22" name="CustomShape 11"/>
           <p:cNvSpPr/>
           <p:nvPr/>
         </p:nvSpPr>
         <p:spPr>
           <a:xfrm>
             <a:off x="3562560" y="3791880"/>
-            <a:ext cx="1237320" cy="779400"/>
+            <a:ext cx="1236960" cy="779040"/>
           </a:xfrm>
           <a:prstGeom prst="rect">
             <a:avLst/>
@@ -3371,7 +2372,7 @@
       </p:sp>
       <p:sp>
         <p:nvSpPr>
-          <p:cNvPr id="29" name="Line 12"/>
+          <p:cNvPr id="23" name="Line 12"/>
           <p:cNvSpPr/>
           <p:nvPr/>
         </p:nvSpPr>
@@ -3393,14 +2394,14 @@
       </p:sp>
       <p:sp>
         <p:nvSpPr>
-          <p:cNvPr id="30" name="CustomShape 13"/>
+          <p:cNvPr id="24" name="CustomShape 13"/>
           <p:cNvSpPr/>
           <p:nvPr/>
         </p:nvSpPr>
         <p:spPr>
           <a:xfrm>
             <a:off x="3657600" y="2648880"/>
-            <a:ext cx="1203840" cy="779400"/>
+            <a:ext cx="1203480" cy="779040"/>
           </a:xfrm>
           <a:prstGeom prst="rect">
             <a:avLst/>
@@ -3455,7 +2456,7 @@
       </p:sp>
       <p:sp>
         <p:nvSpPr>
-          <p:cNvPr id="31" name="Line 14"/>
+          <p:cNvPr id="25" name="Line 14"/>
           <p:cNvSpPr/>
           <p:nvPr/>
         </p:nvSpPr>
@@ -3477,14 +2478,14 @@
       </p:sp>
       <p:sp>
         <p:nvSpPr>
-          <p:cNvPr id="32" name="CustomShape 15"/>
+          <p:cNvPr id="26" name="CustomShape 15"/>
           <p:cNvSpPr/>
           <p:nvPr/>
         </p:nvSpPr>
         <p:spPr>
           <a:xfrm>
             <a:off x="5558760" y="1734480"/>
-            <a:ext cx="1732320" cy="779400"/>
+            <a:ext cx="1731960" cy="779040"/>
           </a:xfrm>
           <a:prstGeom prst="rect">
             <a:avLst/>
@@ -3539,7 +2540,7 @@
       </p:sp>
       <p:sp>
         <p:nvSpPr>
-          <p:cNvPr id="33" name="Line 16"/>
+          <p:cNvPr id="27" name="Line 16"/>
           <p:cNvSpPr/>
           <p:nvPr/>
         </p:nvSpPr>
@@ -3561,14 +2562,14 @@
       </p:sp>
       <p:sp>
         <p:nvSpPr>
-          <p:cNvPr id="34" name="CustomShape 17"/>
+          <p:cNvPr id="28" name="CustomShape 17"/>
           <p:cNvSpPr/>
           <p:nvPr/>
         </p:nvSpPr>
         <p:spPr>
           <a:xfrm>
             <a:off x="5486400" y="591480"/>
-            <a:ext cx="1743480" cy="779400"/>
+            <a:ext cx="1743120" cy="779040"/>
           </a:xfrm>
           <a:prstGeom prst="rect">
             <a:avLst/>
@@ -3623,7 +2624,7 @@
       </p:sp>
       <p:sp>
         <p:nvSpPr>
-          <p:cNvPr id="35" name="Line 18"/>
+          <p:cNvPr id="29" name="Line 18"/>
           <p:cNvSpPr/>
           <p:nvPr/>
         </p:nvSpPr>
@@ -3645,14 +2646,14 @@
       </p:sp>
       <p:sp>
         <p:nvSpPr>
-          <p:cNvPr id="36" name="CustomShape 19"/>
+          <p:cNvPr id="30" name="CustomShape 19"/>
           <p:cNvSpPr/>
           <p:nvPr/>
         </p:nvSpPr>
         <p:spPr>
           <a:xfrm>
             <a:off x="5911920" y="3594960"/>
-            <a:ext cx="1857960" cy="779400"/>
+            <a:ext cx="1857600" cy="779040"/>
           </a:xfrm>
           <a:prstGeom prst="rect">
             <a:avLst/>
@@ -3707,7 +2708,7 @@
       </p:sp>
       <p:sp>
         <p:nvSpPr>
-          <p:cNvPr id="37" name="Line 20"/>
+          <p:cNvPr id="31" name="Line 20"/>
           <p:cNvSpPr/>
           <p:nvPr/>
         </p:nvSpPr>
@@ -3729,14 +2730,14 @@
       </p:sp>
       <p:sp>
         <p:nvSpPr>
-          <p:cNvPr id="38" name="CustomShape 21"/>
+          <p:cNvPr id="32" name="CustomShape 21"/>
           <p:cNvSpPr/>
           <p:nvPr/>
         </p:nvSpPr>
         <p:spPr>
           <a:xfrm>
             <a:off x="1246320" y="2456640"/>
-            <a:ext cx="1543680" cy="779400"/>
+            <a:ext cx="1543320" cy="779040"/>
           </a:xfrm>
           <a:prstGeom prst="rect">
             <a:avLst/>
@@ -3791,7 +2792,7 @@
       </p:sp>
       <p:sp>
         <p:nvSpPr>
-          <p:cNvPr id="39" name="Line 22"/>
+          <p:cNvPr id="33" name="Line 22"/>
           <p:cNvSpPr/>
           <p:nvPr/>
         </p:nvSpPr>
@@ -3813,14 +2814,14 @@
       </p:sp>
       <p:sp>
         <p:nvSpPr>
-          <p:cNvPr id="40" name="CustomShape 23"/>
+          <p:cNvPr id="34" name="CustomShape 23"/>
           <p:cNvSpPr/>
           <p:nvPr/>
         </p:nvSpPr>
         <p:spPr>
           <a:xfrm>
             <a:off x="1247760" y="3594960"/>
-            <a:ext cx="1543680" cy="779400"/>
+            <a:ext cx="1543320" cy="779040"/>
           </a:xfrm>
           <a:prstGeom prst="rect">
             <a:avLst/>
@@ -3875,7 +2876,7 @@
       </p:sp>
       <p:sp>
         <p:nvSpPr>
-          <p:cNvPr id="41" name="Line 24"/>
+          <p:cNvPr id="35" name="Line 24"/>
           <p:cNvSpPr/>
           <p:nvPr/>
         </p:nvSpPr>
@@ -3897,14 +2898,14 @@
       </p:sp>
       <p:sp>
         <p:nvSpPr>
-          <p:cNvPr id="42" name="CustomShape 25"/>
+          <p:cNvPr id="36" name="CustomShape 25"/>
           <p:cNvSpPr/>
           <p:nvPr/>
         </p:nvSpPr>
         <p:spPr>
           <a:xfrm>
             <a:off x="1247760" y="4731480"/>
-            <a:ext cx="1543680" cy="779400"/>
+            <a:ext cx="1543320" cy="779040"/>
           </a:xfrm>
           <a:prstGeom prst="rect">
             <a:avLst/>
@@ -3959,7 +2960,7 @@
       </p:sp>
       <p:sp>
         <p:nvSpPr>
-          <p:cNvPr id="43" name="Line 26"/>
+          <p:cNvPr id="37" name="Line 26"/>
           <p:cNvSpPr/>
           <p:nvPr/>
         </p:nvSpPr>
@@ -3981,7 +2982,7 @@
       </p:sp>
       <p:sp>
         <p:nvSpPr>
-          <p:cNvPr id="44" name="Line 27"/>
+          <p:cNvPr id="38" name="Line 27"/>
           <p:cNvSpPr/>
           <p:nvPr/>
         </p:nvSpPr>
@@ -4004,7 +3005,7 @@
       </p:sp>
       <p:sp>
         <p:nvSpPr>
-          <p:cNvPr id="45" name="Line 28"/>
+          <p:cNvPr id="39" name="Line 28"/>
           <p:cNvSpPr/>
           <p:nvPr/>
         </p:nvSpPr>
@@ -4027,7 +3028,7 @@
       </p:sp>
       <p:sp>
         <p:nvSpPr>
-          <p:cNvPr id="46" name="Line 29"/>
+          <p:cNvPr id="40" name="Line 29"/>
           <p:cNvSpPr/>
           <p:nvPr/>
         </p:nvSpPr>
@@ -4050,7 +3051,7 @@
       </p:sp>
       <p:sp>
         <p:nvSpPr>
-          <p:cNvPr id="47" name="Line 30"/>
+          <p:cNvPr id="41" name="Line 30"/>
           <p:cNvSpPr/>
           <p:nvPr/>
         </p:nvSpPr>
@@ -4073,7 +3074,7 @@
       </p:sp>
       <p:sp>
         <p:nvSpPr>
-          <p:cNvPr id="48" name="Line 31"/>
+          <p:cNvPr id="42" name="Line 31"/>
           <p:cNvSpPr/>
           <p:nvPr/>
         </p:nvSpPr>
@@ -4096,7 +3097,7 @@
       </p:sp>
       <p:sp>
         <p:nvSpPr>
-          <p:cNvPr id="49" name="Line 32"/>
+          <p:cNvPr id="43" name="Line 32"/>
           <p:cNvSpPr/>
           <p:nvPr/>
         </p:nvSpPr>
@@ -4119,14 +3120,14 @@
       </p:sp>
       <p:cxnSp>
         <p:nvCxnSpPr>
-          <p:cNvPr id="50" name="Line 33"/>
+          <p:cNvPr id="44" name="Line 33"/>
           <p:cNvCxnSpPr/>
           <p:nvPr/>
         </p:nvCxnSpPr>
         <p:spPr>
           <a:xfrm>
             <a:off x="2792160" y="3984840"/>
-            <a:ext cx="771480" cy="198000"/>
+            <a:ext cx="771840" cy="198360"/>
           </a:xfrm>
           <a:prstGeom prst="bentConnector3">
             <a:avLst/>
@@ -4142,14 +3143,14 @@
       </p:cxnSp>
       <p:cxnSp>
         <p:nvCxnSpPr>
-          <p:cNvPr id="51" name="Line 34"/>
+          <p:cNvPr id="45" name="Line 34"/>
           <p:cNvCxnSpPr/>
           <p:nvPr/>
         </p:nvCxnSpPr>
         <p:spPr>
           <a:xfrm flipH="1">
             <a:off x="2790720" y="2124360"/>
-            <a:ext cx="2769120" cy="723240"/>
+            <a:ext cx="2769480" cy="723600"/>
           </a:xfrm>
           <a:prstGeom prst="curvedConnector3">
             <a:avLst/>
@@ -4165,7 +3166,7 @@
       </p:cxnSp>
       <p:sp>
         <p:nvSpPr>
-          <p:cNvPr id="52" name="Line 35"/>
+          <p:cNvPr id="46" name="Line 35"/>
           <p:cNvSpPr/>
           <p:nvPr/>
         </p:nvSpPr>
@@ -4188,14 +3189,14 @@
       </p:sp>
       <p:cxnSp>
         <p:nvCxnSpPr>
-          <p:cNvPr id="53" name="Line 36"/>
+          <p:cNvPr id="47" name="Line 36"/>
           <p:cNvCxnSpPr/>
           <p:nvPr/>
         </p:nvCxnSpPr>
         <p:spPr>
           <a:xfrm flipH="1">
             <a:off x="4800600" y="2124360"/>
-            <a:ext cx="759240" cy="2058480"/>
+            <a:ext cx="759600" cy="2058840"/>
           </a:xfrm>
           <a:prstGeom prst="curvedConnector3">
             <a:avLst/>
@@ -4211,14 +3212,14 @@
       </p:cxnSp>
       <p:cxnSp>
         <p:nvCxnSpPr>
-          <p:cNvPr id="54" name="Line 37"/>
+          <p:cNvPr id="48" name="Line 37"/>
           <p:cNvCxnSpPr/>
           <p:nvPr/>
         </p:nvCxnSpPr>
         <p:spPr>
           <a:xfrm flipH="1">
             <a:off x="4862160" y="981360"/>
-            <a:ext cx="625320" cy="2058480"/>
+            <a:ext cx="625680" cy="2058840"/>
           </a:xfrm>
           <a:prstGeom prst="curvedConnector3">
             <a:avLst/>
@@ -4285,14 +3286,14 @@
       </p:grpSpPr>
       <p:sp>
         <p:nvSpPr>
-          <p:cNvPr id="55" name="CustomShape 1"/>
+          <p:cNvPr id="49" name="CustomShape 1"/>
           <p:cNvSpPr/>
           <p:nvPr/>
         </p:nvSpPr>
         <p:spPr>
           <a:xfrm>
             <a:off x="2211480" y="6400800"/>
-            <a:ext cx="3769200" cy="343440"/>
+            <a:ext cx="3768840" cy="343080"/>
           </a:xfrm>
           <a:prstGeom prst="rect">
             <a:avLst/>
@@ -4316,14 +3317,14 @@
       </p:sp>
       <p:sp>
         <p:nvSpPr>
-          <p:cNvPr id="56" name="CustomShape 2"/>
+          <p:cNvPr id="50" name="CustomShape 2"/>
           <p:cNvSpPr/>
           <p:nvPr/>
         </p:nvSpPr>
         <p:spPr>
           <a:xfrm>
             <a:off x="4038480" y="6424560"/>
-            <a:ext cx="2894400" cy="354600"/>
+            <a:ext cx="2894040" cy="354240"/>
           </a:xfrm>
           <a:prstGeom prst="rect">
             <a:avLst/>
@@ -4348,78 +3349,78 @@
       </p:sp>
       <p:sp>
         <p:nvSpPr>
-          <p:cNvPr id="57" name="CustomShape 3"/>
+          <p:cNvPr id="51" name="CustomShape 3"/>
           <p:cNvSpPr/>
           <p:nvPr/>
         </p:nvSpPr>
         <p:spPr>
           <a:xfrm>
             <a:off x="2013120" y="4091760"/>
-            <a:ext cx="776880" cy="315000"/>
-          </a:xfrm>
-          <a:prstGeom prst="rect">
-            <a:avLst/>
-          </a:prstGeom>
-        </p:spPr>
-      </p:sp>
-      <p:sp>
-        <p:nvSpPr>
-          <p:cNvPr id="58" name="CustomShape 4"/>
+            <a:ext cx="776520" cy="314640"/>
+          </a:xfrm>
+          <a:prstGeom prst="rect">
+            <a:avLst/>
+          </a:prstGeom>
+        </p:spPr>
+      </p:sp>
+      <p:sp>
+        <p:nvSpPr>
+          <p:cNvPr id="52" name="CustomShape 4"/>
           <p:cNvSpPr/>
           <p:nvPr/>
         </p:nvSpPr>
         <p:spPr>
           <a:xfrm>
             <a:off x="3643560" y="4007520"/>
-            <a:ext cx="776880" cy="315000"/>
-          </a:xfrm>
-          <a:prstGeom prst="rect">
-            <a:avLst/>
-          </a:prstGeom>
-        </p:spPr>
-      </p:sp>
-      <p:sp>
-        <p:nvSpPr>
-          <p:cNvPr id="59" name="CustomShape 5"/>
+            <a:ext cx="776520" cy="314640"/>
+          </a:xfrm>
+          <a:prstGeom prst="rect">
+            <a:avLst/>
+          </a:prstGeom>
+        </p:spPr>
+      </p:sp>
+      <p:sp>
+        <p:nvSpPr>
+          <p:cNvPr id="53" name="CustomShape 5"/>
           <p:cNvSpPr/>
           <p:nvPr/>
         </p:nvSpPr>
         <p:spPr>
           <a:xfrm>
             <a:off x="4908600" y="2245680"/>
-            <a:ext cx="403560" cy="315000"/>
-          </a:xfrm>
-          <a:prstGeom prst="rect">
-            <a:avLst/>
-          </a:prstGeom>
-        </p:spPr>
-      </p:sp>
-      <p:sp>
-        <p:nvSpPr>
-          <p:cNvPr id="60" name="CustomShape 6"/>
+            <a:ext cx="403200" cy="314640"/>
+          </a:xfrm>
+          <a:prstGeom prst="rect">
+            <a:avLst/>
+          </a:prstGeom>
+        </p:spPr>
+      </p:sp>
+      <p:sp>
+        <p:nvSpPr>
+          <p:cNvPr id="54" name="CustomShape 6"/>
           <p:cNvSpPr/>
           <p:nvPr/>
         </p:nvSpPr>
         <p:spPr>
           <a:xfrm>
             <a:off x="2001960" y="2466360"/>
-            <a:ext cx="776880" cy="315000"/>
-          </a:xfrm>
-          <a:prstGeom prst="rect">
-            <a:avLst/>
-          </a:prstGeom>
-        </p:spPr>
-      </p:sp>
-      <p:sp>
-        <p:nvSpPr>
-          <p:cNvPr id="61" name="CustomShape 7"/>
+            <a:ext cx="776520" cy="314640"/>
+          </a:xfrm>
+          <a:prstGeom prst="rect">
+            <a:avLst/>
+          </a:prstGeom>
+        </p:spPr>
+      </p:sp>
+      <p:sp>
+        <p:nvSpPr>
+          <p:cNvPr id="55" name="CustomShape 7"/>
           <p:cNvSpPr/>
           <p:nvPr/>
         </p:nvSpPr>
         <p:spPr>
           <a:xfrm>
             <a:off x="5913720" y="4733280"/>
-            <a:ext cx="1857960" cy="779400"/>
+            <a:ext cx="1857600" cy="779040"/>
           </a:xfrm>
           <a:prstGeom prst="rect">
             <a:avLst/>
@@ -4474,7 +3475,7 @@
       </p:sp>
       <p:sp>
         <p:nvSpPr>
-          <p:cNvPr id="62" name="Line 8"/>
+          <p:cNvPr id="56" name="Line 8"/>
           <p:cNvSpPr/>
           <p:nvPr/>
         </p:nvSpPr>
@@ -4496,14 +3497,14 @@
       </p:sp>
       <p:sp>
         <p:nvSpPr>
-          <p:cNvPr id="63" name="CustomShape 9"/>
+          <p:cNvPr id="57" name="CustomShape 9"/>
           <p:cNvSpPr/>
           <p:nvPr/>
         </p:nvSpPr>
         <p:spPr>
           <a:xfrm>
             <a:off x="3625920" y="4947480"/>
-            <a:ext cx="1270440" cy="779400"/>
+            <a:ext cx="1270080" cy="779040"/>
           </a:xfrm>
           <a:prstGeom prst="rect">
             <a:avLst/>
@@ -4558,7 +3559,7 @@
       </p:sp>
       <p:sp>
         <p:nvSpPr>
-          <p:cNvPr id="64" name="Line 10"/>
+          <p:cNvPr id="58" name="Line 10"/>
           <p:cNvSpPr/>
           <p:nvPr/>
         </p:nvSpPr>
@@ -4580,14 +3581,14 @@
       </p:sp>
       <p:sp>
         <p:nvSpPr>
-          <p:cNvPr id="65" name="CustomShape 11"/>
+          <p:cNvPr id="59" name="CustomShape 11"/>
           <p:cNvSpPr/>
           <p:nvPr/>
         </p:nvSpPr>
         <p:spPr>
           <a:xfrm>
             <a:off x="3562560" y="3791880"/>
-            <a:ext cx="1237320" cy="779400"/>
+            <a:ext cx="1236960" cy="779040"/>
           </a:xfrm>
           <a:prstGeom prst="rect">
             <a:avLst/>
@@ -4642,7 +3643,7 @@
       </p:sp>
       <p:sp>
         <p:nvSpPr>
-          <p:cNvPr id="66" name="Line 12"/>
+          <p:cNvPr id="60" name="Line 12"/>
           <p:cNvSpPr/>
           <p:nvPr/>
         </p:nvSpPr>
@@ -4664,14 +3665,14 @@
       </p:sp>
       <p:sp>
         <p:nvSpPr>
-          <p:cNvPr id="67" name="CustomShape 13"/>
+          <p:cNvPr id="61" name="CustomShape 13"/>
           <p:cNvSpPr/>
           <p:nvPr/>
         </p:nvSpPr>
         <p:spPr>
           <a:xfrm>
             <a:off x="3657600" y="2648880"/>
-            <a:ext cx="1203840" cy="779400"/>
+            <a:ext cx="1203480" cy="779040"/>
           </a:xfrm>
           <a:prstGeom prst="rect">
             <a:avLst/>
@@ -4726,7 +3727,7 @@
       </p:sp>
       <p:sp>
         <p:nvSpPr>
-          <p:cNvPr id="68" name="Line 14"/>
+          <p:cNvPr id="62" name="Line 14"/>
           <p:cNvSpPr/>
           <p:nvPr/>
         </p:nvSpPr>
@@ -4748,14 +3749,14 @@
       </p:sp>
       <p:sp>
         <p:nvSpPr>
-          <p:cNvPr id="69" name="CustomShape 15"/>
+          <p:cNvPr id="63" name="CustomShape 15"/>
           <p:cNvSpPr/>
           <p:nvPr/>
         </p:nvSpPr>
         <p:spPr>
           <a:xfrm>
             <a:off x="5558760" y="1734480"/>
-            <a:ext cx="1732320" cy="779400"/>
+            <a:ext cx="1731960" cy="779040"/>
           </a:xfrm>
           <a:prstGeom prst="rect">
             <a:avLst/>
@@ -4810,7 +3811,7 @@
       </p:sp>
       <p:sp>
         <p:nvSpPr>
-          <p:cNvPr id="70" name="Line 16"/>
+          <p:cNvPr id="64" name="Line 16"/>
           <p:cNvSpPr/>
           <p:nvPr/>
         </p:nvSpPr>
@@ -4832,14 +3833,14 @@
       </p:sp>
       <p:sp>
         <p:nvSpPr>
-          <p:cNvPr id="71" name="CustomShape 17"/>
+          <p:cNvPr id="65" name="CustomShape 17"/>
           <p:cNvSpPr/>
           <p:nvPr/>
         </p:nvSpPr>
         <p:spPr>
           <a:xfrm>
             <a:off x="5486400" y="591480"/>
-            <a:ext cx="1743480" cy="779400"/>
+            <a:ext cx="1743120" cy="779040"/>
           </a:xfrm>
           <a:prstGeom prst="rect">
             <a:avLst/>
@@ -4894,7 +3895,7 @@
       </p:sp>
       <p:sp>
         <p:nvSpPr>
-          <p:cNvPr id="72" name="Line 18"/>
+          <p:cNvPr id="66" name="Line 18"/>
           <p:cNvSpPr/>
           <p:nvPr/>
         </p:nvSpPr>
@@ -4916,14 +3917,14 @@
       </p:sp>
       <p:sp>
         <p:nvSpPr>
-          <p:cNvPr id="73" name="CustomShape 19"/>
+          <p:cNvPr id="67" name="CustomShape 19"/>
           <p:cNvSpPr/>
           <p:nvPr/>
         </p:nvSpPr>
         <p:spPr>
           <a:xfrm>
             <a:off x="5911920" y="3594960"/>
-            <a:ext cx="1857960" cy="779400"/>
+            <a:ext cx="1857600" cy="779040"/>
           </a:xfrm>
           <a:prstGeom prst="rect">
             <a:avLst/>
@@ -4978,7 +3979,7 @@
       </p:sp>
       <p:sp>
         <p:nvSpPr>
-          <p:cNvPr id="74" name="Line 20"/>
+          <p:cNvPr id="68" name="Line 20"/>
           <p:cNvSpPr/>
           <p:nvPr/>
         </p:nvSpPr>
@@ -5000,14 +4001,14 @@
       </p:sp>
       <p:sp>
         <p:nvSpPr>
-          <p:cNvPr id="75" name="CustomShape 21"/>
+          <p:cNvPr id="69" name="CustomShape 21"/>
           <p:cNvSpPr/>
           <p:nvPr/>
         </p:nvSpPr>
         <p:spPr>
           <a:xfrm>
             <a:off x="1246320" y="2456640"/>
-            <a:ext cx="1543680" cy="779400"/>
+            <a:ext cx="1543320" cy="779040"/>
           </a:xfrm>
           <a:prstGeom prst="rect">
             <a:avLst/>
@@ -5062,7 +4063,7 @@
       </p:sp>
       <p:sp>
         <p:nvSpPr>
-          <p:cNvPr id="76" name="Line 22"/>
+          <p:cNvPr id="70" name="Line 22"/>
           <p:cNvSpPr/>
           <p:nvPr/>
         </p:nvSpPr>
@@ -5084,14 +4085,14 @@
       </p:sp>
       <p:sp>
         <p:nvSpPr>
-          <p:cNvPr id="77" name="CustomShape 23"/>
+          <p:cNvPr id="71" name="CustomShape 23"/>
           <p:cNvSpPr/>
           <p:nvPr/>
         </p:nvSpPr>
         <p:spPr>
           <a:xfrm>
             <a:off x="1247760" y="3594960"/>
-            <a:ext cx="1543680" cy="779400"/>
+            <a:ext cx="1543320" cy="779040"/>
           </a:xfrm>
           <a:prstGeom prst="rect">
             <a:avLst/>
@@ -5146,7 +4147,7 @@
       </p:sp>
       <p:sp>
         <p:nvSpPr>
-          <p:cNvPr id="78" name="Line 24"/>
+          <p:cNvPr id="72" name="Line 24"/>
           <p:cNvSpPr/>
           <p:nvPr/>
         </p:nvSpPr>
@@ -5168,14 +4169,14 @@
       </p:sp>
       <p:sp>
         <p:nvSpPr>
-          <p:cNvPr id="79" name="CustomShape 25"/>
+          <p:cNvPr id="73" name="CustomShape 25"/>
           <p:cNvSpPr/>
           <p:nvPr/>
         </p:nvSpPr>
         <p:spPr>
           <a:xfrm>
             <a:off x="1247760" y="4731480"/>
-            <a:ext cx="1543680" cy="779400"/>
+            <a:ext cx="1543320" cy="779040"/>
           </a:xfrm>
           <a:prstGeom prst="rect">
             <a:avLst/>
@@ -5230,7 +4231,7 @@
       </p:sp>
       <p:sp>
         <p:nvSpPr>
-          <p:cNvPr id="80" name="Line 26"/>
+          <p:cNvPr id="74" name="Line 26"/>
           <p:cNvSpPr/>
           <p:nvPr/>
         </p:nvSpPr>
@@ -5252,7 +4253,7 @@
       </p:sp>
       <p:sp>
         <p:nvSpPr>
-          <p:cNvPr id="81" name="Line 27"/>
+          <p:cNvPr id="75" name="Line 27"/>
           <p:cNvSpPr/>
           <p:nvPr/>
         </p:nvSpPr>
@@ -5275,7 +4276,7 @@
       </p:sp>
       <p:sp>
         <p:nvSpPr>
-          <p:cNvPr id="82" name="Line 28"/>
+          <p:cNvPr id="76" name="Line 28"/>
           <p:cNvSpPr/>
           <p:nvPr/>
         </p:nvSpPr>
@@ -5298,7 +4299,7 @@
       </p:sp>
       <p:sp>
         <p:nvSpPr>
-          <p:cNvPr id="83" name="Line 29"/>
+          <p:cNvPr id="77" name="Line 29"/>
           <p:cNvSpPr/>
           <p:nvPr/>
         </p:nvSpPr>
@@ -5321,7 +4322,7 @@
       </p:sp>
       <p:sp>
         <p:nvSpPr>
-          <p:cNvPr id="84" name="Line 30"/>
+          <p:cNvPr id="78" name="Line 30"/>
           <p:cNvSpPr/>
           <p:nvPr/>
         </p:nvSpPr>
@@ -5344,7 +4345,7 @@
       </p:sp>
       <p:sp>
         <p:nvSpPr>
-          <p:cNvPr id="85" name="Line 31"/>
+          <p:cNvPr id="79" name="Line 31"/>
           <p:cNvSpPr/>
           <p:nvPr/>
         </p:nvSpPr>
@@ -5367,7 +4368,7 @@
       </p:sp>
       <p:sp>
         <p:nvSpPr>
-          <p:cNvPr id="86" name="Line 32"/>
+          <p:cNvPr id="80" name="Line 32"/>
           <p:cNvSpPr/>
           <p:nvPr/>
         </p:nvSpPr>
@@ -5390,14 +4391,14 @@
       </p:sp>
       <p:cxnSp>
         <p:nvCxnSpPr>
-          <p:cNvPr id="87" name="Line 33"/>
+          <p:cNvPr id="81" name="Line 33"/>
           <p:cNvCxnSpPr/>
           <p:nvPr/>
         </p:nvCxnSpPr>
         <p:spPr>
           <a:xfrm>
             <a:off x="2792160" y="3984840"/>
-            <a:ext cx="771480" cy="198000"/>
+            <a:ext cx="771840" cy="198360"/>
           </a:xfrm>
           <a:prstGeom prst="bentConnector3">
             <a:avLst/>
@@ -5413,14 +4414,14 @@
       </p:cxnSp>
       <p:cxnSp>
         <p:nvCxnSpPr>
-          <p:cNvPr id="88" name="Line 34"/>
+          <p:cNvPr id="82" name="Line 34"/>
           <p:cNvCxnSpPr/>
           <p:nvPr/>
         </p:nvCxnSpPr>
         <p:spPr>
           <a:xfrm flipH="1">
             <a:off x="2790720" y="2124360"/>
-            <a:ext cx="2769120" cy="723240"/>
+            <a:ext cx="2769480" cy="723600"/>
           </a:xfrm>
           <a:prstGeom prst="curvedConnector3">
             <a:avLst/>
@@ -5436,7 +4437,7 @@
       </p:cxnSp>
       <p:sp>
         <p:nvSpPr>
-          <p:cNvPr id="89" name="Line 35"/>
+          <p:cNvPr id="83" name="Line 35"/>
           <p:cNvSpPr/>
           <p:nvPr/>
         </p:nvSpPr>
@@ -5459,14 +4460,14 @@
       </p:sp>
       <p:cxnSp>
         <p:nvCxnSpPr>
-          <p:cNvPr id="90" name="Line 36"/>
+          <p:cNvPr id="84" name="Line 36"/>
           <p:cNvCxnSpPr/>
           <p:nvPr/>
         </p:nvCxnSpPr>
         <p:spPr>
           <a:xfrm flipH="1">
             <a:off x="4800600" y="2124360"/>
-            <a:ext cx="759240" cy="2058480"/>
+            <a:ext cx="759600" cy="2058840"/>
           </a:xfrm>
           <a:prstGeom prst="curvedConnector3">
             <a:avLst/>
@@ -5482,14 +4483,14 @@
       </p:cxnSp>
       <p:cxnSp>
         <p:nvCxnSpPr>
-          <p:cNvPr id="91" name="Line 37"/>
+          <p:cNvPr id="85" name="Line 37"/>
           <p:cNvCxnSpPr/>
           <p:nvPr/>
         </p:nvCxnSpPr>
         <p:spPr>
           <a:xfrm flipH="1">
             <a:off x="4862160" y="981360"/>
-            <a:ext cx="625320" cy="2058480"/>
+            <a:ext cx="625680" cy="2058840"/>
           </a:xfrm>
           <a:prstGeom prst="curvedConnector3">
             <a:avLst/>
@@ -5505,7 +4506,7 @@
       </p:cxnSp>
       <p:pic>
         <p:nvPicPr>
-          <p:cNvPr descr="" id="92" name="Picture 2"/>
+          <p:cNvPr descr="" id="86" name="Picture 2"/>
           <p:cNvPicPr/>
           <p:nvPr/>
         </p:nvPicPr>
@@ -5518,7 +4519,7 @@
         <p:spPr>
           <a:xfrm>
             <a:off x="556920" y="505800"/>
-            <a:ext cx="775080" cy="997200"/>
+            <a:ext cx="774720" cy="996840"/>
           </a:xfrm>
           <a:prstGeom prst="rect">
             <a:avLst/>
@@ -5527,14 +4528,14 @@
       </p:pic>
       <p:sp>
         <p:nvSpPr>
-          <p:cNvPr id="93" name="CustomShape 38"/>
+          <p:cNvPr id="87" name="CustomShape 38"/>
           <p:cNvSpPr/>
           <p:nvPr/>
         </p:nvSpPr>
         <p:spPr>
           <a:xfrm>
             <a:off x="1333080" y="609480"/>
-            <a:ext cx="2266560" cy="779400"/>
+            <a:ext cx="2266200" cy="779040"/>
           </a:xfrm>
           <a:prstGeom prst="rect">
             <a:avLst/>
@@ -5589,7 +4590,7 @@
       </p:sp>
       <p:sp>
         <p:nvSpPr>
-          <p:cNvPr id="94" name="Line 39"/>
+          <p:cNvPr id="88" name="Line 39"/>
           <p:cNvSpPr/>
           <p:nvPr/>
         </p:nvSpPr>
@@ -5611,14 +4612,14 @@
       </p:sp>
       <p:cxnSp>
         <p:nvCxnSpPr>
-          <p:cNvPr id="95" name="Line 40"/>
+          <p:cNvPr id="89" name="Line 40"/>
           <p:cNvCxnSpPr/>
           <p:nvPr/>
         </p:nvCxnSpPr>
         <p:spPr>
           <a:xfrm flipV="1">
             <a:off x="3600360" y="981360"/>
-            <a:ext cx="1887120" cy="19080"/>
+            <a:ext cx="1887480" cy="19440"/>
           </a:xfrm>
           <a:prstGeom prst="curvedConnector3">
             <a:avLst/>
@@ -5634,14 +4635,14 @@
       </p:cxnSp>
       <p:cxnSp>
         <p:nvCxnSpPr>
-          <p:cNvPr id="96" name="Line 41"/>
+          <p:cNvPr id="90" name="Line 41"/>
           <p:cNvCxnSpPr/>
           <p:nvPr/>
         </p:nvCxnSpPr>
         <p:spPr>
           <a:xfrm flipH="1">
             <a:off x="1904760" y="1389600"/>
-            <a:ext cx="563040" cy="992880"/>
+            <a:ext cx="563400" cy="993240"/>
           </a:xfrm>
           <a:prstGeom prst="curvedConnector3">
             <a:avLst/>
@@ -5657,14 +4658,14 @@
       </p:cxnSp>
       <p:cxnSp>
         <p:nvCxnSpPr>
-          <p:cNvPr id="97" name="Line 42"/>
+          <p:cNvPr id="91" name="Line 42"/>
           <p:cNvCxnSpPr/>
           <p:nvPr/>
         </p:nvCxnSpPr>
         <p:spPr>
           <a:xfrm>
             <a:off x="2467080" y="1427400"/>
-            <a:ext cx="1793880" cy="1222560"/>
+            <a:ext cx="1794240" cy="1222920"/>
           </a:xfrm>
           <a:prstGeom prst="curvedConnector3">
             <a:avLst/>
@@ -5731,14 +4732,14 @@
       </p:grpSpPr>
       <p:sp>
         <p:nvSpPr>
-          <p:cNvPr id="98" name="CustomShape 1"/>
+          <p:cNvPr id="92" name="CustomShape 1"/>
           <p:cNvSpPr/>
           <p:nvPr/>
         </p:nvSpPr>
         <p:spPr>
           <a:xfrm>
             <a:off x="513720" y="1131120"/>
-            <a:ext cx="8228520" cy="1141920"/>
+            <a:ext cx="8228160" cy="1141560"/>
           </a:xfrm>
           <a:prstGeom prst="rect">
             <a:avLst/>
@@ -5763,14 +4764,14 @@
       </p:sp>
       <p:sp>
         <p:nvSpPr>
-          <p:cNvPr id="99" name="CustomShape 2"/>
+          <p:cNvPr id="93" name="CustomShape 2"/>
           <p:cNvSpPr/>
           <p:nvPr/>
         </p:nvSpPr>
         <p:spPr>
           <a:xfrm>
             <a:off x="457200" y="2567520"/>
-            <a:ext cx="8228520" cy="2513520"/>
+            <a:ext cx="8228160" cy="2513160"/>
           </a:xfrm>
           <a:prstGeom prst="rect">
             <a:avLst/>
@@ -5785,7 +4786,7 @@
               </a:lnSpc>
               <a:buSzPct val="45000"/>
               <a:buFont typeface="StarSymbol"/>
-              <a:buChar char=""/>
+              <a:buChar char="l"/>
             </a:pPr>
             <a:r>
               <a:rPr lang="en-US" sz="2400">
@@ -5820,7 +4821,7 @@
               </a:lnSpc>
               <a:buSzPct val="45000"/>
               <a:buFont typeface="StarSymbol"/>
-              <a:buChar char=""/>
+              <a:buChar char="l"/>
             </a:pPr>
             <a:r>
               <a:rPr lang="en-US" sz="2400">
@@ -5843,7 +4844,7 @@
               </a:lnSpc>
               <a:buSzPct val="45000"/>
               <a:buFont typeface="StarSymbol"/>
-              <a:buChar char=""/>
+              <a:buChar char="l"/>
             </a:pPr>
             <a:r>
               <a:rPr lang="en-US" sz="2400">
@@ -5866,7 +4867,7 @@
               </a:lnSpc>
               <a:buSzPct val="45000"/>
               <a:buFont typeface="StarSymbol"/>
-              <a:buChar char=""/>
+              <a:buChar char="l"/>
             </a:pPr>
             <a:r>
               <a:rPr lang="en-US" sz="2400">
@@ -5931,14 +4932,14 @@
       </p:grpSpPr>
       <p:sp>
         <p:nvSpPr>
-          <p:cNvPr id="100" name="CustomShape 1"/>
+          <p:cNvPr id="94" name="CustomShape 1"/>
           <p:cNvSpPr/>
           <p:nvPr/>
         </p:nvSpPr>
         <p:spPr>
           <a:xfrm>
             <a:off x="513720" y="1131120"/>
-            <a:ext cx="8228520" cy="1141920"/>
+            <a:ext cx="8228160" cy="1141560"/>
           </a:xfrm>
           <a:prstGeom prst="rect">
             <a:avLst/>
@@ -5963,14 +4964,14 @@
       </p:sp>
       <p:sp>
         <p:nvSpPr>
-          <p:cNvPr id="101" name="CustomShape 2"/>
+          <p:cNvPr id="95" name="CustomShape 2"/>
           <p:cNvSpPr/>
           <p:nvPr/>
         </p:nvSpPr>
         <p:spPr>
           <a:xfrm>
             <a:off x="457200" y="2639520"/>
-            <a:ext cx="8228520" cy="2513520"/>
+            <a:ext cx="8228160" cy="2513160"/>
           </a:xfrm>
           <a:prstGeom prst="rect">
             <a:avLst/>
@@ -5985,7 +4986,7 @@
               </a:lnSpc>
               <a:buSzPct val="45000"/>
               <a:buFont typeface="StarSymbol"/>
-              <a:buChar char=""/>
+              <a:buChar char="l"/>
             </a:pPr>
             <a:r>
               <a:rPr lang="en-US">
@@ -6002,7 +5003,7 @@
               </a:lnSpc>
               <a:buSzPct val="45000"/>
               <a:buFont typeface="StarSymbol"/>
-              <a:buChar char=""/>
+              <a:buChar char="l"/>
             </a:pPr>
             <a:r>
               <a:rPr lang="en-US">
@@ -6019,7 +5020,7 @@
               </a:lnSpc>
               <a:buSzPct val="45000"/>
               <a:buFont typeface="StarSymbol"/>
-              <a:buChar char=""/>
+              <a:buChar char="l"/>
             </a:pPr>
             <a:r>
               <a:rPr i="1" lang="en-US">
@@ -6036,7 +5037,7 @@
               </a:lnSpc>
               <a:buSzPct val="45000"/>
               <a:buFont typeface="StarSymbol"/>
-              <a:buChar char=""/>
+              <a:buChar char="l"/>
             </a:pPr>
             <a:r>
               <a:rPr i="1" lang="en-US">
@@ -6101,14 +5102,14 @@
       </p:grpSpPr>
       <p:sp>
         <p:nvSpPr>
-          <p:cNvPr id="102" name="CustomShape 1"/>
+          <p:cNvPr id="96" name="CustomShape 1"/>
           <p:cNvSpPr/>
           <p:nvPr/>
         </p:nvSpPr>
         <p:spPr>
           <a:xfrm>
             <a:off x="513720" y="1131120"/>
-            <a:ext cx="8228520" cy="1141920"/>
+            <a:ext cx="8228160" cy="1141560"/>
           </a:xfrm>
           <a:prstGeom prst="rect">
             <a:avLst/>
@@ -6133,14 +5134,14 @@
       </p:sp>
       <p:sp>
         <p:nvSpPr>
-          <p:cNvPr id="103" name="CustomShape 2"/>
+          <p:cNvPr id="97" name="CustomShape 2"/>
           <p:cNvSpPr/>
           <p:nvPr/>
         </p:nvSpPr>
         <p:spPr>
           <a:xfrm>
             <a:off x="457200" y="2675520"/>
-            <a:ext cx="8228520" cy="2513520"/>
+            <a:ext cx="8228160" cy="2513160"/>
           </a:xfrm>
           <a:prstGeom prst="rect">
             <a:avLst/>
@@ -6155,7 +5156,7 @@
               </a:lnSpc>
               <a:buSzPct val="45000"/>
               <a:buFont typeface="StarSymbol"/>
-              <a:buChar char=""/>
+              <a:buChar char="l"/>
             </a:pPr>
             <a:r>
               <a:rPr lang="en-US">
@@ -6190,7 +5191,7 @@
               </a:lnSpc>
               <a:buSzPct val="45000"/>
               <a:buFont typeface="StarSymbol"/>
-              <a:buChar char=""/>
+              <a:buChar char="l"/>
             </a:pPr>
             <a:r>
               <a:rPr lang="en-US" sz="2200">
@@ -6207,7 +5208,7 @@
               </a:lnSpc>
               <a:buSzPct val="45000"/>
               <a:buFont typeface="StarSymbol"/>
-              <a:buChar char=""/>
+              <a:buChar char="l"/>
             </a:pPr>
             <a:r>
               <a:rPr lang="en-US" sz="2200">
@@ -6272,14 +5273,14 @@
       </p:grpSpPr>
       <p:sp>
         <p:nvSpPr>
-          <p:cNvPr id="104" name="CustomShape 1"/>
+          <p:cNvPr id="98" name="CustomShape 1"/>
           <p:cNvSpPr/>
           <p:nvPr/>
         </p:nvSpPr>
         <p:spPr>
           <a:xfrm>
             <a:off x="685800" y="1143000"/>
-            <a:ext cx="8000280" cy="4799880"/>
+            <a:ext cx="7999920" cy="4799520"/>
           </a:xfrm>
           <a:prstGeom prst="rect">
             <a:avLst/>
@@ -6289,369 +5290,13 @@
           <a:bodyPr bIns="45000" lIns="90000" rIns="90000" tIns="45000"/>
           <a:p>
             <a:r>
-              <a:rPr b="1" lang="en-US" sz="1500">
-                <a:solidFill>
-                  <a:srgbClr val="7f0055"/>
-                </a:solidFill>
-                <a:latin typeface="Monospace"/>
+              <a:rPr lang="en-US" sz="1500">
+                <a:solidFill>
+                  <a:srgbClr val="000000"/>
+                </a:solidFill>
                 <a:ea typeface="Monospace"/>
               </a:rPr>
-              <a:t>import</a:t>
-            </a:r>
-            <a:r>
-              <a:rPr lang="en-US" sz="1500">
-                <a:solidFill>
-                  <a:srgbClr val="000000"/>
-                </a:solidFill>
-                <a:latin typeface="Monospace"/>
-                <a:ea typeface="Monospace"/>
-              </a:rPr>
-              <a:t> java.util.List;</a:t>
-            </a:r>
-            <a:endParaRPr/>
-          </a:p>
-          <a:p>
-            <a:endParaRPr/>
-          </a:p>
-          <a:p>
-            <a:r>
-              <a:rPr b="1" lang="en-US" sz="1500">
-                <a:solidFill>
-                  <a:srgbClr val="7f0055"/>
-                </a:solidFill>
-                <a:latin typeface="Monospace"/>
-                <a:ea typeface="Monospace"/>
-              </a:rPr>
-              <a:t>public</a:t>
-            </a:r>
-            <a:r>
-              <a:rPr lang="en-US" sz="1500">
-                <a:solidFill>
-                  <a:srgbClr val="000000"/>
-                </a:solidFill>
-                <a:latin typeface="Monospace"/>
-                <a:ea typeface="Monospace"/>
-              </a:rPr>
-              <a:t> </a:t>
-            </a:r>
-            <a:r>
-              <a:rPr b="1" lang="en-US" sz="1500">
-                <a:solidFill>
-                  <a:srgbClr val="7f0055"/>
-                </a:solidFill>
-                <a:latin typeface="Monospace"/>
-                <a:ea typeface="Monospace"/>
-              </a:rPr>
-              <a:t>class</a:t>
-            </a:r>
-            <a:r>
-              <a:rPr lang="en-US" sz="1500">
-                <a:solidFill>
-                  <a:srgbClr val="000000"/>
-                </a:solidFill>
-                <a:latin typeface="Monospace"/>
-                <a:ea typeface="Monospace"/>
-              </a:rPr>
-              <a:t> Emailer {</a:t>
-            </a:r>
-            <a:endParaRPr/>
-          </a:p>
-          <a:p>
-            <a:endParaRPr/>
-          </a:p>
-          <a:p>
-            <a:endParaRPr/>
-          </a:p>
-          <a:p>
-            <a:r>
-              <a:rPr b="1" lang="en-US" sz="1500">
-                <a:solidFill>
-                  <a:srgbClr val="7f0055"/>
-                </a:solidFill>
-                <a:latin typeface="Monospace"/>
-                <a:ea typeface="Monospace"/>
-              </a:rPr>
-              <a:t>  </a:t>
-            </a:r>
-            <a:r>
-              <a:rPr b="1" lang="en-US" sz="1500">
-                <a:solidFill>
-                  <a:srgbClr val="7f0055"/>
-                </a:solidFill>
-                <a:latin typeface="Monospace"/>
-                <a:ea typeface="Monospace"/>
-              </a:rPr>
-              <a:t>public</a:t>
-            </a:r>
-            <a:r>
-              <a:rPr lang="en-US" sz="1500">
-                <a:solidFill>
-                  <a:srgbClr val="000000"/>
-                </a:solidFill>
-                <a:latin typeface="Monospace"/>
-                <a:ea typeface="Monospace"/>
-              </a:rPr>
-              <a:t> </a:t>
-            </a:r>
-            <a:r>
-              <a:rPr b="1" lang="en-US" sz="1500">
-                <a:solidFill>
-                  <a:srgbClr val="7f0055"/>
-                </a:solidFill>
-                <a:latin typeface="Monospace"/>
-                <a:ea typeface="Monospace"/>
-              </a:rPr>
-              <a:t>boolean</a:t>
-            </a:r>
-            <a:r>
-              <a:rPr lang="en-US" sz="1500">
-                <a:solidFill>
-                  <a:srgbClr val="000000"/>
-                </a:solidFill>
-                <a:latin typeface="Monospace"/>
-                <a:ea typeface="Monospace"/>
-              </a:rPr>
-              <a:t> sendEmail(List&lt;Recipient&gt; recipients, </a:t>
-            </a:r>
-            <a:endParaRPr/>
-          </a:p>
-          <a:p>
-            <a:r>
-              <a:rPr lang="en-US" sz="1500">
-                <a:solidFill>
-                  <a:srgbClr val="000000"/>
-                </a:solidFill>
-                <a:latin typeface="Monospace"/>
-                <a:ea typeface="Monospace"/>
-              </a:rPr>
-              <a:t>                           </a:t>
-            </a:r>
-            <a:r>
-              <a:rPr lang="en-US" sz="1500">
-                <a:solidFill>
-                  <a:srgbClr val="000000"/>
-                </a:solidFill>
-                <a:latin typeface="Monospace"/>
-                <a:ea typeface="Monospace"/>
-              </a:rPr>
-              <a:t>String message) {</a:t>
-            </a:r>
-            <a:endParaRPr/>
-          </a:p>
-          <a:p>
-            <a:endParaRPr/>
-          </a:p>
-          <a:p>
-            <a:r>
-              <a:rPr b="1" lang="en-US" sz="1500">
-                <a:solidFill>
-                  <a:srgbClr val="7f0055"/>
-                </a:solidFill>
-                <a:latin typeface="Monospace"/>
-                <a:ea typeface="Monospace"/>
-              </a:rPr>
-              <a:t>    </a:t>
-            </a:r>
-            <a:r>
-              <a:rPr b="1" lang="en-US" sz="1500">
-                <a:solidFill>
-                  <a:srgbClr val="7f0055"/>
-                </a:solidFill>
-                <a:latin typeface="Monospace"/>
-                <a:ea typeface="Monospace"/>
-              </a:rPr>
-              <a:t>for</a:t>
-            </a:r>
-            <a:r>
-              <a:rPr lang="en-US" sz="1500">
-                <a:solidFill>
-                  <a:srgbClr val="000000"/>
-                </a:solidFill>
-                <a:latin typeface="Monospace"/>
-                <a:ea typeface="Monospace"/>
-              </a:rPr>
-              <a:t>(Recipient recipient : recipients){</a:t>
-            </a:r>
-            <a:endParaRPr/>
-          </a:p>
-          <a:p>
-            <a:r>
-              <a:rPr lang="en-US" sz="1500">
-                <a:solidFill>
-                  <a:srgbClr val="000000"/>
-                </a:solidFill>
-                <a:latin typeface="Monospace"/>
-                <a:ea typeface="Monospace"/>
-              </a:rPr>
-              <a:t>      </a:t>
-            </a:r>
-            <a:r>
-              <a:rPr lang="en-US" sz="1500">
-                <a:solidFill>
-                  <a:srgbClr val="000000"/>
-                </a:solidFill>
-                <a:latin typeface="Monospace"/>
-                <a:ea typeface="Monospace"/>
-              </a:rPr>
-              <a:t>EmailMessage email = </a:t>
-            </a:r>
-            <a:r>
-              <a:rPr b="1" lang="en-US" sz="1500">
-                <a:solidFill>
-                  <a:srgbClr val="7f0055"/>
-                </a:solidFill>
-                <a:latin typeface="Monospace"/>
-                <a:ea typeface="Monospace"/>
-              </a:rPr>
-              <a:t>new</a:t>
-            </a:r>
-            <a:r>
-              <a:rPr lang="en-US" sz="1500">
-                <a:solidFill>
-                  <a:srgbClr val="000000"/>
-                </a:solidFill>
-                <a:latin typeface="Monospace"/>
-                <a:ea typeface="Monospace"/>
-              </a:rPr>
-              <a:t> EmailMessage( recipient, message );</a:t>
-            </a:r>
-            <a:endParaRPr/>
-          </a:p>
-          <a:p>
-            <a:r>
-              <a:rPr lang="en-US" sz="1500">
-                <a:solidFill>
-                  <a:srgbClr val="000000"/>
-                </a:solidFill>
-                <a:latin typeface="Courier 10 Pitch"/>
-                <a:ea typeface="Monospace"/>
-              </a:rPr>
-              <a:t>      </a:t>
-            </a:r>
-            <a:r>
-              <a:rPr lang="en-US" sz="1500">
-                <a:solidFill>
-                  <a:srgbClr val="000000"/>
-                </a:solidFill>
-                <a:latin typeface="Courier 10 Pitch"/>
-                <a:ea typeface="Monospace"/>
-              </a:rPr>
-              <a:t>email.send();</a:t>
-            </a:r>
-            <a:endParaRPr/>
-          </a:p>
-          <a:p>
-            <a:r>
-              <a:rPr lang="en-US" sz="1500">
-                <a:solidFill>
-                  <a:srgbClr val="000000"/>
-                </a:solidFill>
-                <a:latin typeface="Courier 10 Pitch"/>
-                <a:ea typeface="Monospace"/>
-              </a:rPr>
-              <a:t>    </a:t>
-            </a:r>
-            <a:r>
-              <a:rPr lang="en-US" sz="1500">
-                <a:solidFill>
-                  <a:srgbClr val="000000"/>
-                </a:solidFill>
-                <a:latin typeface="Courier 10 Pitch"/>
-                <a:ea typeface="Monospace"/>
-              </a:rPr>
-              <a:t>}</a:t>
-            </a:r>
-            <a:endParaRPr/>
-          </a:p>
-          <a:p>
-            <a:r>
-              <a:rPr b="1" lang="en-US" sz="1500">
-                <a:solidFill>
-                  <a:srgbClr val="7f0055"/>
-                </a:solidFill>
-                <a:latin typeface="Monospace"/>
-                <a:ea typeface="Monospace"/>
-              </a:rPr>
-              <a:t>    </a:t>
-            </a:r>
-            <a:r>
-              <a:rPr b="1" lang="en-US" sz="1500">
-                <a:solidFill>
-                  <a:srgbClr val="7f0055"/>
-                </a:solidFill>
-                <a:latin typeface="Monospace"/>
-                <a:ea typeface="Monospace"/>
-              </a:rPr>
-              <a:t>return</a:t>
-            </a:r>
-            <a:r>
-              <a:rPr lang="en-US" sz="1500">
-                <a:solidFill>
-                  <a:srgbClr val="000000"/>
-                </a:solidFill>
-                <a:latin typeface="Monospace"/>
-                <a:ea typeface="Monospace"/>
-              </a:rPr>
-              <a:t> </a:t>
-            </a:r>
-            <a:r>
-              <a:rPr b="1" lang="en-US" sz="1500">
-                <a:solidFill>
-                  <a:srgbClr val="7f0055"/>
-                </a:solidFill>
-                <a:latin typeface="Monospace"/>
-                <a:ea typeface="Monospace"/>
-              </a:rPr>
-              <a:t>true</a:t>
-            </a:r>
-            <a:r>
-              <a:rPr lang="en-US" sz="1500">
-                <a:solidFill>
-                  <a:srgbClr val="000000"/>
-                </a:solidFill>
-                <a:latin typeface="Monospace"/>
-                <a:ea typeface="Monospace"/>
-              </a:rPr>
-              <a:t>;</a:t>
-            </a:r>
-            <a:endParaRPr/>
-          </a:p>
-          <a:p>
-            <a:r>
-              <a:rPr lang="en-US" sz="1500">
-                <a:solidFill>
-                  <a:srgbClr val="000000"/>
-                </a:solidFill>
-                <a:latin typeface="Courier 10 Pitch"/>
-                <a:ea typeface="Monospace"/>
-              </a:rPr>
-              <a:t>  </a:t>
-            </a:r>
-            <a:r>
-              <a:rPr lang="en-US" sz="1500">
-                <a:solidFill>
-                  <a:srgbClr val="000000"/>
-                </a:solidFill>
-                <a:latin typeface="Courier 10 Pitch"/>
-                <a:ea typeface="Monospace"/>
-              </a:rPr>
-              <a:t>}</a:t>
-            </a:r>
-            <a:endParaRPr/>
-          </a:p>
-          <a:p>
-            <a:endParaRPr/>
-          </a:p>
-          <a:p>
-            <a:r>
-              <a:rPr lang="en-US" sz="1500">
-                <a:solidFill>
-                  <a:srgbClr val="000000"/>
-                </a:solidFill>
-                <a:latin typeface="Courier 10 Pitch"/>
-                <a:ea typeface="Monospace"/>
-              </a:rPr>
-              <a:t>}</a:t>
+              <a:t>Of to code-land   … </a:t>
             </a:r>
             <a:endParaRPr/>
           </a:p>
@@ -7135,450 +5780,4 @@
     </a:fmtScheme>
   </a:themeElements>
 </a:theme>
-</file>
-
-<file path=ppt/theme/theme3.xml><?xml version="1.0" encoding="utf-8"?>
-<a:theme xmlns:a="http://schemas.openxmlformats.org/drawingml/2006/main" name="Office Theme">
-  <a:themeElements>
-    <a:clrScheme name="Office">
-      <a:dk1>
-        <a:sysClr val="windowText" lastClr="000000"/>
-      </a:dk1>
-      <a:lt1>
-        <a:sysClr val="window" lastClr="FFFFFF"/>
-      </a:lt1>
-      <a:dk2>
-        <a:srgbClr val="1F497D"/>
-      </a:dk2>
-      <a:lt2>
-        <a:srgbClr val="EEECE1"/>
-      </a:lt2>
-      <a:accent1>
-        <a:srgbClr val="4F81BD"/>
-      </a:accent1>
-      <a:accent2>
-        <a:srgbClr val="C0504D"/>
-      </a:accent2>
-      <a:accent3>
-        <a:srgbClr val="9BBB59"/>
-      </a:accent3>
-      <a:accent4>
-        <a:srgbClr val="8064A2"/>
-      </a:accent4>
-      <a:accent5>
-        <a:srgbClr val="4BACC6"/>
-      </a:accent5>
-      <a:accent6>
-        <a:srgbClr val="F79646"/>
-      </a:accent6>
-      <a:hlink>
-        <a:srgbClr val="0000FF"/>
-      </a:hlink>
-      <a:folHlink>
-        <a:srgbClr val="800080"/>
-      </a:folHlink>
-    </a:clrScheme>
-    <a:fontScheme name="Office">
-      <a:majorFont>
-        <a:latin typeface="Arial"/>
-        <a:ea typeface="DejaVu Sans"/>
-        <a:cs typeface="DejaVu Sans"/>
-      </a:majorFont>
-      <a:minorFont>
-        <a:latin typeface="Arial"/>
-        <a:ea typeface="DejaVu Sans"/>
-        <a:cs typeface="DejaVu Sans"/>
-      </a:minorFont>
-    </a:fontScheme>
-    <a:fmtScheme name="Office">
-      <a:fillStyleLst>
-        <a:solidFill>
-          <a:schemeClr val="phClr"/>
-        </a:solidFill>
-        <a:gradFill rotWithShape="1">
-          <a:gsLst>
-            <a:gs pos="0">
-              <a:schemeClr val="phClr">
-                <a:tint val="50000"/>
-                <a:satMod val="300000"/>
-              </a:schemeClr>
-            </a:gs>
-            <a:gs pos="35000">
-              <a:schemeClr val="phClr">
-                <a:tint val="37000"/>
-                <a:satMod val="300000"/>
-              </a:schemeClr>
-            </a:gs>
-            <a:gs pos="100000">
-              <a:schemeClr val="phClr">
-                <a:tint val="15000"/>
-                <a:satMod val="350000"/>
-              </a:schemeClr>
-            </a:gs>
-          </a:gsLst>
-          <a:lin ang="16200000" scaled="1"/>
-        </a:gradFill>
-        <a:gradFill rotWithShape="1">
-          <a:gsLst>
-            <a:gs pos="0">
-              <a:schemeClr val="phClr">
-                <a:shade val="51000"/>
-                <a:satMod val="130000"/>
-              </a:schemeClr>
-            </a:gs>
-            <a:gs pos="80000">
-              <a:schemeClr val="phClr">
-                <a:shade val="93000"/>
-                <a:satMod val="130000"/>
-              </a:schemeClr>
-            </a:gs>
-            <a:gs pos="100000">
-              <a:schemeClr val="phClr">
-                <a:shade val="94000"/>
-                <a:satMod val="135000"/>
-              </a:schemeClr>
-            </a:gs>
-          </a:gsLst>
-          <a:lin ang="16200000" scaled="0"/>
-        </a:gradFill>
-      </a:fillStyleLst>
-      <a:lnStyleLst>
-        <a:ln w="9525" cap="flat" cmpd="sng" algn="ctr">
-          <a:solidFill>
-            <a:schemeClr val="phClr">
-              <a:shade val="95000"/>
-              <a:satMod val="105000"/>
-            </a:schemeClr>
-          </a:solidFill>
-          <a:prstDash val="solid"/>
-        </a:ln>
-        <a:ln w="25400" cap="flat" cmpd="sng" algn="ctr">
-          <a:solidFill>
-            <a:schemeClr val="phClr"/>
-          </a:solidFill>
-          <a:prstDash val="solid"/>
-        </a:ln>
-        <a:ln w="38100" cap="flat" cmpd="sng" algn="ctr">
-          <a:solidFill>
-            <a:schemeClr val="phClr"/>
-          </a:solidFill>
-          <a:prstDash val="solid"/>
-        </a:ln>
-      </a:lnStyleLst>
-      <a:effectStyleLst>
-        <a:effectStyle>
-          <a:effectLst>
-            <a:outerShdw blurRad="40000" dist="20000" dir="5400000" rotWithShape="0">
-              <a:srgbClr val="000000">
-                <a:alpha val="38000"/>
-              </a:srgbClr>
-            </a:outerShdw>
-          </a:effectLst>
-        </a:effectStyle>
-        <a:effectStyle>
-          <a:effectLst>
-            <a:outerShdw blurRad="40000" dist="23000" dir="5400000" rotWithShape="0">
-              <a:srgbClr val="000000">
-                <a:alpha val="35000"/>
-              </a:srgbClr>
-            </a:outerShdw>
-          </a:effectLst>
-        </a:effectStyle>
-        <a:effectStyle>
-          <a:effectLst>
-            <a:outerShdw blurRad="40000" dist="23000" dir="5400000" rotWithShape="0">
-              <a:srgbClr val="000000">
-                <a:alpha val="35000"/>
-              </a:srgbClr>
-            </a:outerShdw>
-          </a:effectLst>
-          <a:scene3d>
-            <a:camera prst="orthographicFront">
-              <a:rot lat="0" lon="0" rev="0"/>
-            </a:camera>
-            <a:lightRig rig="threePt" dir="t">
-              <a:rot lat="0" lon="0" rev="1200000"/>
-            </a:lightRig>
-          </a:scene3d>
-          <a:sp3d>
-            <a:bevelT w="63500" h="25400"/>
-          </a:sp3d>
-        </a:effectStyle>
-      </a:effectStyleLst>
-      <a:bgFillStyleLst>
-        <a:solidFill>
-          <a:schemeClr val="phClr"/>
-        </a:solidFill>
-        <a:gradFill rotWithShape="1">
-          <a:gsLst>
-            <a:gs pos="0">
-              <a:schemeClr val="phClr">
-                <a:tint val="40000"/>
-                <a:satMod val="350000"/>
-              </a:schemeClr>
-            </a:gs>
-            <a:gs pos="40000">
-              <a:schemeClr val="phClr">
-                <a:tint val="45000"/>
-                <a:shade val="99000"/>
-                <a:satMod val="350000"/>
-              </a:schemeClr>
-            </a:gs>
-            <a:gs pos="100000">
-              <a:schemeClr val="phClr">
-                <a:shade val="20000"/>
-                <a:satMod val="255000"/>
-              </a:schemeClr>
-            </a:gs>
-          </a:gsLst>
-          <a:path path="circle">
-            <a:fillToRect l="50000" t="-80000" r="50000" b="180000"/>
-          </a:path>
-        </a:gradFill>
-        <a:gradFill rotWithShape="1">
-          <a:gsLst>
-            <a:gs pos="0">
-              <a:schemeClr val="phClr">
-                <a:tint val="80000"/>
-                <a:satMod val="300000"/>
-              </a:schemeClr>
-            </a:gs>
-            <a:gs pos="100000">
-              <a:schemeClr val="phClr">
-                <a:shade val="30000"/>
-                <a:satMod val="200000"/>
-              </a:schemeClr>
-            </a:gs>
-          </a:gsLst>
-          <a:path path="circle">
-            <a:fillToRect l="50000" t="50000" r="50000" b="50000"/>
-          </a:path>
-        </a:gradFill>
-      </a:bgFillStyleLst>
-    </a:fmtScheme>
-  </a:themeElements>
-</a:theme>
-</file>
-
-<file path=ppt/theme/theme4.xml><?xml version="1.0" encoding="utf-8"?>
-<a:theme xmlns:a="http://schemas.openxmlformats.org/drawingml/2006/main" name="Office Theme">
-  <a:themeElements>
-    <a:clrScheme name="Office">
-      <a:dk1>
-        <a:sysClr val="windowText" lastClr="000000"/>
-      </a:dk1>
-      <a:lt1>
-        <a:sysClr val="window" lastClr="FFFFFF"/>
-      </a:lt1>
-      <a:dk2>
-        <a:srgbClr val="1F497D"/>
-      </a:dk2>
-      <a:lt2>
-        <a:srgbClr val="EEECE1"/>
-      </a:lt2>
-      <a:accent1>
-        <a:srgbClr val="4F81BD"/>
-      </a:accent1>
-      <a:accent2>
-        <a:srgbClr val="C0504D"/>
-      </a:accent2>
-      <a:accent3>
-        <a:srgbClr val="9BBB59"/>
-      </a:accent3>
-      <a:accent4>
-        <a:srgbClr val="8064A2"/>
-      </a:accent4>
-      <a:accent5>
-        <a:srgbClr val="4BACC6"/>
-      </a:accent5>
-      <a:accent6>
-        <a:srgbClr val="F79646"/>
-      </a:accent6>
-      <a:hlink>
-        <a:srgbClr val="0000FF"/>
-      </a:hlink>
-      <a:folHlink>
-        <a:srgbClr val="800080"/>
-      </a:folHlink>
-    </a:clrScheme>
-    <a:fontScheme name="Office">
-      <a:majorFont>
-        <a:latin typeface="Arial"/>
-        <a:ea typeface="DejaVu Sans"/>
-        <a:cs typeface="DejaVu Sans"/>
-      </a:majorFont>
-      <a:minorFont>
-        <a:latin typeface="Arial"/>
-        <a:ea typeface="DejaVu Sans"/>
-        <a:cs typeface="DejaVu Sans"/>
-      </a:minorFont>
-    </a:fontScheme>
-    <a:fmtScheme name="Office">
-      <a:fillStyleLst>
-        <a:solidFill>
-          <a:schemeClr val="phClr"/>
-        </a:solidFill>
-        <a:gradFill rotWithShape="1">
-          <a:gsLst>
-            <a:gs pos="0">
-              <a:schemeClr val="phClr">
-                <a:tint val="50000"/>
-                <a:satMod val="300000"/>
-              </a:schemeClr>
-            </a:gs>
-            <a:gs pos="35000">
-              <a:schemeClr val="phClr">
-                <a:tint val="37000"/>
-                <a:satMod val="300000"/>
-              </a:schemeClr>
-            </a:gs>
-            <a:gs pos="100000">
-              <a:schemeClr val="phClr">
-                <a:tint val="15000"/>
-                <a:satMod val="350000"/>
-              </a:schemeClr>
-            </a:gs>
-          </a:gsLst>
-          <a:lin ang="16200000" scaled="1"/>
-        </a:gradFill>
-        <a:gradFill rotWithShape="1">
-          <a:gsLst>
-            <a:gs pos="0">
-              <a:schemeClr val="phClr">
-                <a:shade val="51000"/>
-                <a:satMod val="130000"/>
-              </a:schemeClr>
-            </a:gs>
-            <a:gs pos="80000">
-              <a:schemeClr val="phClr">
-                <a:shade val="93000"/>
-                <a:satMod val="130000"/>
-              </a:schemeClr>
-            </a:gs>
-            <a:gs pos="100000">
-              <a:schemeClr val="phClr">
-                <a:shade val="94000"/>
-                <a:satMod val="135000"/>
-              </a:schemeClr>
-            </a:gs>
-          </a:gsLst>
-          <a:lin ang="16200000" scaled="0"/>
-        </a:gradFill>
-      </a:fillStyleLst>
-      <a:lnStyleLst>
-        <a:ln w="9525" cap="flat" cmpd="sng" algn="ctr">
-          <a:solidFill>
-            <a:schemeClr val="phClr">
-              <a:shade val="95000"/>
-              <a:satMod val="105000"/>
-            </a:schemeClr>
-          </a:solidFill>
-          <a:prstDash val="solid"/>
-        </a:ln>
-        <a:ln w="25400" cap="flat" cmpd="sng" algn="ctr">
-          <a:solidFill>
-            <a:schemeClr val="phClr"/>
-          </a:solidFill>
-          <a:prstDash val="solid"/>
-        </a:ln>
-        <a:ln w="38100" cap="flat" cmpd="sng" algn="ctr">
-          <a:solidFill>
-            <a:schemeClr val="phClr"/>
-          </a:solidFill>
-          <a:prstDash val="solid"/>
-        </a:ln>
-      </a:lnStyleLst>
-      <a:effectStyleLst>
-        <a:effectStyle>
-          <a:effectLst>
-            <a:outerShdw blurRad="40000" dist="20000" dir="5400000" rotWithShape="0">
-              <a:srgbClr val="000000">
-                <a:alpha val="38000"/>
-              </a:srgbClr>
-            </a:outerShdw>
-          </a:effectLst>
-        </a:effectStyle>
-        <a:effectStyle>
-          <a:effectLst>
-            <a:outerShdw blurRad="40000" dist="23000" dir="5400000" rotWithShape="0">
-              <a:srgbClr val="000000">
-                <a:alpha val="35000"/>
-              </a:srgbClr>
-            </a:outerShdw>
-          </a:effectLst>
-        </a:effectStyle>
-        <a:effectStyle>
-          <a:effectLst>
-            <a:outerShdw blurRad="40000" dist="23000" dir="5400000" rotWithShape="0">
-              <a:srgbClr val="000000">
-                <a:alpha val="35000"/>
-              </a:srgbClr>
-            </a:outerShdw>
-          </a:effectLst>
-          <a:scene3d>
-            <a:camera prst="orthographicFront">
-              <a:rot lat="0" lon="0" rev="0"/>
-            </a:camera>
-            <a:lightRig rig="threePt" dir="t">
-              <a:rot lat="0" lon="0" rev="1200000"/>
-            </a:lightRig>
-          </a:scene3d>
-          <a:sp3d>
-            <a:bevelT w="63500" h="25400"/>
-          </a:sp3d>
-        </a:effectStyle>
-      </a:effectStyleLst>
-      <a:bgFillStyleLst>
-        <a:solidFill>
-          <a:schemeClr val="phClr"/>
-        </a:solidFill>
-        <a:gradFill rotWithShape="1">
-          <a:gsLst>
-            <a:gs pos="0">
-              <a:schemeClr val="phClr">
-                <a:tint val="40000"/>
-                <a:satMod val="350000"/>
-              </a:schemeClr>
-            </a:gs>
-            <a:gs pos="40000">
-              <a:schemeClr val="phClr">
-                <a:tint val="45000"/>
-                <a:shade val="99000"/>
-                <a:satMod val="350000"/>
-              </a:schemeClr>
-            </a:gs>
-            <a:gs pos="100000">
-              <a:schemeClr val="phClr">
-                <a:shade val="20000"/>
-                <a:satMod val="255000"/>
-              </a:schemeClr>
-            </a:gs>
-          </a:gsLst>
-          <a:path path="circle">
-            <a:fillToRect l="50000" t="-80000" r="50000" b="180000"/>
-          </a:path>
-        </a:gradFill>
-        <a:gradFill rotWithShape="1">
-          <a:gsLst>
-            <a:gs pos="0">
-              <a:schemeClr val="phClr">
-                <a:tint val="80000"/>
-                <a:satMod val="300000"/>
-              </a:schemeClr>
-            </a:gs>
-            <a:gs pos="100000">
-              <a:schemeClr val="phClr">
-                <a:shade val="30000"/>
-                <a:satMod val="200000"/>
-              </a:schemeClr>
-            </a:gs>
-          </a:gsLst>
-          <a:path path="circle">
-            <a:fillToRect l="50000" t="50000" r="50000" b="50000"/>
-          </a:path>
-        </a:gradFill>
-      </a:bgFillStyleLst>
-    </a:fmtScheme>
-  </a:themeElements>
-</a:theme>
 </file>